--- a/INDUSTRIES.pptx
+++ b/INDUSTRIES.pptx
@@ -1,11 +1,13 @@
 
 <file path=ppt/presentation.xml><?xml version="1.0" encoding="utf-8"?>
-<p:presentation xmlns:a="http://schemas.openxmlformats.org/drawingml/2006/main" xmlns:r="http://schemas.openxmlformats.org/officeDocument/2006/relationships" xmlns:p="http://schemas.openxmlformats.org/presentationml/2006/main" saveSubsetFonts="1">
+<p:presentation xmlns:p="http://schemas.openxmlformats.org/presentationml/2006/main" xmlns:r="http://schemas.openxmlformats.org/officeDocument/2006/relationships" xmlns:a="http://schemas.openxmlformats.org/drawingml/2006/main" saveSubsetFonts="1">
   <p:sldMasterIdLst>
-    <p:sldMasterId id="2147483660" r:id="rId1"/>
+    <p:sldMasterId id="2147483648" r:id="rId1"/>
   </p:sldMasterIdLst>
+  <p:notesMasterIdLst>
+    <p:notesMasterId r:id="rId2"/>
+  </p:notesMasterIdLst>
   <p:sldIdLst>
-    <p:sldId id="256" r:id="rId2"/>
     <p:sldId id="257" r:id="rId3"/>
     <p:sldId id="258" r:id="rId4"/>
     <p:sldId id="259" r:id="rId5"/>
@@ -13,14 +15,15 @@
     <p:sldId id="261" r:id="rId7"/>
     <p:sldId id="262" r:id="rId8"/>
     <p:sldId id="263" r:id="rId9"/>
+    <p:sldId id="264" r:id="rId10"/>
   </p:sldIdLst>
-  <p:sldSz cx="12192000" cy="6858000"/>
+  <p:sldSz type="screen16x9" cy="6858000" cx="12192000"/>
   <p:notesSz cx="6858000" cy="9144000"/>
   <p:defaultTextStyle>
     <a:defPPr>
       <a:defRPr lang="en-US"/>
     </a:defPPr>
-    <a:lvl1pPr marL="0" algn="l" defTabSz="457200" rtl="0" eaLnBrk="1" latinLnBrk="0" hangingPunct="1">
+    <a:lvl1pPr algn="l" defTabSz="457200" eaLnBrk="1" hangingPunct="1" latinLnBrk="0" marL="0" rtl="0">
       <a:defRPr sz="1800" kern="1200">
         <a:solidFill>
           <a:schemeClr val="tx1"/>
@@ -30,7 +33,7 @@
         <a:cs typeface="+mn-cs"/>
       </a:defRPr>
     </a:lvl1pPr>
-    <a:lvl2pPr marL="457200" algn="l" defTabSz="457200" rtl="0" eaLnBrk="1" latinLnBrk="0" hangingPunct="1">
+    <a:lvl2pPr algn="l" defTabSz="457200" eaLnBrk="1" hangingPunct="1" latinLnBrk="0" marL="457200" rtl="0">
       <a:defRPr sz="1800" kern="1200">
         <a:solidFill>
           <a:schemeClr val="tx1"/>
@@ -40,7 +43,7 @@
         <a:cs typeface="+mn-cs"/>
       </a:defRPr>
     </a:lvl2pPr>
-    <a:lvl3pPr marL="914400" algn="l" defTabSz="457200" rtl="0" eaLnBrk="1" latinLnBrk="0" hangingPunct="1">
+    <a:lvl3pPr algn="l" defTabSz="457200" eaLnBrk="1" hangingPunct="1" latinLnBrk="0" marL="914400" rtl="0">
       <a:defRPr sz="1800" kern="1200">
         <a:solidFill>
           <a:schemeClr val="tx1"/>
@@ -50,7 +53,7 @@
         <a:cs typeface="+mn-cs"/>
       </a:defRPr>
     </a:lvl3pPr>
-    <a:lvl4pPr marL="1371600" algn="l" defTabSz="457200" rtl="0" eaLnBrk="1" latinLnBrk="0" hangingPunct="1">
+    <a:lvl4pPr algn="l" defTabSz="457200" eaLnBrk="1" hangingPunct="1" latinLnBrk="0" marL="1371600" rtl="0">
       <a:defRPr sz="1800" kern="1200">
         <a:solidFill>
           <a:schemeClr val="tx1"/>
@@ -60,7 +63,7 @@
         <a:cs typeface="+mn-cs"/>
       </a:defRPr>
     </a:lvl4pPr>
-    <a:lvl5pPr marL="1828800" algn="l" defTabSz="457200" rtl="0" eaLnBrk="1" latinLnBrk="0" hangingPunct="1">
+    <a:lvl5pPr algn="l" defTabSz="457200" eaLnBrk="1" hangingPunct="1" latinLnBrk="0" marL="1828800" rtl="0">
       <a:defRPr sz="1800" kern="1200">
         <a:solidFill>
           <a:schemeClr val="tx1"/>
@@ -70,7 +73,7 @@
         <a:cs typeface="+mn-cs"/>
       </a:defRPr>
     </a:lvl5pPr>
-    <a:lvl6pPr marL="2286000" algn="l" defTabSz="457200" rtl="0" eaLnBrk="1" latinLnBrk="0" hangingPunct="1">
+    <a:lvl6pPr algn="l" defTabSz="457200" eaLnBrk="1" hangingPunct="1" latinLnBrk="0" marL="2286000" rtl="0">
       <a:defRPr sz="1800" kern="1200">
         <a:solidFill>
           <a:schemeClr val="tx1"/>
@@ -80,7 +83,7 @@
         <a:cs typeface="+mn-cs"/>
       </a:defRPr>
     </a:lvl6pPr>
-    <a:lvl7pPr marL="2743200" algn="l" defTabSz="457200" rtl="0" eaLnBrk="1" latinLnBrk="0" hangingPunct="1">
+    <a:lvl7pPr algn="l" defTabSz="457200" eaLnBrk="1" hangingPunct="1" latinLnBrk="0" marL="2743200" rtl="0">
       <a:defRPr sz="1800" kern="1200">
         <a:solidFill>
           <a:schemeClr val="tx1"/>
@@ -90,7 +93,7 @@
         <a:cs typeface="+mn-cs"/>
       </a:defRPr>
     </a:lvl7pPr>
-    <a:lvl8pPr marL="3200400" algn="l" defTabSz="457200" rtl="0" eaLnBrk="1" latinLnBrk="0" hangingPunct="1">
+    <a:lvl8pPr algn="l" defTabSz="457200" eaLnBrk="1" hangingPunct="1" latinLnBrk="0" marL="3200400" rtl="0">
       <a:defRPr sz="1800" kern="1200">
         <a:solidFill>
           <a:schemeClr val="tx1"/>
@@ -100,7 +103,7 @@
         <a:cs typeface="+mn-cs"/>
       </a:defRPr>
     </a:lvl8pPr>
-    <a:lvl9pPr marL="3657600" algn="l" defTabSz="457200" rtl="0" eaLnBrk="1" latinLnBrk="0" hangingPunct="1">
+    <a:lvl9pPr algn="l" defTabSz="457200" eaLnBrk="1" hangingPunct="1" latinLnBrk="0" marL="3657600" rtl="0">
       <a:defRPr sz="1800" kern="1200">
         <a:solidFill>
           <a:schemeClr val="tx1"/>
@@ -111,20 +114,422 @@
       </a:defRPr>
     </a:lvl9pPr>
   </p:defaultTextStyle>
-  <p:extLst>
-    <p:ext uri="{EFAFB233-063F-42B5-8137-9DF3F51BA10A}">
-      <p15:sldGuideLst xmlns:p15="http://schemas.microsoft.com/office/powerpoint/2012/main"/>
-    </p:ext>
-  </p:extLst>
 </p:presentation>
 </file>
 
+<file path=ppt/notesMasters/notesMaster1.xml><?xml version="1.0" encoding="utf-8"?>
+<p:notesMaster xmlns:a="http://schemas.openxmlformats.org/drawingml/2006/main" xmlns:r="http://schemas.openxmlformats.org/officeDocument/2006/relationships" xmlns:p="http://schemas.openxmlformats.org/presentationml/2006/main">
+  <p:cSld>
+    <p:bg>
+      <p:bgPr>
+        <a:solidFill>
+          <a:schemeClr val="bg1"/>
+        </a:solidFill>
+        <a:effectLst/>
+      </p:bgPr>
+    </p:bg>
+    <p:spTree>
+      <p:nvGrpSpPr>
+        <p:cNvPr id="55" name=""/>
+        <p:cNvGrpSpPr/>
+        <p:nvPr/>
+      </p:nvGrpSpPr>
+      <p:grpSpPr>
+        <a:xfrm>
+          <a:off x="0" y="0"/>
+          <a:ext cx="0" cy="0"/>
+          <a:chOff x="0" y="0"/>
+          <a:chExt cx="0" cy="0"/>
+        </a:xfrm>
+      </p:grpSpPr>
+      <p:sp>
+        <p:nvSpPr>
+          <p:cNvPr id="1048695" name="Rectangle 2"/>
+          <p:cNvSpPr>
+            <a:spLocks noGrp="1" noChangeArrowheads="1"/>
+          </p:cNvSpPr>
+          <p:nvPr>
+            <p:ph type="hdr" sz="quarter"/>
+          </p:nvPr>
+        </p:nvSpPr>
+        <p:spPr bwMode="auto">
+          <a:xfrm>
+            <a:off x="2" y="1"/>
+            <a:ext cx="3076575" cy="512763"/>
+          </a:xfrm>
+          <a:prstGeom prst="rect"/>
+          <a:noFill/>
+          <a:ln w="9525">
+            <a:noFill/>
+            <a:miter lim="800000"/>
+            <a:headEnd/>
+            <a:tailEnd/>
+          </a:ln>
+          <a:effectLst/>
+        </p:spPr>
+        <p:txBody>
+          <a:bodyPr anchor="t" anchorCtr="0" bIns="45745" compatLnSpc="1" lIns="91492" numCol="1" rIns="91492" tIns="45745" vert="horz" wrap="square">
+            <a:prstTxWarp prst="textNoShape"/>
+          </a:bodyPr>
+          <a:lstStyle>
+            <a:lvl1pPr algn="l">
+              <a:defRPr sz="1100"/>
+            </a:lvl1pPr>
+          </a:lstStyle>
+          <a:p>
+            <a:endParaRPr lang="en-US"/>
+          </a:p>
+        </p:txBody>
+      </p:sp>
+      <p:sp>
+        <p:nvSpPr>
+          <p:cNvPr id="1048696" name="Rectangle 3"/>
+          <p:cNvSpPr>
+            <a:spLocks noGrp="1" noChangeArrowheads="1"/>
+          </p:cNvSpPr>
+          <p:nvPr>
+            <p:ph type="dt" idx="1"/>
+          </p:nvPr>
+        </p:nvSpPr>
+        <p:spPr bwMode="auto">
+          <a:xfrm>
+            <a:off x="4021139" y="1"/>
+            <a:ext cx="3076575" cy="512763"/>
+          </a:xfrm>
+          <a:prstGeom prst="rect"/>
+          <a:noFill/>
+          <a:ln w="9525">
+            <a:noFill/>
+            <a:miter lim="800000"/>
+            <a:headEnd/>
+            <a:tailEnd/>
+          </a:ln>
+          <a:effectLst/>
+        </p:spPr>
+        <p:txBody>
+          <a:bodyPr anchor="t" anchorCtr="0" bIns="45745" compatLnSpc="1" lIns="91492" numCol="1" rIns="91492" tIns="45745" vert="horz" wrap="square">
+            <a:prstTxWarp prst="textNoShape"/>
+          </a:bodyPr>
+          <a:lstStyle>
+            <a:lvl1pPr algn="r">
+              <a:defRPr sz="1100"/>
+            </a:lvl1pPr>
+          </a:lstStyle>
+          <a:p>
+            <a:endParaRPr lang="en-US"/>
+          </a:p>
+        </p:txBody>
+      </p:sp>
+      <p:sp>
+        <p:nvSpPr>
+          <p:cNvPr id="1048697" name="Rectangle 4"/>
+          <p:cNvSpPr>
+            <a:spLocks noChangeAspect="1" noRot="1" noGrp="1" noChangeArrowheads="1" noTextEdit="1"/>
+          </p:cNvSpPr>
+          <p:nvPr>
+            <p:ph type="sldImg" idx="2"/>
+          </p:nvPr>
+        </p:nvSpPr>
+        <p:spPr bwMode="auto">
+          <a:xfrm>
+            <a:off x="990600" y="766763"/>
+            <a:ext cx="5118100" cy="3838575"/>
+          </a:xfrm>
+          <a:prstGeom prst="rect"/>
+          <a:noFill/>
+          <a:ln w="9525">
+            <a:solidFill>
+              <a:srgbClr val="000000"/>
+            </a:solidFill>
+            <a:miter lim="800000"/>
+            <a:headEnd/>
+            <a:tailEnd/>
+          </a:ln>
+          <a:effectLst/>
+        </p:spPr>
+      </p:sp>
+      <p:sp>
+        <p:nvSpPr>
+          <p:cNvPr id="1048698" name="Rectangle 5"/>
+          <p:cNvSpPr>
+            <a:spLocks noGrp="1" noChangeArrowheads="1"/>
+          </p:cNvSpPr>
+          <p:nvPr>
+            <p:ph type="body" sz="quarter" idx="3"/>
+          </p:nvPr>
+        </p:nvSpPr>
+        <p:spPr bwMode="auto">
+          <a:xfrm>
+            <a:off x="709614" y="4862514"/>
+            <a:ext cx="5680075" cy="4605337"/>
+          </a:xfrm>
+          <a:prstGeom prst="rect"/>
+          <a:noFill/>
+          <a:ln w="9525">
+            <a:noFill/>
+            <a:miter lim="800000"/>
+            <a:headEnd/>
+            <a:tailEnd/>
+          </a:ln>
+          <a:effectLst/>
+        </p:spPr>
+        <p:txBody>
+          <a:bodyPr anchor="t" anchorCtr="0" bIns="45745" compatLnSpc="1" lIns="91492" numCol="1" rIns="91492" tIns="45745" vert="horz" wrap="square">
+            <a:prstTxWarp prst="textNoShape"/>
+          </a:bodyPr>
+          <a:p>
+            <a:pPr lvl="0"/>
+            <a:r>
+              <a:rPr lang="en-US" smtClean="0"/>
+              <a:t>Click to edit Master text styles</a:t>
+            </a:r>
+          </a:p>
+          <a:p>
+            <a:pPr lvl="1"/>
+            <a:r>
+              <a:rPr lang="en-US" smtClean="0"/>
+              <a:t>Second level</a:t>
+            </a:r>
+          </a:p>
+          <a:p>
+            <a:pPr lvl="2"/>
+            <a:r>
+              <a:rPr lang="en-US" smtClean="0"/>
+              <a:t>Third level</a:t>
+            </a:r>
+          </a:p>
+          <a:p>
+            <a:pPr lvl="3"/>
+            <a:r>
+              <a:rPr lang="en-US" smtClean="0"/>
+              <a:t>Fourth level</a:t>
+            </a:r>
+          </a:p>
+          <a:p>
+            <a:pPr lvl="4"/>
+            <a:r>
+              <a:rPr lang="en-US" smtClean="0"/>
+              <a:t>Fifth level</a:t>
+            </a:r>
+          </a:p>
+        </p:txBody>
+      </p:sp>
+      <p:sp>
+        <p:nvSpPr>
+          <p:cNvPr id="1048699" name="Rectangle 6"/>
+          <p:cNvSpPr>
+            <a:spLocks noGrp="1" noChangeArrowheads="1"/>
+          </p:cNvSpPr>
+          <p:nvPr>
+            <p:ph type="ftr" sz="quarter" idx="4"/>
+          </p:nvPr>
+        </p:nvSpPr>
+        <p:spPr bwMode="auto">
+          <a:xfrm>
+            <a:off x="2" y="9720264"/>
+            <a:ext cx="3076575" cy="512762"/>
+          </a:xfrm>
+          <a:prstGeom prst="rect"/>
+          <a:noFill/>
+          <a:ln w="9525">
+            <a:noFill/>
+            <a:miter lim="800000"/>
+            <a:headEnd/>
+            <a:tailEnd/>
+          </a:ln>
+          <a:effectLst/>
+        </p:spPr>
+        <p:txBody>
+          <a:bodyPr anchor="b" anchorCtr="0" bIns="45745" compatLnSpc="1" lIns="91492" numCol="1" rIns="91492" tIns="45745" vert="horz" wrap="square">
+            <a:prstTxWarp prst="textNoShape"/>
+          </a:bodyPr>
+          <a:lstStyle>
+            <a:lvl1pPr algn="l">
+              <a:defRPr sz="1100"/>
+            </a:lvl1pPr>
+          </a:lstStyle>
+          <a:p>
+            <a:endParaRPr lang="en-US"/>
+          </a:p>
+        </p:txBody>
+      </p:sp>
+      <p:sp>
+        <p:nvSpPr>
+          <p:cNvPr id="1048700" name="Rectangle 7"/>
+          <p:cNvSpPr>
+            <a:spLocks noGrp="1" noChangeArrowheads="1"/>
+          </p:cNvSpPr>
+          <p:nvPr>
+            <p:ph type="sldNum" sz="quarter" idx="5"/>
+          </p:nvPr>
+        </p:nvSpPr>
+        <p:spPr bwMode="auto">
+          <a:xfrm>
+            <a:off x="4021139" y="9720264"/>
+            <a:ext cx="3076575" cy="512762"/>
+          </a:xfrm>
+          <a:prstGeom prst="rect"/>
+          <a:noFill/>
+          <a:ln w="9525">
+            <a:noFill/>
+            <a:miter lim="800000"/>
+            <a:headEnd/>
+            <a:tailEnd/>
+          </a:ln>
+          <a:effectLst/>
+        </p:spPr>
+        <p:txBody>
+          <a:bodyPr anchor="b" anchorCtr="0" bIns="45745" compatLnSpc="1" lIns="91492" numCol="1" rIns="91492" tIns="45745" vert="horz" wrap="square">
+            <a:prstTxWarp prst="textNoShape"/>
+          </a:bodyPr>
+          <a:lstStyle>
+            <a:lvl1pPr algn="r">
+              <a:defRPr sz="1100"/>
+            </a:lvl1pPr>
+          </a:lstStyle>
+          <a:p>
+            <a:fld id="{A9A0EA98-5831-4853-B862-C702E6EB345C}" type="slidenum">
+              <a:rPr lang="en-US"/>
+              <a:t>‹#›</a:t>
+            </a:fld>
+            <a:endParaRPr lang="en-US"/>
+          </a:p>
+        </p:txBody>
+      </p:sp>
+    </p:spTree>
+  </p:cSld>
+  <p:clrMap accent1="accent1" accent2="accent2" accent3="accent3" accent4="accent4" accent5="accent5" accent6="accent6" bg1="lt1" bg2="lt2" tx1="dk1" tx2="dk2" hlink="hlink" folHlink="folHlink"/>
+  <p:notesStyle>
+    <a:lvl1pPr algn="l" fontAlgn="base" rtl="0">
+      <a:spcBef>
+        <a:spcPct val="30000"/>
+      </a:spcBef>
+      <a:spcAft>
+        <a:spcPct val="0"/>
+      </a:spcAft>
+      <a:defRPr sz="1200" kern="1200">
+        <a:solidFill>
+          <a:schemeClr val="tx1"/>
+        </a:solidFill>
+        <a:latin typeface="Arial" charset="0"/>
+        <a:ea typeface="+mn-ea"/>
+        <a:cs typeface="+mn-cs"/>
+      </a:defRPr>
+    </a:lvl1pPr>
+    <a:lvl2pPr algn="l" fontAlgn="base" marL="457200" rtl="0">
+      <a:spcBef>
+        <a:spcPct val="30000"/>
+      </a:spcBef>
+      <a:spcAft>
+        <a:spcPct val="0"/>
+      </a:spcAft>
+      <a:defRPr sz="1200" kern="1200">
+        <a:solidFill>
+          <a:schemeClr val="tx1"/>
+        </a:solidFill>
+        <a:latin typeface="Arial" charset="0"/>
+        <a:ea typeface="+mn-ea"/>
+        <a:cs typeface="+mn-cs"/>
+      </a:defRPr>
+    </a:lvl2pPr>
+    <a:lvl3pPr algn="l" fontAlgn="base" marL="914400" rtl="0">
+      <a:spcBef>
+        <a:spcPct val="30000"/>
+      </a:spcBef>
+      <a:spcAft>
+        <a:spcPct val="0"/>
+      </a:spcAft>
+      <a:defRPr sz="1200" kern="1200">
+        <a:solidFill>
+          <a:schemeClr val="tx1"/>
+        </a:solidFill>
+        <a:latin typeface="Arial" charset="0"/>
+        <a:ea typeface="+mn-ea"/>
+        <a:cs typeface="+mn-cs"/>
+      </a:defRPr>
+    </a:lvl3pPr>
+    <a:lvl4pPr algn="l" fontAlgn="base" marL="1371600" rtl="0">
+      <a:spcBef>
+        <a:spcPct val="30000"/>
+      </a:spcBef>
+      <a:spcAft>
+        <a:spcPct val="0"/>
+      </a:spcAft>
+      <a:defRPr sz="1200" kern="1200">
+        <a:solidFill>
+          <a:schemeClr val="tx1"/>
+        </a:solidFill>
+        <a:latin typeface="Arial" charset="0"/>
+        <a:ea typeface="+mn-ea"/>
+        <a:cs typeface="+mn-cs"/>
+      </a:defRPr>
+    </a:lvl4pPr>
+    <a:lvl5pPr algn="l" fontAlgn="base" marL="1828800" rtl="0">
+      <a:spcBef>
+        <a:spcPct val="30000"/>
+      </a:spcBef>
+      <a:spcAft>
+        <a:spcPct val="0"/>
+      </a:spcAft>
+      <a:defRPr sz="1200" kern="1200">
+        <a:solidFill>
+          <a:schemeClr val="tx1"/>
+        </a:solidFill>
+        <a:latin typeface="Arial" charset="0"/>
+        <a:ea typeface="+mn-ea"/>
+        <a:cs typeface="+mn-cs"/>
+      </a:defRPr>
+    </a:lvl5pPr>
+    <a:lvl6pPr algn="l" defTabSz="914400" eaLnBrk="1" hangingPunct="1" latinLnBrk="0" marL="2286000" rtl="0">
+      <a:defRPr sz="1200" kern="1200">
+        <a:solidFill>
+          <a:schemeClr val="tx1"/>
+        </a:solidFill>
+        <a:latin typeface="+mn-lt"/>
+        <a:ea typeface="+mn-ea"/>
+        <a:cs typeface="+mn-cs"/>
+      </a:defRPr>
+    </a:lvl6pPr>
+    <a:lvl7pPr algn="l" defTabSz="914400" eaLnBrk="1" hangingPunct="1" latinLnBrk="0" marL="2743200" rtl="0">
+      <a:defRPr sz="1200" kern="1200">
+        <a:solidFill>
+          <a:schemeClr val="tx1"/>
+        </a:solidFill>
+        <a:latin typeface="+mn-lt"/>
+        <a:ea typeface="+mn-ea"/>
+        <a:cs typeface="+mn-cs"/>
+      </a:defRPr>
+    </a:lvl7pPr>
+    <a:lvl8pPr algn="l" defTabSz="914400" eaLnBrk="1" hangingPunct="1" latinLnBrk="0" marL="3200400" rtl="0">
+      <a:defRPr sz="1200" kern="1200">
+        <a:solidFill>
+          <a:schemeClr val="tx1"/>
+        </a:solidFill>
+        <a:latin typeface="+mn-lt"/>
+        <a:ea typeface="+mn-ea"/>
+        <a:cs typeface="+mn-cs"/>
+      </a:defRPr>
+    </a:lvl8pPr>
+    <a:lvl9pPr algn="l" defTabSz="914400" eaLnBrk="1" hangingPunct="1" latinLnBrk="0" marL="3657600" rtl="0">
+      <a:defRPr sz="1200" kern="1200">
+        <a:solidFill>
+          <a:schemeClr val="tx1"/>
+        </a:solidFill>
+        <a:latin typeface="+mn-lt"/>
+        <a:ea typeface="+mn-ea"/>
+        <a:cs typeface="+mn-cs"/>
+      </a:defRPr>
+    </a:lvl9pPr>
+  </p:notesStyle>
+</p:notesMaster>
+</file>
+
 <file path=ppt/slideLayouts/slideLayout1.xml><?xml version="1.0" encoding="utf-8"?>
-<p:sldLayout xmlns:a="http://schemas.openxmlformats.org/drawingml/2006/main" xmlns:r="http://schemas.openxmlformats.org/officeDocument/2006/relationships" xmlns:p="http://schemas.openxmlformats.org/presentationml/2006/main" showMasterSp="0" type="title" preserve="1">
+<p:sldLayout xmlns:a="http://schemas.openxmlformats.org/drawingml/2006/main" xmlns:r="http://schemas.openxmlformats.org/officeDocument/2006/relationships" xmlns:p="http://schemas.openxmlformats.org/presentationml/2006/main" preserve="1" showMasterSp="0" type="title">
   <p:cSld name="Title Slide">
     <p:spTree>
       <p:nvGrpSpPr>
-        <p:cNvPr id="1" name=""/>
+        <p:cNvPr id="29" name=""/>
         <p:cNvGrpSpPr/>
         <p:nvPr/>
       </p:nvGrpSpPr>
@@ -138,7 +543,7 @@
       </p:grpSpPr>
       <p:grpSp>
         <p:nvGrpSpPr>
-          <p:cNvPr id="7" name="Group 6"/>
+          <p:cNvPr id="30" name="Group 6"/>
           <p:cNvGrpSpPr/>
           <p:nvPr/>
         </p:nvGrpSpPr>
@@ -152,20 +557,14 @@
         </p:grpSpPr>
         <p:pic>
           <p:nvPicPr>
-            <p:cNvPr id="16" name="Picture 15" descr="HD-PanelTitleR1.png"/>
+            <p:cNvPr id="2097155" name="Picture 15" descr="HD-PanelTitleR1.png"/>
             <p:cNvPicPr>
               <a:picLocks noChangeAspect="1"/>
             </p:cNvPicPr>
             <p:nvPr/>
           </p:nvPicPr>
           <p:blipFill>
-            <a:blip r:embed="rId2">
-              <a:extLst>
-                <a:ext uri="{28A0092B-C50C-407E-A947-70E740481C1C}">
-                  <a14:useLocalDpi xmlns:a14="http://schemas.microsoft.com/office/drawing/2010/main" val="0"/>
-                </a:ext>
-              </a:extLst>
-            </a:blip>
+            <a:blip xmlns:r="http://schemas.openxmlformats.org/officeDocument/2006/relationships" r:embed="rId1"/>
             <a:stretch>
               <a:fillRect/>
             </a:stretch>
@@ -175,14 +574,12 @@
               <a:off x="0" y="0"/>
               <a:ext cx="12188825" cy="6856214"/>
             </a:xfrm>
-            <a:prstGeom prst="rect">
-              <a:avLst/>
-            </a:prstGeom>
+            <a:prstGeom prst="rect"/>
           </p:spPr>
         </p:pic>
         <p:sp>
           <p:nvSpPr>
-            <p:cNvPr id="26" name="Rectangle 25"/>
+            <p:cNvPr id="1048582" name="Rectangle 25"/>
             <p:cNvSpPr/>
             <p:nvPr/>
           </p:nvSpPr>
@@ -191,9 +588,7 @@
               <a:off x="2328332" y="1540931"/>
               <a:ext cx="7543802" cy="3835401"/>
             </a:xfrm>
-            <a:prstGeom prst="rect">
-              <a:avLst/>
-            </a:prstGeom>
+            <a:prstGeom prst="rect"/>
             <a:noFill/>
             <a:ln w="15875">
               <a:miter lim="800000"/>
@@ -216,66 +611,54 @@
         </p:sp>
         <p:pic>
           <p:nvPicPr>
-            <p:cNvPr id="17" name="Picture 16" descr="HDRibbonTitle-UniformTrim.png"/>
+            <p:cNvPr id="2097156" name="Picture 16" descr="HDRibbonTitle-UniformTrim.png"/>
             <p:cNvPicPr>
               <a:picLocks noChangeAspect="1"/>
             </p:cNvPicPr>
             <p:nvPr/>
           </p:nvPicPr>
           <p:blipFill rotWithShape="1">
-            <a:blip r:embed="rId3">
-              <a:extLst>
-                <a:ext uri="{28A0092B-C50C-407E-A947-70E740481C1C}">
-                  <a14:useLocalDpi xmlns:a14="http://schemas.microsoft.com/office/drawing/2010/main" val="0"/>
-                </a:ext>
-              </a:extLst>
-            </a:blip>
+            <a:blip xmlns:r="http://schemas.openxmlformats.org/officeDocument/2006/relationships" r:embed="rId2"/>
             <a:srcRect/>
-            <a:stretch/>
+            <a:stretch>
+              <a:fillRect/>
+            </a:stretch>
           </p:blipFill>
           <p:spPr>
             <a:xfrm>
               <a:off x="-16934" y="3147609"/>
               <a:ext cx="2478024" cy="612648"/>
             </a:xfrm>
-            <a:prstGeom prst="rect">
-              <a:avLst/>
-            </a:prstGeom>
+            <a:prstGeom prst="rect"/>
           </p:spPr>
         </p:pic>
         <p:pic>
           <p:nvPicPr>
-            <p:cNvPr id="20" name="Picture 19" descr="HDRibbonTitle-UniformTrim.png"/>
+            <p:cNvPr id="2097157" name="Picture 19" descr="HDRibbonTitle-UniformTrim.png"/>
             <p:cNvPicPr>
               <a:picLocks noChangeAspect="1"/>
             </p:cNvPicPr>
             <p:nvPr/>
           </p:nvPicPr>
           <p:blipFill rotWithShape="1">
-            <a:blip r:embed="rId3">
-              <a:extLst>
-                <a:ext uri="{28A0092B-C50C-407E-A947-70E740481C1C}">
-                  <a14:useLocalDpi xmlns:a14="http://schemas.microsoft.com/office/drawing/2010/main" val="0"/>
-                </a:ext>
-              </a:extLst>
-            </a:blip>
+            <a:blip xmlns:r="http://schemas.openxmlformats.org/officeDocument/2006/relationships" r:embed="rId2"/>
             <a:srcRect/>
-            <a:stretch/>
+            <a:stretch>
+              <a:fillRect/>
+            </a:stretch>
           </p:blipFill>
           <p:spPr>
             <a:xfrm>
               <a:off x="9736202" y="3147609"/>
               <a:ext cx="2478024" cy="612648"/>
             </a:xfrm>
-            <a:prstGeom prst="rect">
-              <a:avLst/>
-            </a:prstGeom>
+            <a:prstGeom prst="rect"/>
           </p:spPr>
         </p:pic>
       </p:grpSp>
       <p:sp>
         <p:nvSpPr>
-          <p:cNvPr id="2" name="Title 1"/>
+          <p:cNvPr id="1048583" name="Title 1"/>
           <p:cNvSpPr>
             <a:spLocks noGrp="1"/>
           </p:cNvSpPr>
@@ -305,13 +688,13 @@
               <a:rPr lang="en-US"/>
               <a:t>Click to edit Master title style</a:t>
             </a:r>
-            <a:endParaRPr lang="en-US" dirty="0"/>
-          </a:p>
-        </p:txBody>
-      </p:sp>
-      <p:sp>
-        <p:nvSpPr>
-          <p:cNvPr id="3" name="Subtitle 2"/>
+            <a:endParaRPr dirty="0" lang="en-US"/>
+          </a:p>
+        </p:txBody>
+      </p:sp>
+      <p:sp>
+        <p:nvSpPr>
+          <p:cNvPr id="1048584" name="Subtitle 2"/>
           <p:cNvSpPr>
             <a:spLocks noGrp="1"/>
           </p:cNvSpPr>
@@ -330,7 +713,7 @@
             <a:normAutofit/>
           </a:bodyPr>
           <a:lstStyle>
-            <a:lvl1pPr marL="0" indent="0" algn="ctr">
+            <a:lvl1pPr algn="ctr" indent="0" marL="0">
               <a:buNone/>
               <a:defRPr sz="2100">
                 <a:solidFill>
@@ -338,7 +721,7 @@
                 </a:solidFill>
               </a:defRPr>
             </a:lvl1pPr>
-            <a:lvl2pPr marL="457200" indent="0" algn="ctr">
+            <a:lvl2pPr algn="ctr" indent="0" marL="457200">
               <a:buNone/>
               <a:defRPr>
                 <a:solidFill>
@@ -348,7 +731,7 @@
                 </a:solidFill>
               </a:defRPr>
             </a:lvl2pPr>
-            <a:lvl3pPr marL="914400" indent="0" algn="ctr">
+            <a:lvl3pPr algn="ctr" indent="0" marL="914400">
               <a:buNone/>
               <a:defRPr>
                 <a:solidFill>
@@ -358,7 +741,7 @@
                 </a:solidFill>
               </a:defRPr>
             </a:lvl3pPr>
-            <a:lvl4pPr marL="1371600" indent="0" algn="ctr">
+            <a:lvl4pPr algn="ctr" indent="0" marL="1371600">
               <a:buNone/>
               <a:defRPr>
                 <a:solidFill>
@@ -368,7 +751,7 @@
                 </a:solidFill>
               </a:defRPr>
             </a:lvl4pPr>
-            <a:lvl5pPr marL="1828800" indent="0" algn="ctr">
+            <a:lvl5pPr algn="ctr" indent="0" marL="1828800">
               <a:buNone/>
               <a:defRPr>
                 <a:solidFill>
@@ -378,7 +761,7 @@
                 </a:solidFill>
               </a:defRPr>
             </a:lvl5pPr>
-            <a:lvl6pPr marL="2286000" indent="0" algn="ctr">
+            <a:lvl6pPr algn="ctr" indent="0" marL="2286000">
               <a:buNone/>
               <a:defRPr>
                 <a:solidFill>
@@ -388,7 +771,7 @@
                 </a:solidFill>
               </a:defRPr>
             </a:lvl6pPr>
-            <a:lvl7pPr marL="2743200" indent="0" algn="ctr">
+            <a:lvl7pPr algn="ctr" indent="0" marL="2743200">
               <a:buNone/>
               <a:defRPr>
                 <a:solidFill>
@@ -398,7 +781,7 @@
                 </a:solidFill>
               </a:defRPr>
             </a:lvl7pPr>
-            <a:lvl8pPr marL="3200400" indent="0" algn="ctr">
+            <a:lvl8pPr algn="ctr" indent="0" marL="3200400">
               <a:buNone/>
               <a:defRPr>
                 <a:solidFill>
@@ -408,7 +791,7 @@
                 </a:solidFill>
               </a:defRPr>
             </a:lvl8pPr>
-            <a:lvl9pPr marL="3657600" indent="0" algn="ctr">
+            <a:lvl9pPr algn="ctr" indent="0" marL="3657600">
               <a:buNone/>
               <a:defRPr>
                 <a:solidFill>
@@ -424,13 +807,13 @@
               <a:rPr lang="en-US"/>
               <a:t>Click to edit Master subtitle style</a:t>
             </a:r>
-            <a:endParaRPr lang="en-US" dirty="0"/>
-          </a:p>
-        </p:txBody>
-      </p:sp>
-      <p:sp>
-        <p:nvSpPr>
-          <p:cNvPr id="4" name="Date Placeholder 3"/>
+            <a:endParaRPr dirty="0" lang="en-US"/>
+          </a:p>
+        </p:txBody>
+      </p:sp>
+      <p:sp>
+        <p:nvSpPr>
+          <p:cNvPr id="1048585" name="Date Placeholder 3"/>
           <p:cNvSpPr>
             <a:spLocks noGrp="1"/>
           </p:cNvSpPr>
@@ -446,7 +829,6 @@
         </p:spPr>
         <p:txBody>
           <a:bodyPr/>
-          <a:lstStyle/>
           <a:p>
             <a:fld id="{EFDA79BE-E4B6-4ED8-962E-2655A4560E6B}" type="datetimeFigureOut">
               <a:rPr lang="en-IN" smtClean="0"/>
@@ -458,7 +840,7 @@
       </p:sp>
       <p:sp>
         <p:nvSpPr>
-          <p:cNvPr id="5" name="Footer Placeholder 4"/>
+          <p:cNvPr id="1048586" name="Footer Placeholder 4"/>
           <p:cNvSpPr>
             <a:spLocks noGrp="1"/>
           </p:cNvSpPr>
@@ -474,7 +856,6 @@
         </p:spPr>
         <p:txBody>
           <a:bodyPr/>
-          <a:lstStyle/>
           <a:p>
             <a:endParaRPr lang="en-IN"/>
           </a:p>
@@ -482,7 +863,7 @@
       </p:sp>
       <p:sp>
         <p:nvSpPr>
-          <p:cNvPr id="6" name="Slide Number Placeholder 5"/>
+          <p:cNvPr id="1048587" name="Slide Number Placeholder 5"/>
           <p:cNvSpPr>
             <a:spLocks noGrp="1"/>
           </p:cNvSpPr>
@@ -498,7 +879,6 @@
         </p:spPr>
         <p:txBody>
           <a:bodyPr/>
-          <a:lstStyle/>
           <a:p>
             <a:fld id="{F9B5497E-245C-4BD3-8F72-996535150D26}" type="slidenum">
               <a:rPr lang="en-IN" smtClean="0"/>
@@ -510,8 +890,10 @@
       </p:sp>
       <p:cxnSp>
         <p:nvCxnSpPr>
-          <p:cNvPr id="15" name="Straight Connector 14"/>
-          <p:cNvCxnSpPr/>
+          <p:cNvPr id="3145728" name="Straight Connector 14"/>
+          <p:cNvCxnSpPr>
+            <a:cxnSpLocks/>
+          </p:cNvCxnSpPr>
           <p:nvPr/>
         </p:nvCxnSpPr>
         <p:spPr>
@@ -519,9 +901,7 @@
             <a:off x="2692399" y="3522131"/>
             <a:ext cx="6815668" cy="0"/>
           </a:xfrm>
-          <a:prstGeom prst="line">
-            <a:avLst/>
-          </a:prstGeom>
+          <a:prstGeom prst="line"/>
         </p:spPr>
         <p:style>
           <a:lnRef idx="2">
@@ -539,11 +919,6 @@
         </p:style>
       </p:cxnSp>
     </p:spTree>
-    <p:extLst>
-      <p:ext uri="{BB962C8B-B14F-4D97-AF65-F5344CB8AC3E}">
-        <p14:creationId xmlns:p14="http://schemas.microsoft.com/office/powerpoint/2010/main" val="365312376"/>
-      </p:ext>
-    </p:extLst>
   </p:cSld>
   <p:clrMapOvr>
     <a:masterClrMapping/>
@@ -556,7 +931,7 @@
   <p:cSld name="Panoramic Picture with Caption">
     <p:spTree>
       <p:nvGrpSpPr>
-        <p:cNvPr id="1" name=""/>
+        <p:cNvPr id="50" name=""/>
         <p:cNvGrpSpPr/>
         <p:nvPr/>
       </p:nvGrpSpPr>
@@ -570,7 +945,7 @@
       </p:grpSpPr>
       <p:sp>
         <p:nvSpPr>
-          <p:cNvPr id="2" name="Title 1"/>
+          <p:cNvPr id="1048664" name="Title 1"/>
           <p:cNvSpPr>
             <a:spLocks noGrp="1"/>
           </p:cNvSpPr>
@@ -590,7 +965,7 @@
           </a:bodyPr>
           <a:lstStyle>
             <a:lvl1pPr algn="ctr">
-              <a:defRPr sz="2400" b="0"/>
+              <a:defRPr b="0" sz="2400"/>
             </a:lvl1pPr>
           </a:lstStyle>
           <a:p>
@@ -598,15 +973,15 @@
               <a:rPr lang="en-US"/>
               <a:t>Click to edit Master title style</a:t>
             </a:r>
-            <a:endParaRPr lang="en-US" dirty="0"/>
-          </a:p>
-        </p:txBody>
-      </p:sp>
-      <p:sp>
-        <p:nvSpPr>
-          <p:cNvPr id="3" name="Picture Placeholder 2"/>
-          <p:cNvSpPr>
-            <a:spLocks noGrp="1" noChangeAspect="1"/>
+            <a:endParaRPr dirty="0" lang="en-US"/>
+          </a:p>
+        </p:txBody>
+      </p:sp>
+      <p:sp>
+        <p:nvSpPr>
+          <p:cNvPr id="1048665" name="Picture Placeholder 2"/>
+          <p:cNvSpPr>
+            <a:spLocks noChangeAspect="1" noGrp="1"/>
           </p:cNvSpPr>
           <p:nvPr>
             <p:ph type="pic" idx="1"/>
@@ -632,7 +1007,7 @@
             <a:miter lim="800000"/>
           </a:ln>
           <a:effectLst>
-            <a:innerShdw blurRad="57150" dist="38100" dir="14460000">
+            <a:innerShdw blurRad="57150" dir="14460000" dist="38100">
               <a:srgbClr val="000000">
                 <a:alpha val="70000"/>
               </a:srgbClr>
@@ -644,39 +1019,39 @@
             <a:normAutofit/>
           </a:bodyPr>
           <a:lstStyle>
-            <a:lvl1pPr marL="0" indent="0" algn="ctr">
+            <a:lvl1pPr algn="ctr" indent="0" marL="0">
               <a:buNone/>
               <a:defRPr sz="1600"/>
             </a:lvl1pPr>
-            <a:lvl2pPr marL="457200" indent="0">
+            <a:lvl2pPr indent="0" marL="457200">
               <a:buNone/>
               <a:defRPr sz="1600"/>
             </a:lvl2pPr>
-            <a:lvl3pPr marL="914400" indent="0">
+            <a:lvl3pPr indent="0" marL="914400">
               <a:buNone/>
               <a:defRPr sz="1600"/>
             </a:lvl3pPr>
-            <a:lvl4pPr marL="1371600" indent="0">
+            <a:lvl4pPr indent="0" marL="1371600">
               <a:buNone/>
               <a:defRPr sz="1600"/>
             </a:lvl4pPr>
-            <a:lvl5pPr marL="1828800" indent="0">
+            <a:lvl5pPr indent="0" marL="1828800">
               <a:buNone/>
               <a:defRPr sz="1600"/>
             </a:lvl5pPr>
-            <a:lvl6pPr marL="2286000" indent="0">
+            <a:lvl6pPr indent="0" marL="2286000">
               <a:buNone/>
               <a:defRPr sz="1600"/>
             </a:lvl6pPr>
-            <a:lvl7pPr marL="2743200" indent="0">
+            <a:lvl7pPr indent="0" marL="2743200">
               <a:buNone/>
               <a:defRPr sz="1600"/>
             </a:lvl7pPr>
-            <a:lvl8pPr marL="3200400" indent="0">
+            <a:lvl8pPr indent="0" marL="3200400">
               <a:buNone/>
               <a:defRPr sz="1600"/>
             </a:lvl8pPr>
-            <a:lvl9pPr marL="3657600" indent="0">
+            <a:lvl9pPr indent="0" marL="3657600">
               <a:buNone/>
               <a:defRPr sz="1600"/>
             </a:lvl9pPr>
@@ -686,13 +1061,13 @@
               <a:rPr lang="en-US"/>
               <a:t>Click icon to add picture</a:t>
             </a:r>
-            <a:endParaRPr lang="en-US" dirty="0"/>
-          </a:p>
-        </p:txBody>
-      </p:sp>
-      <p:sp>
-        <p:nvSpPr>
-          <p:cNvPr id="4" name="Text Placeholder 3"/>
+            <a:endParaRPr dirty="0" lang="en-US"/>
+          </a:p>
+        </p:txBody>
+      </p:sp>
+      <p:sp>
+        <p:nvSpPr>
+          <p:cNvPr id="1048666" name="Text Placeholder 3"/>
           <p:cNvSpPr>
             <a:spLocks noGrp="1"/>
           </p:cNvSpPr>
@@ -711,39 +1086,39 @@
             <a:normAutofit/>
           </a:bodyPr>
           <a:lstStyle>
-            <a:lvl1pPr marL="0" indent="0" algn="ctr">
+            <a:lvl1pPr algn="ctr" indent="0" marL="0">
               <a:buNone/>
               <a:defRPr sz="1400"/>
             </a:lvl1pPr>
-            <a:lvl2pPr marL="457200" indent="0">
+            <a:lvl2pPr indent="0" marL="457200">
               <a:buNone/>
               <a:defRPr sz="1200"/>
             </a:lvl2pPr>
-            <a:lvl3pPr marL="914400" indent="0">
+            <a:lvl3pPr indent="0" marL="914400">
               <a:buNone/>
               <a:defRPr sz="1000"/>
             </a:lvl3pPr>
-            <a:lvl4pPr marL="1371600" indent="0">
+            <a:lvl4pPr indent="0" marL="1371600">
               <a:buNone/>
               <a:defRPr sz="900"/>
             </a:lvl4pPr>
-            <a:lvl5pPr marL="1828800" indent="0">
+            <a:lvl5pPr indent="0" marL="1828800">
               <a:buNone/>
               <a:defRPr sz="900"/>
             </a:lvl5pPr>
-            <a:lvl6pPr marL="2286000" indent="0">
+            <a:lvl6pPr indent="0" marL="2286000">
               <a:buNone/>
               <a:defRPr sz="900"/>
             </a:lvl6pPr>
-            <a:lvl7pPr marL="2743200" indent="0">
+            <a:lvl7pPr indent="0" marL="2743200">
               <a:buNone/>
               <a:defRPr sz="900"/>
             </a:lvl7pPr>
-            <a:lvl8pPr marL="3200400" indent="0">
+            <a:lvl8pPr indent="0" marL="3200400">
               <a:buNone/>
               <a:defRPr sz="900"/>
             </a:lvl8pPr>
-            <a:lvl9pPr marL="3657600" indent="0">
+            <a:lvl9pPr indent="0" marL="3657600">
               <a:buNone/>
               <a:defRPr sz="900"/>
             </a:lvl9pPr>
@@ -759,7 +1134,7 @@
       </p:sp>
       <p:sp>
         <p:nvSpPr>
-          <p:cNvPr id="5" name="Date Placeholder 4"/>
+          <p:cNvPr id="1048667" name="Date Placeholder 4"/>
           <p:cNvSpPr>
             <a:spLocks noGrp="1"/>
           </p:cNvSpPr>
@@ -770,7 +1145,6 @@
         <p:spPr/>
         <p:txBody>
           <a:bodyPr/>
-          <a:lstStyle/>
           <a:p>
             <a:fld id="{EFDA79BE-E4B6-4ED8-962E-2655A4560E6B}" type="datetimeFigureOut">
               <a:rPr lang="en-IN" smtClean="0"/>
@@ -782,7 +1156,7 @@
       </p:sp>
       <p:sp>
         <p:nvSpPr>
-          <p:cNvPr id="6" name="Footer Placeholder 5"/>
+          <p:cNvPr id="1048668" name="Footer Placeholder 5"/>
           <p:cNvSpPr>
             <a:spLocks noGrp="1"/>
           </p:cNvSpPr>
@@ -793,7 +1167,6 @@
         <p:spPr/>
         <p:txBody>
           <a:bodyPr/>
-          <a:lstStyle/>
           <a:p>
             <a:endParaRPr lang="en-IN"/>
           </a:p>
@@ -801,7 +1174,7 @@
       </p:sp>
       <p:sp>
         <p:nvSpPr>
-          <p:cNvPr id="7" name="Slide Number Placeholder 6"/>
+          <p:cNvPr id="1048669" name="Slide Number Placeholder 6"/>
           <p:cNvSpPr>
             <a:spLocks noGrp="1"/>
           </p:cNvSpPr>
@@ -812,7 +1185,6 @@
         <p:spPr/>
         <p:txBody>
           <a:bodyPr/>
-          <a:lstStyle/>
           <a:p>
             <a:fld id="{F9B5497E-245C-4BD3-8F72-996535150D26}" type="slidenum">
               <a:rPr lang="en-IN" smtClean="0"/>
@@ -823,11 +1195,6 @@
         </p:txBody>
       </p:sp>
     </p:spTree>
-    <p:extLst>
-      <p:ext uri="{BB962C8B-B14F-4D97-AF65-F5344CB8AC3E}">
-        <p14:creationId xmlns:p14="http://schemas.microsoft.com/office/powerpoint/2010/main" val="1260759014"/>
-      </p:ext>
-    </p:extLst>
   </p:cSld>
   <p:clrMapOvr>
     <a:masterClrMapping/>
@@ -840,7 +1207,7 @@
   <p:cSld name="Title and Caption">
     <p:spTree>
       <p:nvGrpSpPr>
-        <p:cNvPr id="1" name=""/>
+        <p:cNvPr id="42" name=""/>
         <p:cNvGrpSpPr/>
         <p:nvPr/>
       </p:nvGrpSpPr>
@@ -854,7 +1221,7 @@
       </p:grpSpPr>
       <p:sp>
         <p:nvSpPr>
-          <p:cNvPr id="2" name="Title 1"/>
+          <p:cNvPr id="1048618" name="Title 1"/>
           <p:cNvSpPr>
             <a:spLocks noGrp="1"/>
           </p:cNvSpPr>
@@ -874,7 +1241,7 @@
           </a:bodyPr>
           <a:lstStyle>
             <a:lvl1pPr algn="ctr">
-              <a:defRPr sz="3200" b="0" cap="none"/>
+              <a:defRPr b="0" cap="none" sz="3200"/>
             </a:lvl1pPr>
           </a:lstStyle>
           <a:p>
@@ -882,13 +1249,13 @@
               <a:rPr lang="en-US"/>
               <a:t>Click to edit Master title style</a:t>
             </a:r>
-            <a:endParaRPr lang="en-US" dirty="0"/>
-          </a:p>
-        </p:txBody>
-      </p:sp>
-      <p:sp>
-        <p:nvSpPr>
-          <p:cNvPr id="3" name="Text Placeholder 2"/>
+            <a:endParaRPr dirty="0" lang="en-US"/>
+          </a:p>
+        </p:txBody>
+      </p:sp>
+      <p:sp>
+        <p:nvSpPr>
+          <p:cNvPr id="1048619" name="Text Placeholder 2"/>
           <p:cNvSpPr>
             <a:spLocks noGrp="1"/>
           </p:cNvSpPr>
@@ -907,7 +1274,7 @@
             <a:normAutofit/>
           </a:bodyPr>
           <a:lstStyle>
-            <a:lvl1pPr marL="0" indent="0" algn="ctr">
+            <a:lvl1pPr algn="ctr" indent="0" marL="0">
               <a:buNone/>
               <a:defRPr sz="2000">
                 <a:solidFill>
@@ -915,7 +1282,7 @@
                 </a:solidFill>
               </a:defRPr>
             </a:lvl1pPr>
-            <a:lvl2pPr marL="457200" indent="0">
+            <a:lvl2pPr indent="0" marL="457200">
               <a:buNone/>
               <a:defRPr sz="1800">
                 <a:solidFill>
@@ -925,7 +1292,7 @@
                 </a:solidFill>
               </a:defRPr>
             </a:lvl2pPr>
-            <a:lvl3pPr marL="914400" indent="0">
+            <a:lvl3pPr indent="0" marL="914400">
               <a:buNone/>
               <a:defRPr sz="1600">
                 <a:solidFill>
@@ -935,7 +1302,7 @@
                 </a:solidFill>
               </a:defRPr>
             </a:lvl3pPr>
-            <a:lvl4pPr marL="1371600" indent="0">
+            <a:lvl4pPr indent="0" marL="1371600">
               <a:buNone/>
               <a:defRPr sz="1400">
                 <a:solidFill>
@@ -945,7 +1312,7 @@
                 </a:solidFill>
               </a:defRPr>
             </a:lvl4pPr>
-            <a:lvl5pPr marL="1828800" indent="0">
+            <a:lvl5pPr indent="0" marL="1828800">
               <a:buNone/>
               <a:defRPr sz="1400">
                 <a:solidFill>
@@ -955,7 +1322,7 @@
                 </a:solidFill>
               </a:defRPr>
             </a:lvl5pPr>
-            <a:lvl6pPr marL="2286000" indent="0">
+            <a:lvl6pPr indent="0" marL="2286000">
               <a:buNone/>
               <a:defRPr sz="1400">
                 <a:solidFill>
@@ -965,7 +1332,7 @@
                 </a:solidFill>
               </a:defRPr>
             </a:lvl6pPr>
-            <a:lvl7pPr marL="2743200" indent="0">
+            <a:lvl7pPr indent="0" marL="2743200">
               <a:buNone/>
               <a:defRPr sz="1400">
                 <a:solidFill>
@@ -975,7 +1342,7 @@
                 </a:solidFill>
               </a:defRPr>
             </a:lvl7pPr>
-            <a:lvl8pPr marL="3200400" indent="0">
+            <a:lvl8pPr indent="0" marL="3200400">
               <a:buNone/>
               <a:defRPr sz="1400">
                 <a:solidFill>
@@ -985,7 +1352,7 @@
                 </a:solidFill>
               </a:defRPr>
             </a:lvl8pPr>
-            <a:lvl9pPr marL="3657600" indent="0">
+            <a:lvl9pPr indent="0" marL="3657600">
               <a:buNone/>
               <a:defRPr sz="1400">
                 <a:solidFill>
@@ -1007,7 +1374,7 @@
       </p:sp>
       <p:sp>
         <p:nvSpPr>
-          <p:cNvPr id="4" name="Date Placeholder 3"/>
+          <p:cNvPr id="1048620" name="Date Placeholder 3"/>
           <p:cNvSpPr>
             <a:spLocks noGrp="1"/>
           </p:cNvSpPr>
@@ -1018,7 +1385,6 @@
         <p:spPr/>
         <p:txBody>
           <a:bodyPr/>
-          <a:lstStyle/>
           <a:p>
             <a:fld id="{EFDA79BE-E4B6-4ED8-962E-2655A4560E6B}" type="datetimeFigureOut">
               <a:rPr lang="en-IN" smtClean="0"/>
@@ -1030,7 +1396,7 @@
       </p:sp>
       <p:sp>
         <p:nvSpPr>
-          <p:cNvPr id="5" name="Footer Placeholder 4"/>
+          <p:cNvPr id="1048621" name="Footer Placeholder 4"/>
           <p:cNvSpPr>
             <a:spLocks noGrp="1"/>
           </p:cNvSpPr>
@@ -1041,7 +1407,6 @@
         <p:spPr/>
         <p:txBody>
           <a:bodyPr/>
-          <a:lstStyle/>
           <a:p>
             <a:endParaRPr lang="en-IN"/>
           </a:p>
@@ -1049,7 +1414,7 @@
       </p:sp>
       <p:sp>
         <p:nvSpPr>
-          <p:cNvPr id="6" name="Slide Number Placeholder 5"/>
+          <p:cNvPr id="1048622" name="Slide Number Placeholder 5"/>
           <p:cNvSpPr>
             <a:spLocks noGrp="1"/>
           </p:cNvSpPr>
@@ -1060,7 +1425,6 @@
         <p:spPr/>
         <p:txBody>
           <a:bodyPr/>
-          <a:lstStyle/>
           <a:p>
             <a:fld id="{F9B5497E-245C-4BD3-8F72-996535150D26}" type="slidenum">
               <a:rPr lang="en-IN" smtClean="0"/>
@@ -1072,8 +1436,10 @@
       </p:sp>
       <p:cxnSp>
         <p:nvCxnSpPr>
-          <p:cNvPr id="15" name="Straight Connector 14"/>
-          <p:cNvCxnSpPr/>
+          <p:cNvPr id="3145731" name="Straight Connector 14"/>
+          <p:cNvCxnSpPr>
+            <a:cxnSpLocks/>
+          </p:cNvCxnSpPr>
           <p:nvPr/>
         </p:nvCxnSpPr>
         <p:spPr>
@@ -1081,9 +1447,7 @@
             <a:off x="1396169" y="4140199"/>
             <a:ext cx="9407298" cy="0"/>
           </a:xfrm>
-          <a:prstGeom prst="line">
-            <a:avLst/>
-          </a:prstGeom>
+          <a:prstGeom prst="line"/>
           <a:ln w="15875"/>
         </p:spPr>
         <p:style>
@@ -1102,11 +1466,6 @@
         </p:style>
       </p:cxnSp>
     </p:spTree>
-    <p:extLst>
-      <p:ext uri="{BB962C8B-B14F-4D97-AF65-F5344CB8AC3E}">
-        <p14:creationId xmlns:p14="http://schemas.microsoft.com/office/powerpoint/2010/main" val="410031349"/>
-      </p:ext>
-    </p:extLst>
   </p:cSld>
   <p:clrMapOvr>
     <a:masterClrMapping/>
@@ -1119,7 +1478,7 @@
   <p:cSld name="Quote with Caption">
     <p:spTree>
       <p:nvGrpSpPr>
-        <p:cNvPr id="1" name=""/>
+        <p:cNvPr id="49" name=""/>
         <p:cNvGrpSpPr/>
         <p:nvPr/>
       </p:nvGrpSpPr>
@@ -1133,7 +1492,7 @@
       </p:grpSpPr>
       <p:sp>
         <p:nvSpPr>
-          <p:cNvPr id="2" name="Title 1"/>
+          <p:cNvPr id="1048656" name="Title 1"/>
           <p:cNvSpPr>
             <a:spLocks noGrp="1"/>
           </p:cNvSpPr>
@@ -1153,7 +1512,7 @@
           </a:bodyPr>
           <a:lstStyle>
             <a:lvl1pPr algn="ctr">
-              <a:defRPr sz="3200" b="0" cap="none">
+              <a:defRPr b="0" cap="none" sz="3200">
                 <a:solidFill>
                   <a:schemeClr val="tx1"/>
                 </a:solidFill>
@@ -1165,13 +1524,13 @@
               <a:rPr lang="en-US"/>
               <a:t>Click to edit Master title style</a:t>
             </a:r>
-            <a:endParaRPr lang="en-US" dirty="0"/>
-          </a:p>
-        </p:txBody>
-      </p:sp>
-      <p:sp>
-        <p:nvSpPr>
-          <p:cNvPr id="10" name="Text Placeholder 9"/>
+            <a:endParaRPr dirty="0" lang="en-US"/>
+          </a:p>
+        </p:txBody>
+      </p:sp>
+      <p:sp>
+        <p:nvSpPr>
+          <p:cNvPr id="1048657" name="Text Placeholder 9"/>
           <p:cNvSpPr>
             <a:spLocks noGrp="1"/>
           </p:cNvSpPr>
@@ -1190,30 +1549,26 @@
             <a:normAutofit/>
           </a:bodyPr>
           <a:lstStyle>
-            <a:lvl1pPr marL="0" indent="0" algn="r">
+            <a:lvl1pPr algn="r" indent="0" marL="0">
               <a:buFontTx/>
               <a:buNone/>
               <a:defRPr sz="2000"/>
             </a:lvl1pPr>
-            <a:lvl2pPr marL="457200" indent="0">
+            <a:lvl2pPr indent="0" marL="457200">
               <a:buFontTx/>
               <a:buNone/>
-              <a:defRPr/>
             </a:lvl2pPr>
-            <a:lvl3pPr marL="914400" indent="0">
+            <a:lvl3pPr indent="0" marL="914400">
               <a:buFontTx/>
               <a:buNone/>
-              <a:defRPr/>
             </a:lvl3pPr>
-            <a:lvl4pPr marL="1371600" indent="0">
+            <a:lvl4pPr indent="0" marL="1371600">
               <a:buFontTx/>
               <a:buNone/>
-              <a:defRPr/>
             </a:lvl4pPr>
-            <a:lvl5pPr marL="1828800" indent="0">
+            <a:lvl5pPr indent="0" marL="1828800">
               <a:buFontTx/>
               <a:buNone/>
-              <a:defRPr/>
             </a:lvl5pPr>
           </a:lstStyle>
           <a:p>
@@ -1227,7 +1582,7 @@
       </p:sp>
       <p:sp>
         <p:nvSpPr>
-          <p:cNvPr id="3" name="Text Placeholder 2"/>
+          <p:cNvPr id="1048658" name="Text Placeholder 2"/>
           <p:cNvSpPr>
             <a:spLocks noGrp="1"/>
           </p:cNvSpPr>
@@ -1246,7 +1601,7 @@
             <a:normAutofit/>
           </a:bodyPr>
           <a:lstStyle>
-            <a:lvl1pPr marL="0" indent="0" algn="ctr">
+            <a:lvl1pPr algn="ctr" indent="0" marL="0">
               <a:buNone/>
               <a:defRPr sz="2000">
                 <a:solidFill>
@@ -1254,7 +1609,7 @@
                 </a:solidFill>
               </a:defRPr>
             </a:lvl1pPr>
-            <a:lvl2pPr marL="457200" indent="0">
+            <a:lvl2pPr indent="0" marL="457200">
               <a:buNone/>
               <a:defRPr sz="1800">
                 <a:solidFill>
@@ -1264,7 +1619,7 @@
                 </a:solidFill>
               </a:defRPr>
             </a:lvl2pPr>
-            <a:lvl3pPr marL="914400" indent="0">
+            <a:lvl3pPr indent="0" marL="914400">
               <a:buNone/>
               <a:defRPr sz="1600">
                 <a:solidFill>
@@ -1274,7 +1629,7 @@
                 </a:solidFill>
               </a:defRPr>
             </a:lvl3pPr>
-            <a:lvl4pPr marL="1371600" indent="0">
+            <a:lvl4pPr indent="0" marL="1371600">
               <a:buNone/>
               <a:defRPr sz="1400">
                 <a:solidFill>
@@ -1284,7 +1639,7 @@
                 </a:solidFill>
               </a:defRPr>
             </a:lvl4pPr>
-            <a:lvl5pPr marL="1828800" indent="0">
+            <a:lvl5pPr indent="0" marL="1828800">
               <a:buNone/>
               <a:defRPr sz="1400">
                 <a:solidFill>
@@ -1294,7 +1649,7 @@
                 </a:solidFill>
               </a:defRPr>
             </a:lvl5pPr>
-            <a:lvl6pPr marL="2286000" indent="0">
+            <a:lvl6pPr indent="0" marL="2286000">
               <a:buNone/>
               <a:defRPr sz="1400">
                 <a:solidFill>
@@ -1304,7 +1659,7 @@
                 </a:solidFill>
               </a:defRPr>
             </a:lvl6pPr>
-            <a:lvl7pPr marL="2743200" indent="0">
+            <a:lvl7pPr indent="0" marL="2743200">
               <a:buNone/>
               <a:defRPr sz="1400">
                 <a:solidFill>
@@ -1314,7 +1669,7 @@
                 </a:solidFill>
               </a:defRPr>
             </a:lvl7pPr>
-            <a:lvl8pPr marL="3200400" indent="0">
+            <a:lvl8pPr indent="0" marL="3200400">
               <a:buNone/>
               <a:defRPr sz="1400">
                 <a:solidFill>
@@ -1324,7 +1679,7 @@
                 </a:solidFill>
               </a:defRPr>
             </a:lvl8pPr>
-            <a:lvl9pPr marL="3657600" indent="0">
+            <a:lvl9pPr indent="0" marL="3657600">
               <a:buNone/>
               <a:defRPr sz="1400">
                 <a:solidFill>
@@ -1346,7 +1701,7 @@
       </p:sp>
       <p:sp>
         <p:nvSpPr>
-          <p:cNvPr id="4" name="Date Placeholder 3"/>
+          <p:cNvPr id="1048659" name="Date Placeholder 3"/>
           <p:cNvSpPr>
             <a:spLocks noGrp="1"/>
           </p:cNvSpPr>
@@ -1357,7 +1712,6 @@
         <p:spPr/>
         <p:txBody>
           <a:bodyPr/>
-          <a:lstStyle/>
           <a:p>
             <a:fld id="{EFDA79BE-E4B6-4ED8-962E-2655A4560E6B}" type="datetimeFigureOut">
               <a:rPr lang="en-IN" smtClean="0"/>
@@ -1369,7 +1723,7 @@
       </p:sp>
       <p:sp>
         <p:nvSpPr>
-          <p:cNvPr id="5" name="Footer Placeholder 4"/>
+          <p:cNvPr id="1048660" name="Footer Placeholder 4"/>
           <p:cNvSpPr>
             <a:spLocks noGrp="1"/>
           </p:cNvSpPr>
@@ -1380,7 +1734,6 @@
         <p:spPr/>
         <p:txBody>
           <a:bodyPr/>
-          <a:lstStyle/>
           <a:p>
             <a:endParaRPr lang="en-IN"/>
           </a:p>
@@ -1388,7 +1741,7 @@
       </p:sp>
       <p:sp>
         <p:nvSpPr>
-          <p:cNvPr id="6" name="Slide Number Placeholder 5"/>
+          <p:cNvPr id="1048661" name="Slide Number Placeholder 5"/>
           <p:cNvSpPr>
             <a:spLocks noGrp="1"/>
           </p:cNvSpPr>
@@ -1399,7 +1752,6 @@
         <p:spPr/>
         <p:txBody>
           <a:bodyPr/>
-          <a:lstStyle/>
           <a:p>
             <a:fld id="{F9B5497E-245C-4BD3-8F72-996535150D26}" type="slidenum">
               <a:rPr lang="en-IN" smtClean="0"/>
@@ -1411,7 +1763,7 @@
       </p:sp>
       <p:sp>
         <p:nvSpPr>
-          <p:cNvPr id="14" name="TextBox 13"/>
+          <p:cNvPr id="1048662" name="TextBox 13"/>
           <p:cNvSpPr txBox="1"/>
           <p:nvPr/>
         </p:nvSpPr>
@@ -1420,19 +1772,16 @@
             <a:off x="862013" y="879961"/>
             <a:ext cx="609600" cy="584776"/>
           </a:xfrm>
-          <a:prstGeom prst="rect">
-            <a:avLst/>
-          </a:prstGeom>
+          <a:prstGeom prst="rect"/>
         </p:spPr>
         <p:txBody>
-          <a:bodyPr vert="horz" lIns="91440" tIns="45720" rIns="91440" bIns="45720" rtlCol="0" anchor="ctr">
+          <a:bodyPr anchor="ctr" bIns="45720" lIns="91440" rIns="91440" rtlCol="0" tIns="45720" vert="horz">
             <a:noAutofit/>
           </a:bodyPr>
-          <a:lstStyle/>
           <a:p>
             <a:pPr lvl="0"/>
             <a:r>
-              <a:rPr lang="en-US" sz="8000" dirty="0">
+              <a:rPr dirty="0" sz="8000" lang="en-US">
                 <a:solidFill>
                   <a:schemeClr val="tx1"/>
                 </a:solidFill>
@@ -1445,7 +1794,7 @@
       </p:sp>
       <p:sp>
         <p:nvSpPr>
-          <p:cNvPr id="15" name="TextBox 14"/>
+          <p:cNvPr id="1048663" name="TextBox 14"/>
           <p:cNvSpPr txBox="1"/>
           <p:nvPr/>
         </p:nvSpPr>
@@ -1454,19 +1803,16 @@
             <a:off x="10600267" y="2827870"/>
             <a:ext cx="609600" cy="584776"/>
           </a:xfrm>
-          <a:prstGeom prst="rect">
-            <a:avLst/>
-          </a:prstGeom>
+          <a:prstGeom prst="rect"/>
         </p:spPr>
         <p:txBody>
-          <a:bodyPr vert="horz" lIns="91440" tIns="45720" rIns="91440" bIns="45720" rtlCol="0" anchor="ctr">
+          <a:bodyPr anchor="ctr" bIns="45720" lIns="91440" rIns="91440" rtlCol="0" tIns="45720" vert="horz">
             <a:noAutofit/>
           </a:bodyPr>
-          <a:lstStyle/>
-          <a:p>
-            <a:pPr lvl="0" algn="r"/>
-            <a:r>
-              <a:rPr lang="en-US" sz="8000" dirty="0">
+          <a:p>
+            <a:pPr algn="r" lvl="0"/>
+            <a:r>
+              <a:rPr dirty="0" sz="8000" lang="en-US">
                 <a:solidFill>
                   <a:schemeClr val="tx1"/>
                 </a:solidFill>
@@ -1479,8 +1825,10 @@
       </p:sp>
       <p:cxnSp>
         <p:nvCxnSpPr>
-          <p:cNvPr id="19" name="Straight Connector 18"/>
-          <p:cNvCxnSpPr/>
+          <p:cNvPr id="3145736" name="Straight Connector 18"/>
+          <p:cNvCxnSpPr>
+            <a:cxnSpLocks/>
+          </p:cNvCxnSpPr>
           <p:nvPr/>
         </p:nvCxnSpPr>
         <p:spPr>
@@ -1488,9 +1836,7 @@
             <a:off x="1396169" y="4140199"/>
             <a:ext cx="9407298" cy="0"/>
           </a:xfrm>
-          <a:prstGeom prst="line">
-            <a:avLst/>
-          </a:prstGeom>
+          <a:prstGeom prst="line"/>
           <a:ln w="15875"/>
         </p:spPr>
         <p:style>
@@ -1509,11 +1855,6 @@
         </p:style>
       </p:cxnSp>
     </p:spTree>
-    <p:extLst>
-      <p:ext uri="{BB962C8B-B14F-4D97-AF65-F5344CB8AC3E}">
-        <p14:creationId xmlns:p14="http://schemas.microsoft.com/office/powerpoint/2010/main" val="585646065"/>
-      </p:ext>
-    </p:extLst>
   </p:cSld>
   <p:clrMapOvr>
     <a:masterClrMapping/>
@@ -1526,7 +1867,7 @@
   <p:cSld name="Name Card">
     <p:spTree>
       <p:nvGrpSpPr>
-        <p:cNvPr id="1" name=""/>
+        <p:cNvPr id="41" name=""/>
         <p:cNvGrpSpPr/>
         <p:nvPr/>
       </p:nvGrpSpPr>
@@ -1540,7 +1881,7 @@
       </p:grpSpPr>
       <p:sp>
         <p:nvSpPr>
-          <p:cNvPr id="2" name="Title 1"/>
+          <p:cNvPr id="1048613" name="Title 1"/>
           <p:cNvSpPr>
             <a:spLocks noGrp="1"/>
           </p:cNvSpPr>
@@ -1560,7 +1901,7 @@
           </a:bodyPr>
           <a:lstStyle>
             <a:lvl1pPr algn="l">
-              <a:defRPr sz="3200" b="0" cap="none"/>
+              <a:defRPr b="0" cap="none" sz="3200"/>
             </a:lvl1pPr>
           </a:lstStyle>
           <a:p>
@@ -1568,13 +1909,13 @@
               <a:rPr lang="en-US"/>
               <a:t>Click to edit Master title style</a:t>
             </a:r>
-            <a:endParaRPr lang="en-US" dirty="0"/>
-          </a:p>
-        </p:txBody>
-      </p:sp>
-      <p:sp>
-        <p:nvSpPr>
-          <p:cNvPr id="3" name="Text Placeholder 2"/>
+            <a:endParaRPr dirty="0" lang="en-US"/>
+          </a:p>
+        </p:txBody>
+      </p:sp>
+      <p:sp>
+        <p:nvSpPr>
+          <p:cNvPr id="1048614" name="Text Placeholder 2"/>
           <p:cNvSpPr>
             <a:spLocks noGrp="1"/>
           </p:cNvSpPr>
@@ -1593,7 +1934,7 @@
             <a:normAutofit/>
           </a:bodyPr>
           <a:lstStyle>
-            <a:lvl1pPr marL="0" indent="0" algn="l">
+            <a:lvl1pPr algn="l" indent="0" marL="0">
               <a:buNone/>
               <a:defRPr sz="2000">
                 <a:solidFill>
@@ -1601,7 +1942,7 @@
                 </a:solidFill>
               </a:defRPr>
             </a:lvl1pPr>
-            <a:lvl2pPr marL="457200" indent="0">
+            <a:lvl2pPr indent="0" marL="457200">
               <a:buNone/>
               <a:defRPr sz="1800">
                 <a:solidFill>
@@ -1611,7 +1952,7 @@
                 </a:solidFill>
               </a:defRPr>
             </a:lvl2pPr>
-            <a:lvl3pPr marL="914400" indent="0">
+            <a:lvl3pPr indent="0" marL="914400">
               <a:buNone/>
               <a:defRPr sz="1600">
                 <a:solidFill>
@@ -1621,7 +1962,7 @@
                 </a:solidFill>
               </a:defRPr>
             </a:lvl3pPr>
-            <a:lvl4pPr marL="1371600" indent="0">
+            <a:lvl4pPr indent="0" marL="1371600">
               <a:buNone/>
               <a:defRPr sz="1400">
                 <a:solidFill>
@@ -1631,7 +1972,7 @@
                 </a:solidFill>
               </a:defRPr>
             </a:lvl4pPr>
-            <a:lvl5pPr marL="1828800" indent="0">
+            <a:lvl5pPr indent="0" marL="1828800">
               <a:buNone/>
               <a:defRPr sz="1400">
                 <a:solidFill>
@@ -1641,7 +1982,7 @@
                 </a:solidFill>
               </a:defRPr>
             </a:lvl5pPr>
-            <a:lvl6pPr marL="2286000" indent="0">
+            <a:lvl6pPr indent="0" marL="2286000">
               <a:buNone/>
               <a:defRPr sz="1400">
                 <a:solidFill>
@@ -1651,7 +1992,7 @@
                 </a:solidFill>
               </a:defRPr>
             </a:lvl6pPr>
-            <a:lvl7pPr marL="2743200" indent="0">
+            <a:lvl7pPr indent="0" marL="2743200">
               <a:buNone/>
               <a:defRPr sz="1400">
                 <a:solidFill>
@@ -1661,7 +2002,7 @@
                 </a:solidFill>
               </a:defRPr>
             </a:lvl7pPr>
-            <a:lvl8pPr marL="3200400" indent="0">
+            <a:lvl8pPr indent="0" marL="3200400">
               <a:buNone/>
               <a:defRPr sz="1400">
                 <a:solidFill>
@@ -1671,7 +2012,7 @@
                 </a:solidFill>
               </a:defRPr>
             </a:lvl8pPr>
-            <a:lvl9pPr marL="3657600" indent="0">
+            <a:lvl9pPr indent="0" marL="3657600">
               <a:buNone/>
               <a:defRPr sz="1400">
                 <a:solidFill>
@@ -1693,7 +2034,7 @@
       </p:sp>
       <p:sp>
         <p:nvSpPr>
-          <p:cNvPr id="4" name="Date Placeholder 3"/>
+          <p:cNvPr id="1048615" name="Date Placeholder 3"/>
           <p:cNvSpPr>
             <a:spLocks noGrp="1"/>
           </p:cNvSpPr>
@@ -1704,7 +2045,6 @@
         <p:spPr/>
         <p:txBody>
           <a:bodyPr/>
-          <a:lstStyle/>
           <a:p>
             <a:fld id="{EFDA79BE-E4B6-4ED8-962E-2655A4560E6B}" type="datetimeFigureOut">
               <a:rPr lang="en-IN" smtClean="0"/>
@@ -1716,7 +2056,7 @@
       </p:sp>
       <p:sp>
         <p:nvSpPr>
-          <p:cNvPr id="5" name="Footer Placeholder 4"/>
+          <p:cNvPr id="1048616" name="Footer Placeholder 4"/>
           <p:cNvSpPr>
             <a:spLocks noGrp="1"/>
           </p:cNvSpPr>
@@ -1727,7 +2067,6 @@
         <p:spPr/>
         <p:txBody>
           <a:bodyPr/>
-          <a:lstStyle/>
           <a:p>
             <a:endParaRPr lang="en-IN"/>
           </a:p>
@@ -1735,7 +2074,7 @@
       </p:sp>
       <p:sp>
         <p:nvSpPr>
-          <p:cNvPr id="6" name="Slide Number Placeholder 5"/>
+          <p:cNvPr id="1048617" name="Slide Number Placeholder 5"/>
           <p:cNvSpPr>
             <a:spLocks noGrp="1"/>
           </p:cNvSpPr>
@@ -1746,7 +2085,6 @@
         <p:spPr/>
         <p:txBody>
           <a:bodyPr/>
-          <a:lstStyle/>
           <a:p>
             <a:fld id="{F9B5497E-245C-4BD3-8F72-996535150D26}" type="slidenum">
               <a:rPr lang="en-IN" smtClean="0"/>
@@ -1757,11 +2095,6 @@
         </p:txBody>
       </p:sp>
     </p:spTree>
-    <p:extLst>
-      <p:ext uri="{BB962C8B-B14F-4D97-AF65-F5344CB8AC3E}">
-        <p14:creationId xmlns:p14="http://schemas.microsoft.com/office/powerpoint/2010/main" val="3649082963"/>
-      </p:ext>
-    </p:extLst>
   </p:cSld>
   <p:clrMapOvr>
     <a:masterClrMapping/>
@@ -1774,7 +2107,7 @@
   <p:cSld name="Quote Name Card">
     <p:spTree>
       <p:nvGrpSpPr>
-        <p:cNvPr id="1" name=""/>
+        <p:cNvPr id="52" name=""/>
         <p:cNvGrpSpPr/>
         <p:nvPr/>
       </p:nvGrpSpPr>
@@ -1788,7 +2121,7 @@
       </p:grpSpPr>
       <p:sp>
         <p:nvSpPr>
-          <p:cNvPr id="2" name="Title 1"/>
+          <p:cNvPr id="1048676" name="Title 1"/>
           <p:cNvSpPr>
             <a:spLocks noGrp="1"/>
           </p:cNvSpPr>
@@ -1808,7 +2141,7 @@
           </a:bodyPr>
           <a:lstStyle>
             <a:lvl1pPr algn="ctr">
-              <a:defRPr sz="3200" b="0" cap="none">
+              <a:defRPr b="0" cap="none" sz="3200">
                 <a:solidFill>
                   <a:schemeClr val="tx1"/>
                 </a:solidFill>
@@ -1820,13 +2153,13 @@
               <a:rPr lang="en-US"/>
               <a:t>Click to edit Master title style</a:t>
             </a:r>
-            <a:endParaRPr lang="en-US" dirty="0"/>
-          </a:p>
-        </p:txBody>
-      </p:sp>
-      <p:sp>
-        <p:nvSpPr>
-          <p:cNvPr id="23" name="Text Placeholder 2"/>
+            <a:endParaRPr dirty="0" lang="en-US"/>
+          </a:p>
+        </p:txBody>
+      </p:sp>
+      <p:sp>
+        <p:nvSpPr>
+          <p:cNvPr id="1048677" name="Text Placeholder 2"/>
           <p:cNvSpPr>
             <a:spLocks noGrp="1"/>
           </p:cNvSpPr>
@@ -1845,7 +2178,7 @@
             <a:normAutofit/>
           </a:bodyPr>
           <a:lstStyle>
-            <a:lvl1pPr marL="0" indent="0" algn="l">
+            <a:lvl1pPr algn="l" indent="0" marL="0">
               <a:spcBef>
                 <a:spcPts val="0"/>
               </a:spcBef>
@@ -1856,7 +2189,7 @@
                 </a:solidFill>
               </a:defRPr>
             </a:lvl1pPr>
-            <a:lvl2pPr marL="457200" indent="0">
+            <a:lvl2pPr indent="0" marL="457200">
               <a:buNone/>
               <a:defRPr sz="1800">
                 <a:solidFill>
@@ -1866,7 +2199,7 @@
                 </a:solidFill>
               </a:defRPr>
             </a:lvl2pPr>
-            <a:lvl3pPr marL="914400" indent="0">
+            <a:lvl3pPr indent="0" marL="914400">
               <a:buNone/>
               <a:defRPr sz="1600">
                 <a:solidFill>
@@ -1876,7 +2209,7 @@
                 </a:solidFill>
               </a:defRPr>
             </a:lvl3pPr>
-            <a:lvl4pPr marL="1371600" indent="0">
+            <a:lvl4pPr indent="0" marL="1371600">
               <a:buNone/>
               <a:defRPr sz="1400">
                 <a:solidFill>
@@ -1886,7 +2219,7 @@
                 </a:solidFill>
               </a:defRPr>
             </a:lvl4pPr>
-            <a:lvl5pPr marL="1828800" indent="0">
+            <a:lvl5pPr indent="0" marL="1828800">
               <a:buNone/>
               <a:defRPr sz="1400">
                 <a:solidFill>
@@ -1896,7 +2229,7 @@
                 </a:solidFill>
               </a:defRPr>
             </a:lvl5pPr>
-            <a:lvl6pPr marL="2286000" indent="0">
+            <a:lvl6pPr indent="0" marL="2286000">
               <a:buNone/>
               <a:defRPr sz="1400">
                 <a:solidFill>
@@ -1906,7 +2239,7 @@
                 </a:solidFill>
               </a:defRPr>
             </a:lvl6pPr>
-            <a:lvl7pPr marL="2743200" indent="0">
+            <a:lvl7pPr indent="0" marL="2743200">
               <a:buNone/>
               <a:defRPr sz="1400">
                 <a:solidFill>
@@ -1916,7 +2249,7 @@
                 </a:solidFill>
               </a:defRPr>
             </a:lvl7pPr>
-            <a:lvl8pPr marL="3200400" indent="0">
+            <a:lvl8pPr indent="0" marL="3200400">
               <a:buNone/>
               <a:defRPr sz="1400">
                 <a:solidFill>
@@ -1926,7 +2259,7 @@
                 </a:solidFill>
               </a:defRPr>
             </a:lvl8pPr>
-            <a:lvl9pPr marL="3657600" indent="0">
+            <a:lvl9pPr indent="0" marL="3657600">
               <a:buNone/>
               <a:defRPr sz="1400">
                 <a:solidFill>
@@ -1948,7 +2281,7 @@
       </p:sp>
       <p:sp>
         <p:nvSpPr>
-          <p:cNvPr id="3" name="Text Placeholder 2"/>
+          <p:cNvPr id="1048678" name="Text Placeholder 2"/>
           <p:cNvSpPr>
             <a:spLocks noGrp="1"/>
           </p:cNvSpPr>
@@ -1967,7 +2300,7 @@
             <a:normAutofit/>
           </a:bodyPr>
           <a:lstStyle>
-            <a:lvl1pPr marL="0" indent="0" algn="l">
+            <a:lvl1pPr algn="l" indent="0" marL="0">
               <a:buNone/>
               <a:defRPr sz="1800">
                 <a:solidFill>
@@ -1975,7 +2308,7 @@
                 </a:solidFill>
               </a:defRPr>
             </a:lvl1pPr>
-            <a:lvl2pPr marL="457200" indent="0">
+            <a:lvl2pPr indent="0" marL="457200">
               <a:buNone/>
               <a:defRPr sz="1800">
                 <a:solidFill>
@@ -1985,7 +2318,7 @@
                 </a:solidFill>
               </a:defRPr>
             </a:lvl2pPr>
-            <a:lvl3pPr marL="914400" indent="0">
+            <a:lvl3pPr indent="0" marL="914400">
               <a:buNone/>
               <a:defRPr sz="1600">
                 <a:solidFill>
@@ -1995,7 +2328,7 @@
                 </a:solidFill>
               </a:defRPr>
             </a:lvl3pPr>
-            <a:lvl4pPr marL="1371600" indent="0">
+            <a:lvl4pPr indent="0" marL="1371600">
               <a:buNone/>
               <a:defRPr sz="1400">
                 <a:solidFill>
@@ -2005,7 +2338,7 @@
                 </a:solidFill>
               </a:defRPr>
             </a:lvl4pPr>
-            <a:lvl5pPr marL="1828800" indent="0">
+            <a:lvl5pPr indent="0" marL="1828800">
               <a:buNone/>
               <a:defRPr sz="1400">
                 <a:solidFill>
@@ -2015,7 +2348,7 @@
                 </a:solidFill>
               </a:defRPr>
             </a:lvl5pPr>
-            <a:lvl6pPr marL="2286000" indent="0">
+            <a:lvl6pPr indent="0" marL="2286000">
               <a:buNone/>
               <a:defRPr sz="1400">
                 <a:solidFill>
@@ -2025,7 +2358,7 @@
                 </a:solidFill>
               </a:defRPr>
             </a:lvl6pPr>
-            <a:lvl7pPr marL="2743200" indent="0">
+            <a:lvl7pPr indent="0" marL="2743200">
               <a:buNone/>
               <a:defRPr sz="1400">
                 <a:solidFill>
@@ -2035,7 +2368,7 @@
                 </a:solidFill>
               </a:defRPr>
             </a:lvl7pPr>
-            <a:lvl8pPr marL="3200400" indent="0">
+            <a:lvl8pPr indent="0" marL="3200400">
               <a:buNone/>
               <a:defRPr sz="1400">
                 <a:solidFill>
@@ -2045,7 +2378,7 @@
                 </a:solidFill>
               </a:defRPr>
             </a:lvl8pPr>
-            <a:lvl9pPr marL="3657600" indent="0">
+            <a:lvl9pPr indent="0" marL="3657600">
               <a:buNone/>
               <a:defRPr sz="1400">
                 <a:solidFill>
@@ -2067,7 +2400,7 @@
       </p:sp>
       <p:sp>
         <p:nvSpPr>
-          <p:cNvPr id="4" name="Date Placeholder 3"/>
+          <p:cNvPr id="1048679" name="Date Placeholder 3"/>
           <p:cNvSpPr>
             <a:spLocks noGrp="1"/>
           </p:cNvSpPr>
@@ -2078,7 +2411,6 @@
         <p:spPr/>
         <p:txBody>
           <a:bodyPr/>
-          <a:lstStyle/>
           <a:p>
             <a:fld id="{EFDA79BE-E4B6-4ED8-962E-2655A4560E6B}" type="datetimeFigureOut">
               <a:rPr lang="en-IN" smtClean="0"/>
@@ -2090,7 +2422,7 @@
       </p:sp>
       <p:sp>
         <p:nvSpPr>
-          <p:cNvPr id="5" name="Footer Placeholder 4"/>
+          <p:cNvPr id="1048680" name="Footer Placeholder 4"/>
           <p:cNvSpPr>
             <a:spLocks noGrp="1"/>
           </p:cNvSpPr>
@@ -2101,7 +2433,6 @@
         <p:spPr/>
         <p:txBody>
           <a:bodyPr/>
-          <a:lstStyle/>
           <a:p>
             <a:endParaRPr lang="en-IN"/>
           </a:p>
@@ -2109,7 +2440,7 @@
       </p:sp>
       <p:sp>
         <p:nvSpPr>
-          <p:cNvPr id="6" name="Slide Number Placeholder 5"/>
+          <p:cNvPr id="1048681" name="Slide Number Placeholder 5"/>
           <p:cNvSpPr>
             <a:spLocks noGrp="1"/>
           </p:cNvSpPr>
@@ -2120,7 +2451,6 @@
         <p:spPr/>
         <p:txBody>
           <a:bodyPr/>
-          <a:lstStyle/>
           <a:p>
             <a:fld id="{F9B5497E-245C-4BD3-8F72-996535150D26}" type="slidenum">
               <a:rPr lang="en-IN" smtClean="0"/>
@@ -2132,7 +2462,7 @@
       </p:sp>
       <p:sp>
         <p:nvSpPr>
-          <p:cNvPr id="12" name="TextBox 11"/>
+          <p:cNvPr id="1048682" name="TextBox 11"/>
           <p:cNvSpPr txBox="1"/>
           <p:nvPr/>
         </p:nvSpPr>
@@ -2141,19 +2471,16 @@
             <a:off x="862013" y="879961"/>
             <a:ext cx="609600" cy="584776"/>
           </a:xfrm>
-          <a:prstGeom prst="rect">
-            <a:avLst/>
-          </a:prstGeom>
+          <a:prstGeom prst="rect"/>
         </p:spPr>
         <p:txBody>
-          <a:bodyPr vert="horz" lIns="91440" tIns="45720" rIns="91440" bIns="45720" rtlCol="0" anchor="ctr">
+          <a:bodyPr anchor="ctr" bIns="45720" lIns="91440" rIns="91440" rtlCol="0" tIns="45720" vert="horz">
             <a:noAutofit/>
           </a:bodyPr>
-          <a:lstStyle/>
           <a:p>
             <a:pPr lvl="0"/>
             <a:r>
-              <a:rPr lang="en-US" sz="8000" dirty="0">
+              <a:rPr dirty="0" sz="8000" lang="en-US">
                 <a:solidFill>
                   <a:schemeClr val="tx1"/>
                 </a:solidFill>
@@ -2166,7 +2493,7 @@
       </p:sp>
       <p:sp>
         <p:nvSpPr>
-          <p:cNvPr id="13" name="TextBox 12"/>
+          <p:cNvPr id="1048683" name="TextBox 12"/>
           <p:cNvSpPr txBox="1"/>
           <p:nvPr/>
         </p:nvSpPr>
@@ -2175,19 +2502,16 @@
             <a:off x="10600267" y="2599261"/>
             <a:ext cx="609600" cy="584776"/>
           </a:xfrm>
-          <a:prstGeom prst="rect">
-            <a:avLst/>
-          </a:prstGeom>
+          <a:prstGeom prst="rect"/>
         </p:spPr>
         <p:txBody>
-          <a:bodyPr vert="horz" lIns="91440" tIns="45720" rIns="91440" bIns="45720" rtlCol="0" anchor="ctr">
+          <a:bodyPr anchor="ctr" bIns="45720" lIns="91440" rIns="91440" rtlCol="0" tIns="45720" vert="horz">
             <a:noAutofit/>
           </a:bodyPr>
-          <a:lstStyle/>
-          <a:p>
-            <a:pPr lvl="0" algn="r"/>
-            <a:r>
-              <a:rPr lang="en-US" sz="8000" dirty="0">
+          <a:p>
+            <a:pPr algn="r" lvl="0"/>
+            <a:r>
+              <a:rPr dirty="0" sz="8000" lang="en-US">
                 <a:solidFill>
                   <a:schemeClr val="tx1"/>
                 </a:solidFill>
@@ -2200,8 +2524,10 @@
       </p:sp>
       <p:cxnSp>
         <p:nvCxnSpPr>
-          <p:cNvPr id="26" name="Straight Connector 25"/>
-          <p:cNvCxnSpPr/>
+          <p:cNvPr id="3145738" name="Straight Connector 25"/>
+          <p:cNvCxnSpPr>
+            <a:cxnSpLocks/>
+          </p:cNvCxnSpPr>
           <p:nvPr/>
         </p:nvCxnSpPr>
         <p:spPr>
@@ -2209,9 +2535,7 @@
             <a:off x="1396169" y="3429000"/>
             <a:ext cx="9407298" cy="0"/>
           </a:xfrm>
-          <a:prstGeom prst="line">
-            <a:avLst/>
-          </a:prstGeom>
+          <a:prstGeom prst="line"/>
           <a:ln w="15875"/>
         </p:spPr>
         <p:style>
@@ -2230,11 +2554,6 @@
         </p:style>
       </p:cxnSp>
     </p:spTree>
-    <p:extLst>
-      <p:ext uri="{BB962C8B-B14F-4D97-AF65-F5344CB8AC3E}">
-        <p14:creationId xmlns:p14="http://schemas.microsoft.com/office/powerpoint/2010/main" val="2726484935"/>
-      </p:ext>
-    </p:extLst>
   </p:cSld>
   <p:clrMapOvr>
     <a:masterClrMapping/>
@@ -2247,7 +2566,7 @@
   <p:cSld name="True or False">
     <p:spTree>
       <p:nvGrpSpPr>
-        <p:cNvPr id="1" name=""/>
+        <p:cNvPr id="44" name=""/>
         <p:cNvGrpSpPr/>
         <p:nvPr/>
       </p:nvGrpSpPr>
@@ -2261,7 +2580,7 @@
       </p:grpSpPr>
       <p:sp>
         <p:nvSpPr>
-          <p:cNvPr id="2" name="Title 1"/>
+          <p:cNvPr id="1048629" name="Title 1"/>
           <p:cNvSpPr>
             <a:spLocks noGrp="1"/>
           </p:cNvSpPr>
@@ -2276,27 +2595,27 @@
           </a:xfrm>
         </p:spPr>
         <p:txBody>
-          <a:bodyPr vert="horz" lIns="91440" tIns="45720" rIns="91440" bIns="45720" rtlCol="0" anchor="ctr">
+          <a:bodyPr anchor="ctr" bIns="45720" lIns="91440" rIns="91440" rtlCol="0" tIns="45720" vert="horz">
             <a:normAutofit/>
           </a:bodyPr>
           <a:lstStyle>
             <a:lvl1pPr>
-              <a:defRPr lang="en-US" b="0" dirty="0"/>
+              <a:defRPr b="0" dirty="0" lang="en-US"/>
             </a:lvl1pPr>
           </a:lstStyle>
           <a:p>
-            <a:pPr marL="0" lvl="0"/>
+            <a:pPr lvl="0" marL="0"/>
             <a:r>
               <a:rPr lang="en-US"/>
               <a:t>Click to edit Master title style</a:t>
             </a:r>
-            <a:endParaRPr lang="en-US" dirty="0"/>
-          </a:p>
-        </p:txBody>
-      </p:sp>
-      <p:sp>
-        <p:nvSpPr>
-          <p:cNvPr id="20" name="Text Placeholder 2"/>
+            <a:endParaRPr dirty="0" lang="en-US"/>
+          </a:p>
+        </p:txBody>
+      </p:sp>
+      <p:sp>
+        <p:nvSpPr>
+          <p:cNvPr id="1048630" name="Text Placeholder 2"/>
           <p:cNvSpPr>
             <a:spLocks noGrp="1"/>
           </p:cNvSpPr>
@@ -2315,7 +2634,7 @@
             <a:normAutofit/>
           </a:bodyPr>
           <a:lstStyle>
-            <a:lvl1pPr marL="0" indent="0" algn="l">
+            <a:lvl1pPr algn="l" indent="0" marL="0">
               <a:spcBef>
                 <a:spcPts val="0"/>
               </a:spcBef>
@@ -2326,7 +2645,7 @@
                 </a:solidFill>
               </a:defRPr>
             </a:lvl1pPr>
-            <a:lvl2pPr marL="457200" indent="0">
+            <a:lvl2pPr indent="0" marL="457200">
               <a:buNone/>
               <a:defRPr sz="1800">
                 <a:solidFill>
@@ -2336,7 +2655,7 @@
                 </a:solidFill>
               </a:defRPr>
             </a:lvl2pPr>
-            <a:lvl3pPr marL="914400" indent="0">
+            <a:lvl3pPr indent="0" marL="914400">
               <a:buNone/>
               <a:defRPr sz="1600">
                 <a:solidFill>
@@ -2346,7 +2665,7 @@
                 </a:solidFill>
               </a:defRPr>
             </a:lvl3pPr>
-            <a:lvl4pPr marL="1371600" indent="0">
+            <a:lvl4pPr indent="0" marL="1371600">
               <a:buNone/>
               <a:defRPr sz="1400">
                 <a:solidFill>
@@ -2356,7 +2675,7 @@
                 </a:solidFill>
               </a:defRPr>
             </a:lvl4pPr>
-            <a:lvl5pPr marL="1828800" indent="0">
+            <a:lvl5pPr indent="0" marL="1828800">
               <a:buNone/>
               <a:defRPr sz="1400">
                 <a:solidFill>
@@ -2366,7 +2685,7 @@
                 </a:solidFill>
               </a:defRPr>
             </a:lvl5pPr>
-            <a:lvl6pPr marL="2286000" indent="0">
+            <a:lvl6pPr indent="0" marL="2286000">
               <a:buNone/>
               <a:defRPr sz="1400">
                 <a:solidFill>
@@ -2376,7 +2695,7 @@
                 </a:solidFill>
               </a:defRPr>
             </a:lvl6pPr>
-            <a:lvl7pPr marL="2743200" indent="0">
+            <a:lvl7pPr indent="0" marL="2743200">
               <a:buNone/>
               <a:defRPr sz="1400">
                 <a:solidFill>
@@ -2386,7 +2705,7 @@
                 </a:solidFill>
               </a:defRPr>
             </a:lvl7pPr>
-            <a:lvl8pPr marL="3200400" indent="0">
+            <a:lvl8pPr indent="0" marL="3200400">
               <a:buNone/>
               <a:defRPr sz="1400">
                 <a:solidFill>
@@ -2396,7 +2715,7 @@
                 </a:solidFill>
               </a:defRPr>
             </a:lvl8pPr>
-            <a:lvl9pPr marL="3657600" indent="0">
+            <a:lvl9pPr indent="0" marL="3657600">
               <a:buNone/>
               <a:defRPr sz="1400">
                 <a:solidFill>
@@ -2418,7 +2737,7 @@
       </p:sp>
       <p:sp>
         <p:nvSpPr>
-          <p:cNvPr id="3" name="Text Placeholder 2"/>
+          <p:cNvPr id="1048631" name="Text Placeholder 2"/>
           <p:cNvSpPr>
             <a:spLocks noGrp="1"/>
           </p:cNvSpPr>
@@ -2437,7 +2756,7 @@
             <a:normAutofit/>
           </a:bodyPr>
           <a:lstStyle>
-            <a:lvl1pPr marL="0" indent="0" algn="l">
+            <a:lvl1pPr algn="l" indent="0" marL="0">
               <a:buNone/>
               <a:defRPr sz="1800">
                 <a:solidFill>
@@ -2445,7 +2764,7 @@
                 </a:solidFill>
               </a:defRPr>
             </a:lvl1pPr>
-            <a:lvl2pPr marL="457200" indent="0">
+            <a:lvl2pPr indent="0" marL="457200">
               <a:buNone/>
               <a:defRPr sz="1800">
                 <a:solidFill>
@@ -2455,7 +2774,7 @@
                 </a:solidFill>
               </a:defRPr>
             </a:lvl2pPr>
-            <a:lvl3pPr marL="914400" indent="0">
+            <a:lvl3pPr indent="0" marL="914400">
               <a:buNone/>
               <a:defRPr sz="1600">
                 <a:solidFill>
@@ -2465,7 +2784,7 @@
                 </a:solidFill>
               </a:defRPr>
             </a:lvl3pPr>
-            <a:lvl4pPr marL="1371600" indent="0">
+            <a:lvl4pPr indent="0" marL="1371600">
               <a:buNone/>
               <a:defRPr sz="1400">
                 <a:solidFill>
@@ -2475,7 +2794,7 @@
                 </a:solidFill>
               </a:defRPr>
             </a:lvl4pPr>
-            <a:lvl5pPr marL="1828800" indent="0">
+            <a:lvl5pPr indent="0" marL="1828800">
               <a:buNone/>
               <a:defRPr sz="1400">
                 <a:solidFill>
@@ -2485,7 +2804,7 @@
                 </a:solidFill>
               </a:defRPr>
             </a:lvl5pPr>
-            <a:lvl6pPr marL="2286000" indent="0">
+            <a:lvl6pPr indent="0" marL="2286000">
               <a:buNone/>
               <a:defRPr sz="1400">
                 <a:solidFill>
@@ -2495,7 +2814,7 @@
                 </a:solidFill>
               </a:defRPr>
             </a:lvl6pPr>
-            <a:lvl7pPr marL="2743200" indent="0">
+            <a:lvl7pPr indent="0" marL="2743200">
               <a:buNone/>
               <a:defRPr sz="1400">
                 <a:solidFill>
@@ -2505,7 +2824,7 @@
                 </a:solidFill>
               </a:defRPr>
             </a:lvl7pPr>
-            <a:lvl8pPr marL="3200400" indent="0">
+            <a:lvl8pPr indent="0" marL="3200400">
               <a:buNone/>
               <a:defRPr sz="1400">
                 <a:solidFill>
@@ -2515,7 +2834,7 @@
                 </a:solidFill>
               </a:defRPr>
             </a:lvl8pPr>
-            <a:lvl9pPr marL="3657600" indent="0">
+            <a:lvl9pPr indent="0" marL="3657600">
               <a:buNone/>
               <a:defRPr sz="1400">
                 <a:solidFill>
@@ -2537,7 +2856,7 @@
       </p:sp>
       <p:sp>
         <p:nvSpPr>
-          <p:cNvPr id="4" name="Date Placeholder 3"/>
+          <p:cNvPr id="1048632" name="Date Placeholder 3"/>
           <p:cNvSpPr>
             <a:spLocks noGrp="1"/>
           </p:cNvSpPr>
@@ -2548,7 +2867,6 @@
         <p:spPr/>
         <p:txBody>
           <a:bodyPr/>
-          <a:lstStyle/>
           <a:p>
             <a:fld id="{EFDA79BE-E4B6-4ED8-962E-2655A4560E6B}" type="datetimeFigureOut">
               <a:rPr lang="en-IN" smtClean="0"/>
@@ -2560,7 +2878,7 @@
       </p:sp>
       <p:sp>
         <p:nvSpPr>
-          <p:cNvPr id="5" name="Footer Placeholder 4"/>
+          <p:cNvPr id="1048633" name="Footer Placeholder 4"/>
           <p:cNvSpPr>
             <a:spLocks noGrp="1"/>
           </p:cNvSpPr>
@@ -2571,7 +2889,6 @@
         <p:spPr/>
         <p:txBody>
           <a:bodyPr/>
-          <a:lstStyle/>
           <a:p>
             <a:endParaRPr lang="en-IN"/>
           </a:p>
@@ -2579,7 +2896,7 @@
       </p:sp>
       <p:sp>
         <p:nvSpPr>
-          <p:cNvPr id="6" name="Slide Number Placeholder 5"/>
+          <p:cNvPr id="1048634" name="Slide Number Placeholder 5"/>
           <p:cNvSpPr>
             <a:spLocks noGrp="1"/>
           </p:cNvSpPr>
@@ -2590,7 +2907,6 @@
         <p:spPr/>
         <p:txBody>
           <a:bodyPr/>
-          <a:lstStyle/>
           <a:p>
             <a:fld id="{F9B5497E-245C-4BD3-8F72-996535150D26}" type="slidenum">
               <a:rPr lang="en-IN" smtClean="0"/>
@@ -2602,8 +2918,10 @@
       </p:sp>
       <p:cxnSp>
         <p:nvCxnSpPr>
-          <p:cNvPr id="15" name="Straight Connector 14"/>
-          <p:cNvCxnSpPr/>
+          <p:cNvPr id="3145732" name="Straight Connector 14"/>
+          <p:cNvCxnSpPr>
+            <a:cxnSpLocks/>
+          </p:cNvCxnSpPr>
           <p:nvPr/>
         </p:nvCxnSpPr>
         <p:spPr>
@@ -2611,9 +2929,7 @@
             <a:off x="1396169" y="3429000"/>
             <a:ext cx="9407298" cy="0"/>
           </a:xfrm>
-          <a:prstGeom prst="line">
-            <a:avLst/>
-          </a:prstGeom>
+          <a:prstGeom prst="line"/>
           <a:ln w="15875"/>
         </p:spPr>
         <p:style>
@@ -2632,11 +2948,6 @@
         </p:style>
       </p:cxnSp>
     </p:spTree>
-    <p:extLst>
-      <p:ext uri="{BB962C8B-B14F-4D97-AF65-F5344CB8AC3E}">
-        <p14:creationId xmlns:p14="http://schemas.microsoft.com/office/powerpoint/2010/main" val="952323094"/>
-      </p:ext>
-    </p:extLst>
   </p:cSld>
   <p:clrMapOvr>
     <a:masterClrMapping/>
@@ -2645,11 +2956,11 @@
 </file>
 
 <file path=ppt/slideLayouts/slideLayout16.xml><?xml version="1.0" encoding="utf-8"?>
-<p:sldLayout xmlns:a="http://schemas.openxmlformats.org/drawingml/2006/main" xmlns:r="http://schemas.openxmlformats.org/officeDocument/2006/relationships" xmlns:p="http://schemas.openxmlformats.org/presentationml/2006/main" type="vertTx" preserve="1">
+<p:sldLayout xmlns:a="http://schemas.openxmlformats.org/drawingml/2006/main" xmlns:r="http://schemas.openxmlformats.org/officeDocument/2006/relationships" xmlns:p="http://schemas.openxmlformats.org/presentationml/2006/main" preserve="1" type="vertTx">
   <p:cSld name="Title and Vertical Text">
     <p:spTree>
       <p:nvGrpSpPr>
-        <p:cNvPr id="1" name=""/>
+        <p:cNvPr id="54" name=""/>
         <p:cNvGrpSpPr/>
         <p:nvPr/>
       </p:nvGrpSpPr>
@@ -2663,7 +2974,7 @@
       </p:grpSpPr>
       <p:sp>
         <p:nvSpPr>
-          <p:cNvPr id="2" name="Title 1"/>
+          <p:cNvPr id="1048690" name="Title 1"/>
           <p:cNvSpPr>
             <a:spLocks noGrp="1"/>
           </p:cNvSpPr>
@@ -2675,22 +2986,20 @@
         <p:txBody>
           <a:bodyPr/>
           <a:lstStyle>
-            <a:lvl1pPr algn="ctr">
-              <a:defRPr/>
-            </a:lvl1pPr>
+            <a:lvl1pPr algn="ctr"/>
           </a:lstStyle>
           <a:p>
             <a:r>
               <a:rPr lang="en-US"/>
               <a:t>Click to edit Master title style</a:t>
             </a:r>
-            <a:endParaRPr lang="en-US" dirty="0"/>
-          </a:p>
-        </p:txBody>
-      </p:sp>
-      <p:sp>
-        <p:nvSpPr>
-          <p:cNvPr id="3" name="Vertical Text Placeholder 2"/>
+            <a:endParaRPr dirty="0" lang="en-US"/>
+          </a:p>
+        </p:txBody>
+      </p:sp>
+      <p:sp>
+        <p:nvSpPr>
+          <p:cNvPr id="1048691" name="Vertical Text Placeholder 2"/>
           <p:cNvSpPr>
             <a:spLocks noGrp="1"/>
           </p:cNvSpPr>
@@ -2700,8 +3009,7 @@
         </p:nvSpPr>
         <p:spPr/>
         <p:txBody>
-          <a:bodyPr vert="eaVert" anchor="t"/>
-          <a:lstStyle/>
+          <a:bodyPr anchor="t" vert="eaVert"/>
           <a:p>
             <a:pPr lvl="0"/>
             <a:r>
@@ -2736,13 +3044,13 @@
               <a:rPr lang="en-US"/>
               <a:t>Fifth level</a:t>
             </a:r>
-            <a:endParaRPr lang="en-US" dirty="0"/>
-          </a:p>
-        </p:txBody>
-      </p:sp>
-      <p:sp>
-        <p:nvSpPr>
-          <p:cNvPr id="4" name="Date Placeholder 3"/>
+            <a:endParaRPr dirty="0" lang="en-US"/>
+          </a:p>
+        </p:txBody>
+      </p:sp>
+      <p:sp>
+        <p:nvSpPr>
+          <p:cNvPr id="1048692" name="Date Placeholder 3"/>
           <p:cNvSpPr>
             <a:spLocks noGrp="1"/>
           </p:cNvSpPr>
@@ -2753,7 +3061,6 @@
         <p:spPr/>
         <p:txBody>
           <a:bodyPr/>
-          <a:lstStyle/>
           <a:p>
             <a:fld id="{EFDA79BE-E4B6-4ED8-962E-2655A4560E6B}" type="datetimeFigureOut">
               <a:rPr lang="en-IN" smtClean="0"/>
@@ -2765,7 +3072,7 @@
       </p:sp>
       <p:sp>
         <p:nvSpPr>
-          <p:cNvPr id="5" name="Footer Placeholder 4"/>
+          <p:cNvPr id="1048693" name="Footer Placeholder 4"/>
           <p:cNvSpPr>
             <a:spLocks noGrp="1"/>
           </p:cNvSpPr>
@@ -2776,7 +3083,6 @@
         <p:spPr/>
         <p:txBody>
           <a:bodyPr/>
-          <a:lstStyle/>
           <a:p>
             <a:endParaRPr lang="en-IN"/>
           </a:p>
@@ -2784,7 +3090,7 @@
       </p:sp>
       <p:sp>
         <p:nvSpPr>
-          <p:cNvPr id="6" name="Slide Number Placeholder 5"/>
+          <p:cNvPr id="1048694" name="Slide Number Placeholder 5"/>
           <p:cNvSpPr>
             <a:spLocks noGrp="1"/>
           </p:cNvSpPr>
@@ -2795,7 +3101,6 @@
         <p:spPr/>
         <p:txBody>
           <a:bodyPr/>
-          <a:lstStyle/>
           <a:p>
             <a:fld id="{F9B5497E-245C-4BD3-8F72-996535150D26}" type="slidenum">
               <a:rPr lang="en-IN" smtClean="0"/>
@@ -2807,8 +3112,10 @@
       </p:sp>
       <p:cxnSp>
         <p:nvCxnSpPr>
-          <p:cNvPr id="14" name="Straight Connector 13"/>
-          <p:cNvCxnSpPr/>
+          <p:cNvPr id="3145740" name="Straight Connector 13"/>
+          <p:cNvCxnSpPr>
+            <a:cxnSpLocks/>
+          </p:cNvCxnSpPr>
           <p:nvPr/>
         </p:nvCxnSpPr>
         <p:spPr>
@@ -2816,9 +3123,7 @@
             <a:off x="1396169" y="2421466"/>
             <a:ext cx="9407298" cy="0"/>
           </a:xfrm>
-          <a:prstGeom prst="line">
-            <a:avLst/>
-          </a:prstGeom>
+          <a:prstGeom prst="line"/>
           <a:ln w="15875"/>
         </p:spPr>
         <p:style>
@@ -2837,11 +3142,6 @@
         </p:style>
       </p:cxnSp>
     </p:spTree>
-    <p:extLst>
-      <p:ext uri="{BB962C8B-B14F-4D97-AF65-F5344CB8AC3E}">
-        <p14:creationId xmlns:p14="http://schemas.microsoft.com/office/powerpoint/2010/main" val="333460332"/>
-      </p:ext>
-    </p:extLst>
   </p:cSld>
   <p:clrMapOvr>
     <a:masterClrMapping/>
@@ -2850,11 +3150,11 @@
 </file>
 
 <file path=ppt/slideLayouts/slideLayout17.xml><?xml version="1.0" encoding="utf-8"?>
-<p:sldLayout xmlns:a="http://schemas.openxmlformats.org/drawingml/2006/main" xmlns:r="http://schemas.openxmlformats.org/officeDocument/2006/relationships" xmlns:p="http://schemas.openxmlformats.org/presentationml/2006/main" type="vertTitleAndTx" preserve="1">
+<p:sldLayout xmlns:a="http://schemas.openxmlformats.org/drawingml/2006/main" xmlns:r="http://schemas.openxmlformats.org/officeDocument/2006/relationships" xmlns:p="http://schemas.openxmlformats.org/presentationml/2006/main" preserve="1" type="vertTitleAndTx">
   <p:cSld name="Vertical Title and Text">
     <p:spTree>
       <p:nvGrpSpPr>
-        <p:cNvPr id="1" name=""/>
+        <p:cNvPr id="48" name=""/>
         <p:cNvGrpSpPr/>
         <p:nvPr/>
       </p:nvGrpSpPr>
@@ -2868,7 +3168,7 @@
       </p:grpSpPr>
       <p:sp>
         <p:nvSpPr>
-          <p:cNvPr id="2" name="Vertical Title 1"/>
+          <p:cNvPr id="1048651" name="Vertical Title 1"/>
           <p:cNvSpPr>
             <a:spLocks noGrp="1"/>
           </p:cNvSpPr>
@@ -2884,19 +3184,18 @@
         </p:spPr>
         <p:txBody>
           <a:bodyPr vert="eaVert"/>
-          <a:lstStyle/>
           <a:p>
             <a:r>
               <a:rPr lang="en-US"/>
               <a:t>Click to edit Master title style</a:t>
             </a:r>
-            <a:endParaRPr lang="en-US" dirty="0"/>
-          </a:p>
-        </p:txBody>
-      </p:sp>
-      <p:sp>
-        <p:nvSpPr>
-          <p:cNvPr id="3" name="Vertical Text Placeholder 2"/>
+            <a:endParaRPr dirty="0" lang="en-US"/>
+          </a:p>
+        </p:txBody>
+      </p:sp>
+      <p:sp>
+        <p:nvSpPr>
+          <p:cNvPr id="1048652" name="Vertical Text Placeholder 2"/>
           <p:cNvSpPr>
             <a:spLocks noGrp="1"/>
           </p:cNvSpPr>
@@ -2911,8 +3210,7 @@
           </a:xfrm>
         </p:spPr>
         <p:txBody>
-          <a:bodyPr vert="eaVert" anchor="t"/>
-          <a:lstStyle/>
+          <a:bodyPr anchor="t" vert="eaVert"/>
           <a:p>
             <a:pPr lvl="0"/>
             <a:r>
@@ -2947,13 +3245,13 @@
               <a:rPr lang="en-US"/>
               <a:t>Fifth level</a:t>
             </a:r>
-            <a:endParaRPr lang="en-US" dirty="0"/>
-          </a:p>
-        </p:txBody>
-      </p:sp>
-      <p:sp>
-        <p:nvSpPr>
-          <p:cNvPr id="4" name="Date Placeholder 3"/>
+            <a:endParaRPr dirty="0" lang="en-US"/>
+          </a:p>
+        </p:txBody>
+      </p:sp>
+      <p:sp>
+        <p:nvSpPr>
+          <p:cNvPr id="1048653" name="Date Placeholder 3"/>
           <p:cNvSpPr>
             <a:spLocks noGrp="1"/>
           </p:cNvSpPr>
@@ -2964,7 +3262,6 @@
         <p:spPr/>
         <p:txBody>
           <a:bodyPr/>
-          <a:lstStyle/>
           <a:p>
             <a:fld id="{EFDA79BE-E4B6-4ED8-962E-2655A4560E6B}" type="datetimeFigureOut">
               <a:rPr lang="en-IN" smtClean="0"/>
@@ -2976,7 +3273,7 @@
       </p:sp>
       <p:sp>
         <p:nvSpPr>
-          <p:cNvPr id="5" name="Footer Placeholder 4"/>
+          <p:cNvPr id="1048654" name="Footer Placeholder 4"/>
           <p:cNvSpPr>
             <a:spLocks noGrp="1"/>
           </p:cNvSpPr>
@@ -2987,7 +3284,6 @@
         <p:spPr/>
         <p:txBody>
           <a:bodyPr/>
-          <a:lstStyle/>
           <a:p>
             <a:endParaRPr lang="en-IN"/>
           </a:p>
@@ -2995,7 +3291,7 @@
       </p:sp>
       <p:sp>
         <p:nvSpPr>
-          <p:cNvPr id="6" name="Slide Number Placeholder 5"/>
+          <p:cNvPr id="1048655" name="Slide Number Placeholder 5"/>
           <p:cNvSpPr>
             <a:spLocks noGrp="1"/>
           </p:cNvSpPr>
@@ -3006,7 +3302,6 @@
         <p:spPr/>
         <p:txBody>
           <a:bodyPr/>
-          <a:lstStyle/>
           <a:p>
             <a:fld id="{F9B5497E-245C-4BD3-8F72-996535150D26}" type="slidenum">
               <a:rPr lang="en-IN" smtClean="0"/>
@@ -3018,8 +3313,10 @@
       </p:sp>
       <p:cxnSp>
         <p:nvCxnSpPr>
-          <p:cNvPr id="14" name="Straight Connector 13"/>
-          <p:cNvCxnSpPr/>
+          <p:cNvPr id="3145735" name="Straight Connector 13"/>
+          <p:cNvCxnSpPr>
+            <a:cxnSpLocks/>
+          </p:cNvCxnSpPr>
           <p:nvPr/>
         </p:nvCxnSpPr>
         <p:spPr>
@@ -3027,9 +3324,7 @@
             <a:off x="8863890" y="990600"/>
             <a:ext cx="0" cy="4876800"/>
           </a:xfrm>
-          <a:prstGeom prst="line">
-            <a:avLst/>
-          </a:prstGeom>
+          <a:prstGeom prst="line"/>
           <a:ln w="15875"/>
         </p:spPr>
         <p:style>
@@ -3048,11 +3343,6 @@
         </p:style>
       </p:cxnSp>
     </p:spTree>
-    <p:extLst>
-      <p:ext uri="{BB962C8B-B14F-4D97-AF65-F5344CB8AC3E}">
-        <p14:creationId xmlns:p14="http://schemas.microsoft.com/office/powerpoint/2010/main" val="3440759949"/>
-      </p:ext>
-    </p:extLst>
   </p:cSld>
   <p:clrMapOvr>
     <a:masterClrMapping/>
@@ -3061,11 +3351,11 @@
 </file>
 
 <file path=ppt/slideLayouts/slideLayout2.xml><?xml version="1.0" encoding="utf-8"?>
-<p:sldLayout xmlns:a="http://schemas.openxmlformats.org/drawingml/2006/main" xmlns:r="http://schemas.openxmlformats.org/officeDocument/2006/relationships" xmlns:p="http://schemas.openxmlformats.org/presentationml/2006/main" type="obj" preserve="1">
+<p:sldLayout xmlns:a="http://schemas.openxmlformats.org/drawingml/2006/main" xmlns:r="http://schemas.openxmlformats.org/officeDocument/2006/relationships" xmlns:p="http://schemas.openxmlformats.org/presentationml/2006/main" preserve="1" type="obj">
   <p:cSld name="Title and Content">
     <p:spTree>
       <p:nvGrpSpPr>
-        <p:cNvPr id="1" name=""/>
+        <p:cNvPr id="33" name=""/>
         <p:cNvGrpSpPr/>
         <p:nvPr/>
       </p:nvGrpSpPr>
@@ -3079,8 +3369,10 @@
       </p:grpSpPr>
       <p:cxnSp>
         <p:nvCxnSpPr>
-          <p:cNvPr id="7" name="Straight Connector 6"/>
-          <p:cNvCxnSpPr/>
+          <p:cNvPr id="3145729" name="Straight Connector 6"/>
+          <p:cNvCxnSpPr>
+            <a:cxnSpLocks/>
+          </p:cNvCxnSpPr>
           <p:nvPr/>
         </p:nvCxnSpPr>
         <p:spPr>
@@ -3088,9 +3380,7 @@
             <a:off x="1396169" y="2421466"/>
             <a:ext cx="9407298" cy="0"/>
           </a:xfrm>
-          <a:prstGeom prst="line">
-            <a:avLst/>
-          </a:prstGeom>
+          <a:prstGeom prst="line"/>
           <a:ln w="15875"/>
         </p:spPr>
         <p:style>
@@ -3110,7 +3400,7 @@
       </p:cxnSp>
       <p:sp>
         <p:nvSpPr>
-          <p:cNvPr id="2" name="Title 1"/>
+          <p:cNvPr id="1048592" name="Title 1"/>
           <p:cNvSpPr>
             <a:spLocks noGrp="1"/>
           </p:cNvSpPr>
@@ -3121,19 +3411,18 @@
         <p:spPr/>
         <p:txBody>
           <a:bodyPr/>
-          <a:lstStyle/>
           <a:p>
             <a:r>
               <a:rPr lang="en-US"/>
               <a:t>Click to edit Master title style</a:t>
             </a:r>
-            <a:endParaRPr lang="en-US" dirty="0"/>
-          </a:p>
-        </p:txBody>
-      </p:sp>
-      <p:sp>
-        <p:nvSpPr>
-          <p:cNvPr id="3" name="Content Placeholder 2"/>
+            <a:endParaRPr dirty="0" lang="en-US"/>
+          </a:p>
+        </p:txBody>
+      </p:sp>
+      <p:sp>
+        <p:nvSpPr>
+          <p:cNvPr id="1048593" name="Content Placeholder 2"/>
           <p:cNvSpPr>
             <a:spLocks noGrp="1"/>
           </p:cNvSpPr>
@@ -3144,7 +3433,6 @@
         <p:spPr/>
         <p:txBody>
           <a:bodyPr/>
-          <a:lstStyle/>
           <a:p>
             <a:pPr lvl="0"/>
             <a:r>
@@ -3179,13 +3467,13 @@
               <a:rPr lang="en-US"/>
               <a:t>Fifth level</a:t>
             </a:r>
-            <a:endParaRPr lang="en-US" dirty="0"/>
-          </a:p>
-        </p:txBody>
-      </p:sp>
-      <p:sp>
-        <p:nvSpPr>
-          <p:cNvPr id="4" name="Date Placeholder 3"/>
+            <a:endParaRPr dirty="0" lang="en-US"/>
+          </a:p>
+        </p:txBody>
+      </p:sp>
+      <p:sp>
+        <p:nvSpPr>
+          <p:cNvPr id="1048594" name="Date Placeholder 3"/>
           <p:cNvSpPr>
             <a:spLocks noGrp="1"/>
           </p:cNvSpPr>
@@ -3196,7 +3484,6 @@
         <p:spPr/>
         <p:txBody>
           <a:bodyPr/>
-          <a:lstStyle/>
           <a:p>
             <a:fld id="{EFDA79BE-E4B6-4ED8-962E-2655A4560E6B}" type="datetimeFigureOut">
               <a:rPr lang="en-IN" smtClean="0"/>
@@ -3208,7 +3495,7 @@
       </p:sp>
       <p:sp>
         <p:nvSpPr>
-          <p:cNvPr id="5" name="Footer Placeholder 4"/>
+          <p:cNvPr id="1048595" name="Footer Placeholder 4"/>
           <p:cNvSpPr>
             <a:spLocks noGrp="1"/>
           </p:cNvSpPr>
@@ -3219,7 +3506,6 @@
         <p:spPr/>
         <p:txBody>
           <a:bodyPr/>
-          <a:lstStyle/>
           <a:p>
             <a:endParaRPr lang="en-IN"/>
           </a:p>
@@ -3227,7 +3513,7 @@
       </p:sp>
       <p:sp>
         <p:nvSpPr>
-          <p:cNvPr id="6" name="Slide Number Placeholder 5"/>
+          <p:cNvPr id="1048596" name="Slide Number Placeholder 5"/>
           <p:cNvSpPr>
             <a:spLocks noGrp="1"/>
           </p:cNvSpPr>
@@ -3238,7 +3524,6 @@
         <p:spPr/>
         <p:txBody>
           <a:bodyPr/>
-          <a:lstStyle/>
           <a:p>
             <a:fld id="{F9B5497E-245C-4BD3-8F72-996535150D26}" type="slidenum">
               <a:rPr lang="en-IN" smtClean="0"/>
@@ -3249,11 +3534,6 @@
         </p:txBody>
       </p:sp>
     </p:spTree>
-    <p:extLst>
-      <p:ext uri="{BB962C8B-B14F-4D97-AF65-F5344CB8AC3E}">
-        <p14:creationId xmlns:p14="http://schemas.microsoft.com/office/powerpoint/2010/main" val="1174120772"/>
-      </p:ext>
-    </p:extLst>
   </p:cSld>
   <p:clrMapOvr>
     <a:masterClrMapping/>
@@ -3262,11 +3542,11 @@
 </file>
 
 <file path=ppt/slideLayouts/slideLayout3.xml><?xml version="1.0" encoding="utf-8"?>
-<p:sldLayout xmlns:a="http://schemas.openxmlformats.org/drawingml/2006/main" xmlns:r="http://schemas.openxmlformats.org/officeDocument/2006/relationships" xmlns:p="http://schemas.openxmlformats.org/presentationml/2006/main" type="secHead" preserve="1">
+<p:sldLayout xmlns:a="http://schemas.openxmlformats.org/drawingml/2006/main" xmlns:r="http://schemas.openxmlformats.org/officeDocument/2006/relationships" xmlns:p="http://schemas.openxmlformats.org/presentationml/2006/main" preserve="1" type="secHead">
   <p:cSld name="Section Header">
     <p:spTree>
       <p:nvGrpSpPr>
-        <p:cNvPr id="1" name=""/>
+        <p:cNvPr id="45" name=""/>
         <p:cNvGrpSpPr/>
         <p:nvPr/>
       </p:nvGrpSpPr>
@@ -3280,7 +3560,7 @@
       </p:grpSpPr>
       <p:sp>
         <p:nvSpPr>
-          <p:cNvPr id="2" name="Title 1"/>
+          <p:cNvPr id="1048635" name="Title 1"/>
           <p:cNvSpPr>
             <a:spLocks noGrp="1"/>
           </p:cNvSpPr>
@@ -3300,7 +3580,7 @@
           </a:bodyPr>
           <a:lstStyle>
             <a:lvl1pPr algn="ctr">
-              <a:defRPr sz="4400" b="0" cap="none"/>
+              <a:defRPr b="0" cap="none" sz="4400"/>
             </a:lvl1pPr>
           </a:lstStyle>
           <a:p>
@@ -3308,13 +3588,13 @@
               <a:rPr lang="en-US"/>
               <a:t>Click to edit Master title style</a:t>
             </a:r>
-            <a:endParaRPr lang="en-US" dirty="0"/>
-          </a:p>
-        </p:txBody>
-      </p:sp>
-      <p:sp>
-        <p:nvSpPr>
-          <p:cNvPr id="3" name="Text Placeholder 2"/>
+            <a:endParaRPr dirty="0" lang="en-US"/>
+          </a:p>
+        </p:txBody>
+      </p:sp>
+      <p:sp>
+        <p:nvSpPr>
+          <p:cNvPr id="1048636" name="Text Placeholder 2"/>
           <p:cNvSpPr>
             <a:spLocks noGrp="1"/>
           </p:cNvSpPr>
@@ -3333,7 +3613,7 @@
             <a:normAutofit/>
           </a:bodyPr>
           <a:lstStyle>
-            <a:lvl1pPr marL="0" indent="0" algn="ctr">
+            <a:lvl1pPr algn="ctr" indent="0" marL="0">
               <a:buNone/>
               <a:defRPr sz="2400">
                 <a:solidFill>
@@ -3341,7 +3621,7 @@
                 </a:solidFill>
               </a:defRPr>
             </a:lvl1pPr>
-            <a:lvl2pPr marL="457200" indent="0">
+            <a:lvl2pPr indent="0" marL="457200">
               <a:buNone/>
               <a:defRPr sz="1800">
                 <a:solidFill>
@@ -3351,7 +3631,7 @@
                 </a:solidFill>
               </a:defRPr>
             </a:lvl2pPr>
-            <a:lvl3pPr marL="914400" indent="0">
+            <a:lvl3pPr indent="0" marL="914400">
               <a:buNone/>
               <a:defRPr sz="1600">
                 <a:solidFill>
@@ -3361,7 +3641,7 @@
                 </a:solidFill>
               </a:defRPr>
             </a:lvl3pPr>
-            <a:lvl4pPr marL="1371600" indent="0">
+            <a:lvl4pPr indent="0" marL="1371600">
               <a:buNone/>
               <a:defRPr sz="1400">
                 <a:solidFill>
@@ -3371,7 +3651,7 @@
                 </a:solidFill>
               </a:defRPr>
             </a:lvl4pPr>
-            <a:lvl5pPr marL="1828800" indent="0">
+            <a:lvl5pPr indent="0" marL="1828800">
               <a:buNone/>
               <a:defRPr sz="1400">
                 <a:solidFill>
@@ -3381,7 +3661,7 @@
                 </a:solidFill>
               </a:defRPr>
             </a:lvl5pPr>
-            <a:lvl6pPr marL="2286000" indent="0">
+            <a:lvl6pPr indent="0" marL="2286000">
               <a:buNone/>
               <a:defRPr sz="1400">
                 <a:solidFill>
@@ -3391,7 +3671,7 @@
                 </a:solidFill>
               </a:defRPr>
             </a:lvl6pPr>
-            <a:lvl7pPr marL="2743200" indent="0">
+            <a:lvl7pPr indent="0" marL="2743200">
               <a:buNone/>
               <a:defRPr sz="1400">
                 <a:solidFill>
@@ -3401,7 +3681,7 @@
                 </a:solidFill>
               </a:defRPr>
             </a:lvl7pPr>
-            <a:lvl8pPr marL="3200400" indent="0">
+            <a:lvl8pPr indent="0" marL="3200400">
               <a:buNone/>
               <a:defRPr sz="1400">
                 <a:solidFill>
@@ -3411,7 +3691,7 @@
                 </a:solidFill>
               </a:defRPr>
             </a:lvl8pPr>
-            <a:lvl9pPr marL="3657600" indent="0">
+            <a:lvl9pPr indent="0" marL="3657600">
               <a:buNone/>
               <a:defRPr sz="1400">
                 <a:solidFill>
@@ -3433,7 +3713,7 @@
       </p:sp>
       <p:sp>
         <p:nvSpPr>
-          <p:cNvPr id="4" name="Date Placeholder 3"/>
+          <p:cNvPr id="1048637" name="Date Placeholder 3"/>
           <p:cNvSpPr>
             <a:spLocks noGrp="1"/>
           </p:cNvSpPr>
@@ -3444,7 +3724,6 @@
         <p:spPr/>
         <p:txBody>
           <a:bodyPr/>
-          <a:lstStyle/>
           <a:p>
             <a:fld id="{EFDA79BE-E4B6-4ED8-962E-2655A4560E6B}" type="datetimeFigureOut">
               <a:rPr lang="en-IN" smtClean="0"/>
@@ -3456,7 +3735,7 @@
       </p:sp>
       <p:sp>
         <p:nvSpPr>
-          <p:cNvPr id="5" name="Footer Placeholder 4"/>
+          <p:cNvPr id="1048638" name="Footer Placeholder 4"/>
           <p:cNvSpPr>
             <a:spLocks noGrp="1"/>
           </p:cNvSpPr>
@@ -3467,7 +3746,6 @@
         <p:spPr/>
         <p:txBody>
           <a:bodyPr/>
-          <a:lstStyle/>
           <a:p>
             <a:endParaRPr lang="en-IN"/>
           </a:p>
@@ -3475,7 +3753,7 @@
       </p:sp>
       <p:sp>
         <p:nvSpPr>
-          <p:cNvPr id="6" name="Slide Number Placeholder 5"/>
+          <p:cNvPr id="1048639" name="Slide Number Placeholder 5"/>
           <p:cNvSpPr>
             <a:spLocks noGrp="1"/>
           </p:cNvSpPr>
@@ -3486,7 +3764,6 @@
         <p:spPr/>
         <p:txBody>
           <a:bodyPr/>
-          <a:lstStyle/>
           <a:p>
             <a:fld id="{F9B5497E-245C-4BD3-8F72-996535150D26}" type="slidenum">
               <a:rPr lang="en-IN" smtClean="0"/>
@@ -3498,8 +3775,10 @@
       </p:sp>
       <p:cxnSp>
         <p:nvCxnSpPr>
-          <p:cNvPr id="16" name="Straight Connector 15"/>
-          <p:cNvCxnSpPr/>
+          <p:cNvPr id="3145733" name="Straight Connector 15"/>
+          <p:cNvCxnSpPr>
+            <a:cxnSpLocks/>
+          </p:cNvCxnSpPr>
           <p:nvPr/>
         </p:nvCxnSpPr>
         <p:spPr>
@@ -3507,9 +3786,7 @@
             <a:off x="2012723" y="3710585"/>
             <a:ext cx="8163380" cy="0"/>
           </a:xfrm>
-          <a:prstGeom prst="line">
-            <a:avLst/>
-          </a:prstGeom>
+          <a:prstGeom prst="line"/>
           <a:ln w="15875"/>
         </p:spPr>
         <p:style>
@@ -3528,11 +3805,6 @@
         </p:style>
       </p:cxnSp>
     </p:spTree>
-    <p:extLst>
-      <p:ext uri="{BB962C8B-B14F-4D97-AF65-F5344CB8AC3E}">
-        <p14:creationId xmlns:p14="http://schemas.microsoft.com/office/powerpoint/2010/main" val="1831732203"/>
-      </p:ext>
-    </p:extLst>
   </p:cSld>
   <p:clrMapOvr>
     <a:masterClrMapping/>
@@ -3541,11 +3813,11 @@
 </file>
 
 <file path=ppt/slideLayouts/slideLayout4.xml><?xml version="1.0" encoding="utf-8"?>
-<p:sldLayout xmlns:a="http://schemas.openxmlformats.org/drawingml/2006/main" xmlns:r="http://schemas.openxmlformats.org/officeDocument/2006/relationships" xmlns:p="http://schemas.openxmlformats.org/presentationml/2006/main" type="twoObj" preserve="1">
+<p:sldLayout xmlns:a="http://schemas.openxmlformats.org/drawingml/2006/main" xmlns:r="http://schemas.openxmlformats.org/officeDocument/2006/relationships" xmlns:p="http://schemas.openxmlformats.org/presentationml/2006/main" preserve="1" type="twoObj">
   <p:cSld name="Two Content">
     <p:spTree>
       <p:nvGrpSpPr>
-        <p:cNvPr id="1" name=""/>
+        <p:cNvPr id="51" name=""/>
         <p:cNvGrpSpPr/>
         <p:nvPr/>
       </p:nvGrpSpPr>
@@ -3559,8 +3831,10 @@
       </p:grpSpPr>
       <p:cxnSp>
         <p:nvCxnSpPr>
-          <p:cNvPr id="8" name="Straight Connector 7"/>
-          <p:cNvCxnSpPr/>
+          <p:cNvPr id="3145737" name="Straight Connector 7"/>
+          <p:cNvCxnSpPr>
+            <a:cxnSpLocks/>
+          </p:cNvCxnSpPr>
           <p:nvPr/>
         </p:nvCxnSpPr>
         <p:spPr>
@@ -3568,9 +3842,7 @@
             <a:off x="1396169" y="2421466"/>
             <a:ext cx="9407298" cy="0"/>
           </a:xfrm>
-          <a:prstGeom prst="line">
-            <a:avLst/>
-          </a:prstGeom>
+          <a:prstGeom prst="line"/>
           <a:ln w="15875"/>
         </p:spPr>
         <p:style>
@@ -3590,7 +3862,7 @@
       </p:cxnSp>
       <p:sp>
         <p:nvSpPr>
-          <p:cNvPr id="2" name="Title 1"/>
+          <p:cNvPr id="1048670" name="Title 1"/>
           <p:cNvSpPr>
             <a:spLocks noGrp="1"/>
           </p:cNvSpPr>
@@ -3601,19 +3873,18 @@
         <p:spPr/>
         <p:txBody>
           <a:bodyPr/>
-          <a:lstStyle/>
           <a:p>
             <a:r>
               <a:rPr lang="en-US"/>
               <a:t>Click to edit Master title style</a:t>
             </a:r>
-            <a:endParaRPr lang="en-US" dirty="0"/>
-          </a:p>
-        </p:txBody>
-      </p:sp>
-      <p:sp>
-        <p:nvSpPr>
-          <p:cNvPr id="3" name="Content Placeholder 2"/>
+            <a:endParaRPr dirty="0" lang="en-US"/>
+          </a:p>
+        </p:txBody>
+      </p:sp>
+      <p:sp>
+        <p:nvSpPr>
+          <p:cNvPr id="1048671" name="Content Placeholder 2"/>
           <p:cNvSpPr>
             <a:spLocks noGrp="1"/>
           </p:cNvSpPr>
@@ -3631,7 +3902,6 @@
           <a:bodyPr>
             <a:normAutofit/>
           </a:bodyPr>
-          <a:lstStyle/>
           <a:p>
             <a:pPr lvl="0"/>
             <a:r>
@@ -3666,13 +3936,13 @@
               <a:rPr lang="en-US"/>
               <a:t>Fifth level</a:t>
             </a:r>
-            <a:endParaRPr lang="en-US" dirty="0"/>
-          </a:p>
-        </p:txBody>
-      </p:sp>
-      <p:sp>
-        <p:nvSpPr>
-          <p:cNvPr id="4" name="Content Placeholder 3"/>
+            <a:endParaRPr dirty="0" lang="en-US"/>
+          </a:p>
+        </p:txBody>
+      </p:sp>
+      <p:sp>
+        <p:nvSpPr>
+          <p:cNvPr id="1048672" name="Content Placeholder 3"/>
           <p:cNvSpPr>
             <a:spLocks noGrp="1"/>
           </p:cNvSpPr>
@@ -3690,7 +3960,6 @@
           <a:bodyPr>
             <a:normAutofit/>
           </a:bodyPr>
-          <a:lstStyle/>
           <a:p>
             <a:pPr lvl="0"/>
             <a:r>
@@ -3725,13 +3994,13 @@
               <a:rPr lang="en-US"/>
               <a:t>Fifth level</a:t>
             </a:r>
-            <a:endParaRPr lang="en-US" dirty="0"/>
-          </a:p>
-        </p:txBody>
-      </p:sp>
-      <p:sp>
-        <p:nvSpPr>
-          <p:cNvPr id="5" name="Date Placeholder 4"/>
+            <a:endParaRPr dirty="0" lang="en-US"/>
+          </a:p>
+        </p:txBody>
+      </p:sp>
+      <p:sp>
+        <p:nvSpPr>
+          <p:cNvPr id="1048673" name="Date Placeholder 4"/>
           <p:cNvSpPr>
             <a:spLocks noGrp="1"/>
           </p:cNvSpPr>
@@ -3742,7 +4011,6 @@
         <p:spPr/>
         <p:txBody>
           <a:bodyPr/>
-          <a:lstStyle/>
           <a:p>
             <a:fld id="{EFDA79BE-E4B6-4ED8-962E-2655A4560E6B}" type="datetimeFigureOut">
               <a:rPr lang="en-IN" smtClean="0"/>
@@ -3754,7 +4022,7 @@
       </p:sp>
       <p:sp>
         <p:nvSpPr>
-          <p:cNvPr id="6" name="Footer Placeholder 5"/>
+          <p:cNvPr id="1048674" name="Footer Placeholder 5"/>
           <p:cNvSpPr>
             <a:spLocks noGrp="1"/>
           </p:cNvSpPr>
@@ -3765,7 +4033,6 @@
         <p:spPr/>
         <p:txBody>
           <a:bodyPr/>
-          <a:lstStyle/>
           <a:p>
             <a:endParaRPr lang="en-IN"/>
           </a:p>
@@ -3773,7 +4040,7 @@
       </p:sp>
       <p:sp>
         <p:nvSpPr>
-          <p:cNvPr id="7" name="Slide Number Placeholder 6"/>
+          <p:cNvPr id="1048675" name="Slide Number Placeholder 6"/>
           <p:cNvSpPr>
             <a:spLocks noGrp="1"/>
           </p:cNvSpPr>
@@ -3784,7 +4051,6 @@
         <p:spPr/>
         <p:txBody>
           <a:bodyPr/>
-          <a:lstStyle/>
           <a:p>
             <a:fld id="{F9B5497E-245C-4BD3-8F72-996535150D26}" type="slidenum">
               <a:rPr lang="en-IN" smtClean="0"/>
@@ -3795,11 +4061,6 @@
         </p:txBody>
       </p:sp>
     </p:spTree>
-    <p:extLst>
-      <p:ext uri="{BB962C8B-B14F-4D97-AF65-F5344CB8AC3E}">
-        <p14:creationId xmlns:p14="http://schemas.microsoft.com/office/powerpoint/2010/main" val="3369951591"/>
-      </p:ext>
-    </p:extLst>
   </p:cSld>
   <p:clrMapOvr>
     <a:masterClrMapping/>
@@ -3808,11 +4069,11 @@
 </file>
 
 <file path=ppt/slideLayouts/slideLayout5.xml><?xml version="1.0" encoding="utf-8"?>
-<p:sldLayout xmlns:a="http://schemas.openxmlformats.org/drawingml/2006/main" xmlns:r="http://schemas.openxmlformats.org/officeDocument/2006/relationships" xmlns:p="http://schemas.openxmlformats.org/presentationml/2006/main" type="twoTxTwoObj" preserve="1">
+<p:sldLayout xmlns:a="http://schemas.openxmlformats.org/drawingml/2006/main" xmlns:r="http://schemas.openxmlformats.org/officeDocument/2006/relationships" xmlns:p="http://schemas.openxmlformats.org/presentationml/2006/main" preserve="1" type="twoTxTwoObj">
   <p:cSld name="Comparison">
     <p:spTree>
       <p:nvGrpSpPr>
-        <p:cNvPr id="1" name=""/>
+        <p:cNvPr id="46" name=""/>
         <p:cNvGrpSpPr/>
         <p:nvPr/>
       </p:nvGrpSpPr>
@@ -3826,7 +4087,7 @@
       </p:grpSpPr>
       <p:sp>
         <p:nvSpPr>
-          <p:cNvPr id="2" name="Title 1"/>
+          <p:cNvPr id="1048640" name="Title 1"/>
           <p:cNvSpPr>
             <a:spLocks noGrp="1"/>
           </p:cNvSpPr>
@@ -3837,23 +4098,18 @@
         <p:spPr/>
         <p:txBody>
           <a:bodyPr/>
-          <a:lstStyle>
-            <a:lvl1pPr>
-              <a:defRPr/>
-            </a:lvl1pPr>
-          </a:lstStyle>
           <a:p>
             <a:r>
               <a:rPr lang="en-US"/>
               <a:t>Click to edit Master title style</a:t>
             </a:r>
-            <a:endParaRPr lang="en-US" dirty="0"/>
-          </a:p>
-        </p:txBody>
-      </p:sp>
-      <p:sp>
-        <p:nvSpPr>
-          <p:cNvPr id="3" name="Text Placeholder 2"/>
+            <a:endParaRPr dirty="0" lang="en-US"/>
+          </a:p>
+        </p:txBody>
+      </p:sp>
+      <p:sp>
+        <p:nvSpPr>
+          <p:cNvPr id="1048641" name="Text Placeholder 2"/>
           <p:cNvSpPr>
             <a:spLocks noGrp="1"/>
           </p:cNvSpPr>
@@ -3872,7 +4128,7 @@
             <a:noAutofit/>
           </a:bodyPr>
           <a:lstStyle>
-            <a:lvl1pPr marL="0" indent="0">
+            <a:lvl1pPr indent="0" marL="0">
               <a:spcBef>
                 <a:spcPts val="672"/>
               </a:spcBef>
@@ -3880,43 +4136,43 @@
                 <a:spcPts val="600"/>
               </a:spcAft>
               <a:buNone/>
-              <a:defRPr sz="2800" b="0">
+              <a:defRPr b="0" sz="2800">
                 <a:solidFill>
                   <a:schemeClr val="accent1"/>
                 </a:solidFill>
               </a:defRPr>
             </a:lvl1pPr>
-            <a:lvl2pPr marL="457200" indent="0">
-              <a:buNone/>
-              <a:defRPr sz="2000" b="1"/>
+            <a:lvl2pPr indent="0" marL="457200">
+              <a:buNone/>
+              <a:defRPr b="1" sz="2000"/>
             </a:lvl2pPr>
-            <a:lvl3pPr marL="914400" indent="0">
-              <a:buNone/>
-              <a:defRPr sz="1800" b="1"/>
+            <a:lvl3pPr indent="0" marL="914400">
+              <a:buNone/>
+              <a:defRPr b="1" sz="1800"/>
             </a:lvl3pPr>
-            <a:lvl4pPr marL="1371600" indent="0">
-              <a:buNone/>
-              <a:defRPr sz="1600" b="1"/>
+            <a:lvl4pPr indent="0" marL="1371600">
+              <a:buNone/>
+              <a:defRPr b="1" sz="1600"/>
             </a:lvl4pPr>
-            <a:lvl5pPr marL="1828800" indent="0">
-              <a:buNone/>
-              <a:defRPr sz="1600" b="1"/>
+            <a:lvl5pPr indent="0" marL="1828800">
+              <a:buNone/>
+              <a:defRPr b="1" sz="1600"/>
             </a:lvl5pPr>
-            <a:lvl6pPr marL="2286000" indent="0">
-              <a:buNone/>
-              <a:defRPr sz="1600" b="1"/>
+            <a:lvl6pPr indent="0" marL="2286000">
+              <a:buNone/>
+              <a:defRPr b="1" sz="1600"/>
             </a:lvl6pPr>
-            <a:lvl7pPr marL="2743200" indent="0">
-              <a:buNone/>
-              <a:defRPr sz="1600" b="1"/>
+            <a:lvl7pPr indent="0" marL="2743200">
+              <a:buNone/>
+              <a:defRPr b="1" sz="1600"/>
             </a:lvl7pPr>
-            <a:lvl8pPr marL="3200400" indent="0">
-              <a:buNone/>
-              <a:defRPr sz="1600" b="1"/>
+            <a:lvl8pPr indent="0" marL="3200400">
+              <a:buNone/>
+              <a:defRPr b="1" sz="1600"/>
             </a:lvl8pPr>
-            <a:lvl9pPr marL="3657600" indent="0">
-              <a:buNone/>
-              <a:defRPr sz="1600" b="1"/>
+            <a:lvl9pPr indent="0" marL="3657600">
+              <a:buNone/>
+              <a:defRPr b="1" sz="1600"/>
             </a:lvl9pPr>
           </a:lstStyle>
           <a:p>
@@ -3930,7 +4186,7 @@
       </p:sp>
       <p:sp>
         <p:nvSpPr>
-          <p:cNvPr id="4" name="Content Placeholder 3"/>
+          <p:cNvPr id="1048642" name="Content Placeholder 3"/>
           <p:cNvSpPr>
             <a:spLocks noGrp="1"/>
           </p:cNvSpPr>
@@ -3948,7 +4204,6 @@
           <a:bodyPr anchor="t">
             <a:normAutofit/>
           </a:bodyPr>
-          <a:lstStyle/>
           <a:p>
             <a:pPr lvl="0"/>
             <a:r>
@@ -3983,13 +4238,13 @@
               <a:rPr lang="en-US"/>
               <a:t>Fifth level</a:t>
             </a:r>
-            <a:endParaRPr lang="en-US" dirty="0"/>
-          </a:p>
-        </p:txBody>
-      </p:sp>
-      <p:sp>
-        <p:nvSpPr>
-          <p:cNvPr id="5" name="Text Placeholder 4"/>
+            <a:endParaRPr dirty="0" lang="en-US"/>
+          </a:p>
+        </p:txBody>
+      </p:sp>
+      <p:sp>
+        <p:nvSpPr>
+          <p:cNvPr id="1048643" name="Text Placeholder 4"/>
           <p:cNvSpPr>
             <a:spLocks noGrp="1"/>
           </p:cNvSpPr>
@@ -4008,7 +4263,7 @@
             <a:noAutofit/>
           </a:bodyPr>
           <a:lstStyle>
-            <a:lvl1pPr marL="0" indent="0">
+            <a:lvl1pPr indent="0" marL="0">
               <a:spcBef>
                 <a:spcPts val="672"/>
               </a:spcBef>
@@ -4016,43 +4271,43 @@
                 <a:spcPts val="600"/>
               </a:spcAft>
               <a:buNone/>
-              <a:defRPr sz="2800" b="0">
+              <a:defRPr b="0" sz="2800">
                 <a:solidFill>
                   <a:schemeClr val="accent1"/>
                 </a:solidFill>
               </a:defRPr>
             </a:lvl1pPr>
-            <a:lvl2pPr marL="457200" indent="0">
-              <a:buNone/>
-              <a:defRPr sz="2000" b="1"/>
+            <a:lvl2pPr indent="0" marL="457200">
+              <a:buNone/>
+              <a:defRPr b="1" sz="2000"/>
             </a:lvl2pPr>
-            <a:lvl3pPr marL="914400" indent="0">
-              <a:buNone/>
-              <a:defRPr sz="1800" b="1"/>
+            <a:lvl3pPr indent="0" marL="914400">
+              <a:buNone/>
+              <a:defRPr b="1" sz="1800"/>
             </a:lvl3pPr>
-            <a:lvl4pPr marL="1371600" indent="0">
-              <a:buNone/>
-              <a:defRPr sz="1600" b="1"/>
+            <a:lvl4pPr indent="0" marL="1371600">
+              <a:buNone/>
+              <a:defRPr b="1" sz="1600"/>
             </a:lvl4pPr>
-            <a:lvl5pPr marL="1828800" indent="0">
-              <a:buNone/>
-              <a:defRPr sz="1600" b="1"/>
+            <a:lvl5pPr indent="0" marL="1828800">
+              <a:buNone/>
+              <a:defRPr b="1" sz="1600"/>
             </a:lvl5pPr>
-            <a:lvl6pPr marL="2286000" indent="0">
-              <a:buNone/>
-              <a:defRPr sz="1600" b="1"/>
+            <a:lvl6pPr indent="0" marL="2286000">
+              <a:buNone/>
+              <a:defRPr b="1" sz="1600"/>
             </a:lvl6pPr>
-            <a:lvl7pPr marL="2743200" indent="0">
-              <a:buNone/>
-              <a:defRPr sz="1600" b="1"/>
+            <a:lvl7pPr indent="0" marL="2743200">
+              <a:buNone/>
+              <a:defRPr b="1" sz="1600"/>
             </a:lvl7pPr>
-            <a:lvl8pPr marL="3200400" indent="0">
-              <a:buNone/>
-              <a:defRPr sz="1600" b="1"/>
+            <a:lvl8pPr indent="0" marL="3200400">
+              <a:buNone/>
+              <a:defRPr b="1" sz="1600"/>
             </a:lvl8pPr>
-            <a:lvl9pPr marL="3657600" indent="0">
-              <a:buNone/>
-              <a:defRPr sz="1600" b="1"/>
+            <a:lvl9pPr indent="0" marL="3657600">
+              <a:buNone/>
+              <a:defRPr b="1" sz="1600"/>
             </a:lvl9pPr>
           </a:lstStyle>
           <a:p>
@@ -4066,7 +4321,7 @@
       </p:sp>
       <p:sp>
         <p:nvSpPr>
-          <p:cNvPr id="6" name="Content Placeholder 5"/>
+          <p:cNvPr id="1048644" name="Content Placeholder 5"/>
           <p:cNvSpPr>
             <a:spLocks noGrp="1"/>
           </p:cNvSpPr>
@@ -4084,7 +4339,6 @@
           <a:bodyPr anchor="t">
             <a:normAutofit/>
           </a:bodyPr>
-          <a:lstStyle/>
           <a:p>
             <a:pPr lvl="0"/>
             <a:r>
@@ -4119,13 +4373,13 @@
               <a:rPr lang="en-US"/>
               <a:t>Fifth level</a:t>
             </a:r>
-            <a:endParaRPr lang="en-US" dirty="0"/>
-          </a:p>
-        </p:txBody>
-      </p:sp>
-      <p:sp>
-        <p:nvSpPr>
-          <p:cNvPr id="7" name="Date Placeholder 6"/>
+            <a:endParaRPr dirty="0" lang="en-US"/>
+          </a:p>
+        </p:txBody>
+      </p:sp>
+      <p:sp>
+        <p:nvSpPr>
+          <p:cNvPr id="1048645" name="Date Placeholder 6"/>
           <p:cNvSpPr>
             <a:spLocks noGrp="1"/>
           </p:cNvSpPr>
@@ -4136,7 +4390,6 @@
         <p:spPr/>
         <p:txBody>
           <a:bodyPr/>
-          <a:lstStyle/>
           <a:p>
             <a:fld id="{EFDA79BE-E4B6-4ED8-962E-2655A4560E6B}" type="datetimeFigureOut">
               <a:rPr lang="en-IN" smtClean="0"/>
@@ -4148,7 +4401,7 @@
       </p:sp>
       <p:sp>
         <p:nvSpPr>
-          <p:cNvPr id="8" name="Footer Placeholder 7"/>
+          <p:cNvPr id="1048646" name="Footer Placeholder 7"/>
           <p:cNvSpPr>
             <a:spLocks noGrp="1"/>
           </p:cNvSpPr>
@@ -4159,7 +4412,6 @@
         <p:spPr/>
         <p:txBody>
           <a:bodyPr/>
-          <a:lstStyle/>
           <a:p>
             <a:endParaRPr lang="en-IN"/>
           </a:p>
@@ -4167,7 +4419,7 @@
       </p:sp>
       <p:sp>
         <p:nvSpPr>
-          <p:cNvPr id="9" name="Slide Number Placeholder 8"/>
+          <p:cNvPr id="1048647" name="Slide Number Placeholder 8"/>
           <p:cNvSpPr>
             <a:spLocks noGrp="1"/>
           </p:cNvSpPr>
@@ -4178,7 +4430,6 @@
         <p:spPr/>
         <p:txBody>
           <a:bodyPr/>
-          <a:lstStyle/>
           <a:p>
             <a:fld id="{F9B5497E-245C-4BD3-8F72-996535150D26}" type="slidenum">
               <a:rPr lang="en-IN" smtClean="0"/>
@@ -4190,8 +4441,10 @@
       </p:sp>
       <p:cxnSp>
         <p:nvCxnSpPr>
-          <p:cNvPr id="18" name="Straight Connector 17"/>
-          <p:cNvCxnSpPr/>
+          <p:cNvPr id="3145734" name="Straight Connector 17"/>
+          <p:cNvCxnSpPr>
+            <a:cxnSpLocks/>
+          </p:cNvCxnSpPr>
           <p:nvPr/>
         </p:nvCxnSpPr>
         <p:spPr>
@@ -4199,9 +4452,7 @@
             <a:off x="1396169" y="2421466"/>
             <a:ext cx="9407298" cy="0"/>
           </a:xfrm>
-          <a:prstGeom prst="line">
-            <a:avLst/>
-          </a:prstGeom>
+          <a:prstGeom prst="line"/>
           <a:ln w="15875"/>
         </p:spPr>
         <p:style>
@@ -4220,11 +4471,6 @@
         </p:style>
       </p:cxnSp>
     </p:spTree>
-    <p:extLst>
-      <p:ext uri="{BB962C8B-B14F-4D97-AF65-F5344CB8AC3E}">
-        <p14:creationId xmlns:p14="http://schemas.microsoft.com/office/powerpoint/2010/main" val="424189953"/>
-      </p:ext>
-    </p:extLst>
   </p:cSld>
   <p:clrMapOvr>
     <a:masterClrMapping/>
@@ -4233,11 +4479,11 @@
 </file>
 
 <file path=ppt/slideLayouts/slideLayout6.xml><?xml version="1.0" encoding="utf-8"?>
-<p:sldLayout xmlns:a="http://schemas.openxmlformats.org/drawingml/2006/main" xmlns:r="http://schemas.openxmlformats.org/officeDocument/2006/relationships" xmlns:p="http://schemas.openxmlformats.org/presentationml/2006/main" type="titleOnly" preserve="1">
+<p:sldLayout xmlns:a="http://schemas.openxmlformats.org/drawingml/2006/main" xmlns:r="http://schemas.openxmlformats.org/officeDocument/2006/relationships" xmlns:p="http://schemas.openxmlformats.org/presentationml/2006/main" preserve="1" type="titleOnly">
   <p:cSld name="Title Only">
     <p:spTree>
       <p:nvGrpSpPr>
-        <p:cNvPr id="1" name=""/>
+        <p:cNvPr id="40" name=""/>
         <p:cNvGrpSpPr/>
         <p:nvPr/>
       </p:nvGrpSpPr>
@@ -4251,7 +4497,7 @@
       </p:grpSpPr>
       <p:sp>
         <p:nvSpPr>
-          <p:cNvPr id="2" name="Title 1"/>
+          <p:cNvPr id="1048609" name="Title 1"/>
           <p:cNvSpPr>
             <a:spLocks noGrp="1"/>
           </p:cNvSpPr>
@@ -4262,19 +4508,18 @@
         <p:spPr/>
         <p:txBody>
           <a:bodyPr/>
-          <a:lstStyle/>
           <a:p>
             <a:r>
               <a:rPr lang="en-US"/>
               <a:t>Click to edit Master title style</a:t>
             </a:r>
-            <a:endParaRPr lang="en-US" dirty="0"/>
-          </a:p>
-        </p:txBody>
-      </p:sp>
-      <p:sp>
-        <p:nvSpPr>
-          <p:cNvPr id="3" name="Date Placeholder 2"/>
+            <a:endParaRPr dirty="0" lang="en-US"/>
+          </a:p>
+        </p:txBody>
+      </p:sp>
+      <p:sp>
+        <p:nvSpPr>
+          <p:cNvPr id="1048610" name="Date Placeholder 2"/>
           <p:cNvSpPr>
             <a:spLocks noGrp="1"/>
           </p:cNvSpPr>
@@ -4285,7 +4530,6 @@
         <p:spPr/>
         <p:txBody>
           <a:bodyPr/>
-          <a:lstStyle/>
           <a:p>
             <a:fld id="{EFDA79BE-E4B6-4ED8-962E-2655A4560E6B}" type="datetimeFigureOut">
               <a:rPr lang="en-IN" smtClean="0"/>
@@ -4297,7 +4541,7 @@
       </p:sp>
       <p:sp>
         <p:nvSpPr>
-          <p:cNvPr id="4" name="Footer Placeholder 3"/>
+          <p:cNvPr id="1048611" name="Footer Placeholder 3"/>
           <p:cNvSpPr>
             <a:spLocks noGrp="1"/>
           </p:cNvSpPr>
@@ -4308,7 +4552,6 @@
         <p:spPr/>
         <p:txBody>
           <a:bodyPr/>
-          <a:lstStyle/>
           <a:p>
             <a:endParaRPr lang="en-IN"/>
           </a:p>
@@ -4316,7 +4559,7 @@
       </p:sp>
       <p:sp>
         <p:nvSpPr>
-          <p:cNvPr id="5" name="Slide Number Placeholder 4"/>
+          <p:cNvPr id="1048612" name="Slide Number Placeholder 4"/>
           <p:cNvSpPr>
             <a:spLocks noGrp="1"/>
           </p:cNvSpPr>
@@ -4327,7 +4570,6 @@
         <p:spPr/>
         <p:txBody>
           <a:bodyPr/>
-          <a:lstStyle/>
           <a:p>
             <a:fld id="{F9B5497E-245C-4BD3-8F72-996535150D26}" type="slidenum">
               <a:rPr lang="en-IN" smtClean="0"/>
@@ -4339,8 +4581,10 @@
       </p:sp>
       <p:cxnSp>
         <p:nvCxnSpPr>
-          <p:cNvPr id="14" name="Straight Connector 13"/>
-          <p:cNvCxnSpPr/>
+          <p:cNvPr id="3145730" name="Straight Connector 13"/>
+          <p:cNvCxnSpPr>
+            <a:cxnSpLocks/>
+          </p:cNvCxnSpPr>
           <p:nvPr/>
         </p:nvCxnSpPr>
         <p:spPr>
@@ -4348,9 +4592,7 @@
             <a:off x="1396169" y="2421466"/>
             <a:ext cx="9407298" cy="0"/>
           </a:xfrm>
-          <a:prstGeom prst="line">
-            <a:avLst/>
-          </a:prstGeom>
+          <a:prstGeom prst="line"/>
           <a:ln w="15875"/>
         </p:spPr>
         <p:style>
@@ -4369,11 +4611,6 @@
         </p:style>
       </p:cxnSp>
     </p:spTree>
-    <p:extLst>
-      <p:ext uri="{BB962C8B-B14F-4D97-AF65-F5344CB8AC3E}">
-        <p14:creationId xmlns:p14="http://schemas.microsoft.com/office/powerpoint/2010/main" val="21975562"/>
-      </p:ext>
-    </p:extLst>
   </p:cSld>
   <p:clrMapOvr>
     <a:masterClrMapping/>
@@ -4382,11 +4619,11 @@
 </file>
 
 <file path=ppt/slideLayouts/slideLayout7.xml><?xml version="1.0" encoding="utf-8"?>
-<p:sldLayout xmlns:a="http://schemas.openxmlformats.org/drawingml/2006/main" xmlns:r="http://schemas.openxmlformats.org/officeDocument/2006/relationships" xmlns:p="http://schemas.openxmlformats.org/presentationml/2006/main" type="blank" preserve="1">
+<p:sldLayout xmlns:a="http://schemas.openxmlformats.org/drawingml/2006/main" xmlns:r="http://schemas.openxmlformats.org/officeDocument/2006/relationships" xmlns:p="http://schemas.openxmlformats.org/presentationml/2006/main" preserve="1" type="blank">
   <p:cSld name="Blank">
     <p:spTree>
       <p:nvGrpSpPr>
-        <p:cNvPr id="1" name=""/>
+        <p:cNvPr id="47" name=""/>
         <p:cNvGrpSpPr/>
         <p:nvPr/>
       </p:nvGrpSpPr>
@@ -4400,7 +4637,7 @@
       </p:grpSpPr>
       <p:sp>
         <p:nvSpPr>
-          <p:cNvPr id="2" name="Date Placeholder 1"/>
+          <p:cNvPr id="1048648" name="Date Placeholder 1"/>
           <p:cNvSpPr>
             <a:spLocks noGrp="1"/>
           </p:cNvSpPr>
@@ -4411,7 +4648,6 @@
         <p:spPr/>
         <p:txBody>
           <a:bodyPr/>
-          <a:lstStyle/>
           <a:p>
             <a:fld id="{EFDA79BE-E4B6-4ED8-962E-2655A4560E6B}" type="datetimeFigureOut">
               <a:rPr lang="en-IN" smtClean="0"/>
@@ -4423,7 +4659,7 @@
       </p:sp>
       <p:sp>
         <p:nvSpPr>
-          <p:cNvPr id="3" name="Footer Placeholder 2"/>
+          <p:cNvPr id="1048649" name="Footer Placeholder 2"/>
           <p:cNvSpPr>
             <a:spLocks noGrp="1"/>
           </p:cNvSpPr>
@@ -4434,7 +4670,6 @@
         <p:spPr/>
         <p:txBody>
           <a:bodyPr/>
-          <a:lstStyle/>
           <a:p>
             <a:endParaRPr lang="en-IN"/>
           </a:p>
@@ -4442,7 +4677,7 @@
       </p:sp>
       <p:sp>
         <p:nvSpPr>
-          <p:cNvPr id="4" name="Slide Number Placeholder 3"/>
+          <p:cNvPr id="1048650" name="Slide Number Placeholder 3"/>
           <p:cNvSpPr>
             <a:spLocks noGrp="1"/>
           </p:cNvSpPr>
@@ -4453,7 +4688,6 @@
         <p:spPr/>
         <p:txBody>
           <a:bodyPr/>
-          <a:lstStyle/>
           <a:p>
             <a:fld id="{F9B5497E-245C-4BD3-8F72-996535150D26}" type="slidenum">
               <a:rPr lang="en-IN" smtClean="0"/>
@@ -4464,11 +4698,6 @@
         </p:txBody>
       </p:sp>
     </p:spTree>
-    <p:extLst>
-      <p:ext uri="{BB962C8B-B14F-4D97-AF65-F5344CB8AC3E}">
-        <p14:creationId xmlns:p14="http://schemas.microsoft.com/office/powerpoint/2010/main" val="2746773060"/>
-      </p:ext>
-    </p:extLst>
   </p:cSld>
   <p:clrMapOvr>
     <a:masterClrMapping/>
@@ -4477,11 +4706,11 @@
 </file>
 
 <file path=ppt/slideLayouts/slideLayout8.xml><?xml version="1.0" encoding="utf-8"?>
-<p:sldLayout xmlns:a="http://schemas.openxmlformats.org/drawingml/2006/main" xmlns:r="http://schemas.openxmlformats.org/officeDocument/2006/relationships" xmlns:p="http://schemas.openxmlformats.org/presentationml/2006/main" type="objTx" preserve="1">
+<p:sldLayout xmlns:a="http://schemas.openxmlformats.org/drawingml/2006/main" xmlns:r="http://schemas.openxmlformats.org/officeDocument/2006/relationships" xmlns:p="http://schemas.openxmlformats.org/presentationml/2006/main" preserve="1" type="objTx">
   <p:cSld name="Content with Caption">
     <p:spTree>
       <p:nvGrpSpPr>
-        <p:cNvPr id="1" name=""/>
+        <p:cNvPr id="53" name=""/>
         <p:cNvGrpSpPr/>
         <p:nvPr/>
       </p:nvGrpSpPr>
@@ -4495,7 +4724,7 @@
       </p:grpSpPr>
       <p:sp>
         <p:nvSpPr>
-          <p:cNvPr id="2" name="Title 1"/>
+          <p:cNvPr id="1048684" name="Title 1"/>
           <p:cNvSpPr>
             <a:spLocks noGrp="1"/>
           </p:cNvSpPr>
@@ -4515,7 +4744,7 @@
           </a:bodyPr>
           <a:lstStyle>
             <a:lvl1pPr algn="ctr">
-              <a:defRPr sz="2400" b="0"/>
+              <a:defRPr b="0" sz="2400"/>
             </a:lvl1pPr>
           </a:lstStyle>
           <a:p>
@@ -4523,13 +4752,13 @@
               <a:rPr lang="en-US"/>
               <a:t>Click to edit Master title style</a:t>
             </a:r>
-            <a:endParaRPr lang="en-US" dirty="0"/>
-          </a:p>
-        </p:txBody>
-      </p:sp>
-      <p:sp>
-        <p:nvSpPr>
-          <p:cNvPr id="3" name="Content Placeholder 2"/>
+            <a:endParaRPr dirty="0" lang="en-US"/>
+          </a:p>
+        </p:txBody>
+      </p:sp>
+      <p:sp>
+        <p:nvSpPr>
+          <p:cNvPr id="1048685" name="Content Placeholder 2"/>
           <p:cNvSpPr>
             <a:spLocks noGrp="1"/>
           </p:cNvSpPr>
@@ -4547,7 +4776,6 @@
           <a:bodyPr anchor="ctr">
             <a:normAutofit/>
           </a:bodyPr>
-          <a:lstStyle/>
           <a:p>
             <a:pPr lvl="0"/>
             <a:r>
@@ -4582,13 +4810,13 @@
               <a:rPr lang="en-US"/>
               <a:t>Fifth level</a:t>
             </a:r>
-            <a:endParaRPr lang="en-US" dirty="0"/>
-          </a:p>
-        </p:txBody>
-      </p:sp>
-      <p:sp>
-        <p:nvSpPr>
-          <p:cNvPr id="4" name="Text Placeholder 3"/>
+            <a:endParaRPr dirty="0" lang="en-US"/>
+          </a:p>
+        </p:txBody>
+      </p:sp>
+      <p:sp>
+        <p:nvSpPr>
+          <p:cNvPr id="1048686" name="Text Placeholder 3"/>
           <p:cNvSpPr>
             <a:spLocks noGrp="1"/>
           </p:cNvSpPr>
@@ -4607,39 +4835,39 @@
             <a:normAutofit/>
           </a:bodyPr>
           <a:lstStyle>
-            <a:lvl1pPr marL="0" indent="0" algn="ctr">
+            <a:lvl1pPr algn="ctr" indent="0" marL="0">
               <a:buNone/>
               <a:defRPr sz="1600"/>
             </a:lvl1pPr>
-            <a:lvl2pPr marL="457200" indent="0">
+            <a:lvl2pPr indent="0" marL="457200">
               <a:buNone/>
               <a:defRPr sz="1200"/>
             </a:lvl2pPr>
-            <a:lvl3pPr marL="914400" indent="0">
+            <a:lvl3pPr indent="0" marL="914400">
               <a:buNone/>
               <a:defRPr sz="1000"/>
             </a:lvl3pPr>
-            <a:lvl4pPr marL="1371600" indent="0">
+            <a:lvl4pPr indent="0" marL="1371600">
               <a:buNone/>
               <a:defRPr sz="900"/>
             </a:lvl4pPr>
-            <a:lvl5pPr marL="1828800" indent="0">
+            <a:lvl5pPr indent="0" marL="1828800">
               <a:buNone/>
               <a:defRPr sz="900"/>
             </a:lvl5pPr>
-            <a:lvl6pPr marL="2286000" indent="0">
+            <a:lvl6pPr indent="0" marL="2286000">
               <a:buNone/>
               <a:defRPr sz="900"/>
             </a:lvl6pPr>
-            <a:lvl7pPr marL="2743200" indent="0">
+            <a:lvl7pPr indent="0" marL="2743200">
               <a:buNone/>
               <a:defRPr sz="900"/>
             </a:lvl7pPr>
-            <a:lvl8pPr marL="3200400" indent="0">
+            <a:lvl8pPr indent="0" marL="3200400">
               <a:buNone/>
               <a:defRPr sz="900"/>
             </a:lvl8pPr>
-            <a:lvl9pPr marL="3657600" indent="0">
+            <a:lvl9pPr indent="0" marL="3657600">
               <a:buNone/>
               <a:defRPr sz="900"/>
             </a:lvl9pPr>
@@ -4655,7 +4883,7 @@
       </p:sp>
       <p:sp>
         <p:nvSpPr>
-          <p:cNvPr id="5" name="Date Placeholder 4"/>
+          <p:cNvPr id="1048687" name="Date Placeholder 4"/>
           <p:cNvSpPr>
             <a:spLocks noGrp="1"/>
           </p:cNvSpPr>
@@ -4666,7 +4894,6 @@
         <p:spPr/>
         <p:txBody>
           <a:bodyPr/>
-          <a:lstStyle/>
           <a:p>
             <a:fld id="{EFDA79BE-E4B6-4ED8-962E-2655A4560E6B}" type="datetimeFigureOut">
               <a:rPr lang="en-IN" smtClean="0"/>
@@ -4678,7 +4905,7 @@
       </p:sp>
       <p:sp>
         <p:nvSpPr>
-          <p:cNvPr id="6" name="Footer Placeholder 5"/>
+          <p:cNvPr id="1048688" name="Footer Placeholder 5"/>
           <p:cNvSpPr>
             <a:spLocks noGrp="1"/>
           </p:cNvSpPr>
@@ -4689,7 +4916,6 @@
         <p:spPr/>
         <p:txBody>
           <a:bodyPr/>
-          <a:lstStyle/>
           <a:p>
             <a:endParaRPr lang="en-IN"/>
           </a:p>
@@ -4697,7 +4923,7 @@
       </p:sp>
       <p:sp>
         <p:nvSpPr>
-          <p:cNvPr id="7" name="Slide Number Placeholder 6"/>
+          <p:cNvPr id="1048689" name="Slide Number Placeholder 6"/>
           <p:cNvSpPr>
             <a:spLocks noGrp="1"/>
           </p:cNvSpPr>
@@ -4708,7 +4934,6 @@
         <p:spPr/>
         <p:txBody>
           <a:bodyPr/>
-          <a:lstStyle/>
           <a:p>
             <a:fld id="{F9B5497E-245C-4BD3-8F72-996535150D26}" type="slidenum">
               <a:rPr lang="en-IN" smtClean="0"/>
@@ -4720,8 +4945,10 @@
       </p:sp>
       <p:cxnSp>
         <p:nvCxnSpPr>
-          <p:cNvPr id="16" name="Straight Connector 15"/>
-          <p:cNvCxnSpPr/>
+          <p:cNvPr id="3145739" name="Straight Connector 15"/>
+          <p:cNvCxnSpPr>
+            <a:cxnSpLocks/>
+          </p:cNvCxnSpPr>
           <p:nvPr/>
         </p:nvCxnSpPr>
         <p:spPr>
@@ -4729,9 +4956,7 @@
             <a:off x="1396169" y="2912533"/>
             <a:ext cx="3514498" cy="0"/>
           </a:xfrm>
-          <a:prstGeom prst="line">
-            <a:avLst/>
-          </a:prstGeom>
+          <a:prstGeom prst="line"/>
           <a:ln w="15875"/>
         </p:spPr>
         <p:style>
@@ -4750,11 +4975,6 @@
         </p:style>
       </p:cxnSp>
     </p:spTree>
-    <p:extLst>
-      <p:ext uri="{BB962C8B-B14F-4D97-AF65-F5344CB8AC3E}">
-        <p14:creationId xmlns:p14="http://schemas.microsoft.com/office/powerpoint/2010/main" val="1036587709"/>
-      </p:ext>
-    </p:extLst>
   </p:cSld>
   <p:clrMapOvr>
     <a:masterClrMapping/>
@@ -4763,11 +4983,11 @@
 </file>
 
 <file path=ppt/slideLayouts/slideLayout9.xml><?xml version="1.0" encoding="utf-8"?>
-<p:sldLayout xmlns:a="http://schemas.openxmlformats.org/drawingml/2006/main" xmlns:r="http://schemas.openxmlformats.org/officeDocument/2006/relationships" xmlns:p="http://schemas.openxmlformats.org/presentationml/2006/main" type="picTx" preserve="1">
+<p:sldLayout xmlns:a="http://schemas.openxmlformats.org/drawingml/2006/main" xmlns:r="http://schemas.openxmlformats.org/officeDocument/2006/relationships" xmlns:p="http://schemas.openxmlformats.org/presentationml/2006/main" preserve="1" type="picTx">
   <p:cSld name="Picture with Caption">
     <p:spTree>
       <p:nvGrpSpPr>
-        <p:cNvPr id="1" name=""/>
+        <p:cNvPr id="43" name=""/>
         <p:cNvGrpSpPr/>
         <p:nvPr/>
       </p:nvGrpSpPr>
@@ -4781,7 +5001,7 @@
       </p:grpSpPr>
       <p:sp>
         <p:nvSpPr>
-          <p:cNvPr id="2" name="Title 1"/>
+          <p:cNvPr id="1048623" name="Title 1"/>
           <p:cNvSpPr>
             <a:spLocks noGrp="1"/>
           </p:cNvSpPr>
@@ -4801,7 +5021,7 @@
           </a:bodyPr>
           <a:lstStyle>
             <a:lvl1pPr algn="ctr">
-              <a:defRPr sz="2800" b="0"/>
+              <a:defRPr b="0" sz="2800"/>
             </a:lvl1pPr>
           </a:lstStyle>
           <a:p>
@@ -4809,15 +5029,15 @@
               <a:rPr lang="en-US"/>
               <a:t>Click to edit Master title style</a:t>
             </a:r>
-            <a:endParaRPr lang="en-US" dirty="0"/>
-          </a:p>
-        </p:txBody>
-      </p:sp>
-      <p:sp>
-        <p:nvSpPr>
-          <p:cNvPr id="17" name="Picture Placeholder 2"/>
-          <p:cNvSpPr>
-            <a:spLocks noGrp="1" noChangeAspect="1"/>
+            <a:endParaRPr dirty="0" lang="en-US"/>
+          </a:p>
+        </p:txBody>
+      </p:sp>
+      <p:sp>
+        <p:nvSpPr>
+          <p:cNvPr id="1048624" name="Picture Placeholder 2"/>
+          <p:cNvSpPr>
+            <a:spLocks noChangeAspect="1" noGrp="1"/>
           </p:cNvSpPr>
           <p:nvPr>
             <p:ph type="pic" idx="1"/>
@@ -4843,7 +5063,7 @@
             <a:miter lim="800000"/>
           </a:ln>
           <a:effectLst>
-            <a:innerShdw blurRad="57150" dist="38100" dir="14460000">
+            <a:innerShdw blurRad="57150" dir="14460000" dist="38100">
               <a:srgbClr val="000000">
                 <a:alpha val="70000"/>
               </a:srgbClr>
@@ -4855,39 +5075,39 @@
             <a:normAutofit/>
           </a:bodyPr>
           <a:lstStyle>
-            <a:lvl1pPr marL="0" indent="0" algn="ctr">
+            <a:lvl1pPr algn="ctr" indent="0" marL="0">
               <a:buNone/>
               <a:defRPr sz="1600"/>
             </a:lvl1pPr>
-            <a:lvl2pPr marL="457200" indent="0">
+            <a:lvl2pPr indent="0" marL="457200">
               <a:buNone/>
               <a:defRPr sz="1600"/>
             </a:lvl2pPr>
-            <a:lvl3pPr marL="914400" indent="0">
+            <a:lvl3pPr indent="0" marL="914400">
               <a:buNone/>
               <a:defRPr sz="1600"/>
             </a:lvl3pPr>
-            <a:lvl4pPr marL="1371600" indent="0">
+            <a:lvl4pPr indent="0" marL="1371600">
               <a:buNone/>
               <a:defRPr sz="1600"/>
             </a:lvl4pPr>
-            <a:lvl5pPr marL="1828800" indent="0">
+            <a:lvl5pPr indent="0" marL="1828800">
               <a:buNone/>
               <a:defRPr sz="1600"/>
             </a:lvl5pPr>
-            <a:lvl6pPr marL="2286000" indent="0">
+            <a:lvl6pPr indent="0" marL="2286000">
               <a:buNone/>
               <a:defRPr sz="1600"/>
             </a:lvl6pPr>
-            <a:lvl7pPr marL="2743200" indent="0">
+            <a:lvl7pPr indent="0" marL="2743200">
               <a:buNone/>
               <a:defRPr sz="1600"/>
             </a:lvl7pPr>
-            <a:lvl8pPr marL="3200400" indent="0">
+            <a:lvl8pPr indent="0" marL="3200400">
               <a:buNone/>
               <a:defRPr sz="1600"/>
             </a:lvl8pPr>
-            <a:lvl9pPr marL="3657600" indent="0">
+            <a:lvl9pPr indent="0" marL="3657600">
               <a:buNone/>
               <a:defRPr sz="1600"/>
             </a:lvl9pPr>
@@ -4897,13 +5117,13 @@
               <a:rPr lang="en-US"/>
               <a:t>Click icon to add picture</a:t>
             </a:r>
-            <a:endParaRPr lang="en-US" dirty="0"/>
-          </a:p>
-        </p:txBody>
-      </p:sp>
-      <p:sp>
-        <p:nvSpPr>
-          <p:cNvPr id="4" name="Text Placeholder 3"/>
+            <a:endParaRPr dirty="0" lang="en-US"/>
+          </a:p>
+        </p:txBody>
+      </p:sp>
+      <p:sp>
+        <p:nvSpPr>
+          <p:cNvPr id="1048625" name="Text Placeholder 3"/>
           <p:cNvSpPr>
             <a:spLocks noGrp="1"/>
           </p:cNvSpPr>
@@ -4922,39 +5142,39 @@
             <a:normAutofit/>
           </a:bodyPr>
           <a:lstStyle>
-            <a:lvl1pPr marL="0" indent="0" algn="ctr">
+            <a:lvl1pPr algn="ctr" indent="0" marL="0">
               <a:buNone/>
               <a:defRPr sz="1800"/>
             </a:lvl1pPr>
-            <a:lvl2pPr marL="457200" indent="0">
+            <a:lvl2pPr indent="0" marL="457200">
               <a:buNone/>
               <a:defRPr sz="1200"/>
             </a:lvl2pPr>
-            <a:lvl3pPr marL="914400" indent="0">
+            <a:lvl3pPr indent="0" marL="914400">
               <a:buNone/>
               <a:defRPr sz="1000"/>
             </a:lvl3pPr>
-            <a:lvl4pPr marL="1371600" indent="0">
+            <a:lvl4pPr indent="0" marL="1371600">
               <a:buNone/>
               <a:defRPr sz="900"/>
             </a:lvl4pPr>
-            <a:lvl5pPr marL="1828800" indent="0">
+            <a:lvl5pPr indent="0" marL="1828800">
               <a:buNone/>
               <a:defRPr sz="900"/>
             </a:lvl5pPr>
-            <a:lvl6pPr marL="2286000" indent="0">
+            <a:lvl6pPr indent="0" marL="2286000">
               <a:buNone/>
               <a:defRPr sz="900"/>
             </a:lvl6pPr>
-            <a:lvl7pPr marL="2743200" indent="0">
+            <a:lvl7pPr indent="0" marL="2743200">
               <a:buNone/>
               <a:defRPr sz="900"/>
             </a:lvl7pPr>
-            <a:lvl8pPr marL="3200400" indent="0">
+            <a:lvl8pPr indent="0" marL="3200400">
               <a:buNone/>
               <a:defRPr sz="900"/>
             </a:lvl8pPr>
-            <a:lvl9pPr marL="3657600" indent="0">
+            <a:lvl9pPr indent="0" marL="3657600">
               <a:buNone/>
               <a:defRPr sz="900"/>
             </a:lvl9pPr>
@@ -4970,7 +5190,7 @@
       </p:sp>
       <p:sp>
         <p:nvSpPr>
-          <p:cNvPr id="5" name="Date Placeholder 4"/>
+          <p:cNvPr id="1048626" name="Date Placeholder 4"/>
           <p:cNvSpPr>
             <a:spLocks noGrp="1"/>
           </p:cNvSpPr>
@@ -4981,7 +5201,6 @@
         <p:spPr/>
         <p:txBody>
           <a:bodyPr/>
-          <a:lstStyle/>
           <a:p>
             <a:fld id="{EFDA79BE-E4B6-4ED8-962E-2655A4560E6B}" type="datetimeFigureOut">
               <a:rPr lang="en-IN" smtClean="0"/>
@@ -4993,7 +5212,7 @@
       </p:sp>
       <p:sp>
         <p:nvSpPr>
-          <p:cNvPr id="6" name="Footer Placeholder 5"/>
+          <p:cNvPr id="1048627" name="Footer Placeholder 5"/>
           <p:cNvSpPr>
             <a:spLocks noGrp="1"/>
           </p:cNvSpPr>
@@ -5004,7 +5223,6 @@
         <p:spPr/>
         <p:txBody>
           <a:bodyPr/>
-          <a:lstStyle/>
           <a:p>
             <a:endParaRPr lang="en-IN"/>
           </a:p>
@@ -5012,7 +5230,7 @@
       </p:sp>
       <p:sp>
         <p:nvSpPr>
-          <p:cNvPr id="7" name="Slide Number Placeholder 6"/>
+          <p:cNvPr id="1048628" name="Slide Number Placeholder 6"/>
           <p:cNvSpPr>
             <a:spLocks noGrp="1"/>
           </p:cNvSpPr>
@@ -5023,7 +5241,6 @@
         <p:spPr/>
         <p:txBody>
           <a:bodyPr/>
-          <a:lstStyle/>
           <a:p>
             <a:fld id="{F9B5497E-245C-4BD3-8F72-996535150D26}" type="slidenum">
               <a:rPr lang="en-IN" smtClean="0"/>
@@ -5034,11 +5251,6 @@
         </p:txBody>
       </p:sp>
     </p:spTree>
-    <p:extLst>
-      <p:ext uri="{BB962C8B-B14F-4D97-AF65-F5344CB8AC3E}">
-        <p14:creationId xmlns:p14="http://schemas.microsoft.com/office/powerpoint/2010/main" val="1452018509"/>
-      </p:ext>
-    </p:extLst>
   </p:cSld>
   <p:clrMapOvr>
     <a:masterClrMapping/>
@@ -5056,7 +5268,7 @@
     </p:bg>
     <p:spTree>
       <p:nvGrpSpPr>
-        <p:cNvPr id="1" name=""/>
+        <p:cNvPr id="10" name=""/>
         <p:cNvGrpSpPr/>
         <p:nvPr/>
       </p:nvGrpSpPr>
@@ -5070,7 +5282,7 @@
       </p:grpSpPr>
       <p:grpSp>
         <p:nvGrpSpPr>
-          <p:cNvPr id="7" name="Group 6"/>
+          <p:cNvPr id="11" name="Group 6"/>
           <p:cNvGrpSpPr/>
           <p:nvPr/>
         </p:nvGrpSpPr>
@@ -5084,20 +5296,14 @@
         </p:grpSpPr>
         <p:pic>
           <p:nvPicPr>
-            <p:cNvPr id="8" name="Picture 7" descr="HD-PanelContent.png"/>
+            <p:cNvPr id="2097152" name="Picture 7" descr="HD-PanelContent.png"/>
             <p:cNvPicPr>
               <a:picLocks noChangeAspect="1"/>
             </p:cNvPicPr>
             <p:nvPr/>
           </p:nvPicPr>
           <p:blipFill>
-            <a:blip r:embed="rId19">
-              <a:extLst>
-                <a:ext uri="{28A0092B-C50C-407E-A947-70E740481C1C}">
-                  <a14:useLocalDpi xmlns:a14="http://schemas.microsoft.com/office/drawing/2010/main" val="0"/>
-                </a:ext>
-              </a:extLst>
-            </a:blip>
+            <a:blip xmlns:r="http://schemas.openxmlformats.org/officeDocument/2006/relationships" r:embed="rId18"/>
             <a:stretch>
               <a:fillRect/>
             </a:stretch>
@@ -5107,14 +5313,12 @@
               <a:off x="0" y="0"/>
               <a:ext cx="12188825" cy="6856214"/>
             </a:xfrm>
-            <a:prstGeom prst="rect">
-              <a:avLst/>
-            </a:prstGeom>
+            <a:prstGeom prst="rect"/>
           </p:spPr>
         </p:pic>
         <p:sp>
           <p:nvSpPr>
-            <p:cNvPr id="9" name="Rectangle 8"/>
+            <p:cNvPr id="1048576" name="Rectangle 8"/>
             <p:cNvSpPr/>
             <p:nvPr/>
           </p:nvSpPr>
@@ -5123,9 +5327,7 @@
               <a:off x="608012" y="609600"/>
               <a:ext cx="10972800" cy="5638800"/>
             </a:xfrm>
-            <a:prstGeom prst="rect">
-              <a:avLst/>
-            </a:prstGeom>
+            <a:prstGeom prst="rect"/>
             <a:noFill/>
             <a:ln w="15875" cap="flat">
               <a:miter lim="800000"/>
@@ -5148,66 +5350,54 @@
         </p:sp>
         <p:pic>
           <p:nvPicPr>
-            <p:cNvPr id="10" name="Picture 9" descr="HDRibbonContent-UniformTrim.png"/>
+            <p:cNvPr id="2097153" name="Picture 9" descr="HDRibbonContent-UniformTrim.png"/>
             <p:cNvPicPr>
               <a:picLocks noChangeAspect="1"/>
             </p:cNvPicPr>
             <p:nvPr/>
           </p:nvPicPr>
           <p:blipFill rotWithShape="1">
-            <a:blip r:embed="rId20">
-              <a:extLst>
-                <a:ext uri="{28A0092B-C50C-407E-A947-70E740481C1C}">
-                  <a14:useLocalDpi xmlns:a14="http://schemas.microsoft.com/office/drawing/2010/main" val="0"/>
-                </a:ext>
-              </a:extLst>
-            </a:blip>
+            <a:blip xmlns:r="http://schemas.openxmlformats.org/officeDocument/2006/relationships" r:embed="rId19"/>
             <a:srcRect/>
-            <a:stretch/>
+            <a:stretch>
+              <a:fillRect/>
+            </a:stretch>
           </p:blipFill>
           <p:spPr>
             <a:xfrm>
               <a:off x="-15736" y="3153832"/>
               <a:ext cx="777240" cy="606425"/>
             </a:xfrm>
-            <a:prstGeom prst="rect">
-              <a:avLst/>
-            </a:prstGeom>
+            <a:prstGeom prst="rect"/>
           </p:spPr>
         </p:pic>
         <p:pic>
           <p:nvPicPr>
-            <p:cNvPr id="11" name="Picture 10" descr="HDRibbonContent-UniformTrim.png"/>
+            <p:cNvPr id="2097154" name="Picture 10" descr="HDRibbonContent-UniformTrim.png"/>
             <p:cNvPicPr>
               <a:picLocks noChangeAspect="1"/>
             </p:cNvPicPr>
             <p:nvPr/>
           </p:nvPicPr>
           <p:blipFill rotWithShape="1">
-            <a:blip r:embed="rId20">
-              <a:extLst>
-                <a:ext uri="{28A0092B-C50C-407E-A947-70E740481C1C}">
-                  <a14:useLocalDpi xmlns:a14="http://schemas.microsoft.com/office/drawing/2010/main" val="0"/>
-                </a:ext>
-              </a:extLst>
-            </a:blip>
+            <a:blip xmlns:r="http://schemas.openxmlformats.org/officeDocument/2006/relationships" r:embed="rId19"/>
             <a:srcRect/>
-            <a:stretch/>
+            <a:stretch>
+              <a:fillRect/>
+            </a:stretch>
           </p:blipFill>
           <p:spPr>
             <a:xfrm>
               <a:off x="11436986" y="3153832"/>
               <a:ext cx="777240" cy="606425"/>
             </a:xfrm>
-            <a:prstGeom prst="rect">
-              <a:avLst/>
-            </a:prstGeom>
+            <a:prstGeom prst="rect"/>
           </p:spPr>
         </p:pic>
       </p:grpSp>
       <p:sp>
         <p:nvSpPr>
-          <p:cNvPr id="2" name="Title Placeholder 1"/>
+          <p:cNvPr id="1048577" name="Title Placeholder 1"/>
           <p:cNvSpPr>
             <a:spLocks noGrp="1"/>
           </p:cNvSpPr>
@@ -5220,28 +5410,25 @@
             <a:off x="1295402" y="982132"/>
             <a:ext cx="9601196" cy="1303867"/>
           </a:xfrm>
-          <a:prstGeom prst="rect">
-            <a:avLst/>
-          </a:prstGeom>
+          <a:prstGeom prst="rect"/>
           <a:effectLst/>
         </p:spPr>
         <p:txBody>
-          <a:bodyPr vert="horz" lIns="91440" tIns="45720" rIns="91440" bIns="45720" rtlCol="0" anchor="ctr">
+          <a:bodyPr anchor="ctr" bIns="45720" lIns="91440" rIns="91440" rtlCol="0" tIns="45720" vert="horz">
             <a:normAutofit/>
           </a:bodyPr>
-          <a:lstStyle/>
           <a:p>
             <a:r>
               <a:rPr lang="en-US"/>
               <a:t>Click to edit Master title style</a:t>
             </a:r>
-            <a:endParaRPr lang="en-US" dirty="0"/>
-          </a:p>
-        </p:txBody>
-      </p:sp>
-      <p:sp>
-        <p:nvSpPr>
-          <p:cNvPr id="3" name="Text Placeholder 2"/>
+            <a:endParaRPr dirty="0" lang="en-US"/>
+          </a:p>
+        </p:txBody>
+      </p:sp>
+      <p:sp>
+        <p:nvSpPr>
+          <p:cNvPr id="1048578" name="Text Placeholder 2"/>
           <p:cNvSpPr>
             <a:spLocks noGrp="1"/>
           </p:cNvSpPr>
@@ -5254,15 +5441,12 @@
             <a:off x="1295401" y="2556932"/>
             <a:ext cx="9601196" cy="3318936"/>
           </a:xfrm>
-          <a:prstGeom prst="rect">
-            <a:avLst/>
-          </a:prstGeom>
+          <a:prstGeom prst="rect"/>
         </p:spPr>
         <p:txBody>
-          <a:bodyPr vert="horz" lIns="91440" tIns="45720" rIns="91440" bIns="45720" rtlCol="0" anchor="t">
+          <a:bodyPr anchor="t" bIns="45720" lIns="91440" rIns="91440" rtlCol="0" tIns="45720" vert="horz">
             <a:normAutofit/>
           </a:bodyPr>
-          <a:lstStyle/>
           <a:p>
             <a:pPr lvl="0"/>
             <a:r>
@@ -5297,13 +5481,13 @@
               <a:rPr lang="en-US"/>
               <a:t>Fifth level</a:t>
             </a:r>
-            <a:endParaRPr lang="en-US" dirty="0"/>
-          </a:p>
-        </p:txBody>
-      </p:sp>
-      <p:sp>
-        <p:nvSpPr>
-          <p:cNvPr id="4" name="Date Placeholder 3"/>
+            <a:endParaRPr dirty="0" lang="en-US"/>
+          </a:p>
+        </p:txBody>
+      </p:sp>
+      <p:sp>
+        <p:nvSpPr>
+          <p:cNvPr id="1048579" name="Date Placeholder 3"/>
           <p:cNvSpPr>
             <a:spLocks noGrp="1"/>
           </p:cNvSpPr>
@@ -5316,15 +5500,13 @@
             <a:off x="8677501" y="5969000"/>
             <a:ext cx="1600200" cy="279400"/>
           </a:xfrm>
-          <a:prstGeom prst="rect">
-            <a:avLst/>
-          </a:prstGeom>
+          <a:prstGeom prst="rect"/>
         </p:spPr>
         <p:txBody>
-          <a:bodyPr vert="horz" lIns="91440" tIns="45720" rIns="91440" bIns="45720" rtlCol="0" anchor="ctr"/>
+          <a:bodyPr anchor="ctr" bIns="45720" lIns="91440" rIns="91440" rtlCol="0" tIns="45720" vert="horz"/>
           <a:lstStyle>
             <a:lvl1pPr algn="r">
-              <a:defRPr sz="1000" b="0" i="0">
+              <a:defRPr b="0" sz="1000" i="0">
                 <a:solidFill>
                   <a:schemeClr val="tx1"/>
                 </a:solidFill>
@@ -5344,7 +5526,7 @@
       </p:sp>
       <p:sp>
         <p:nvSpPr>
-          <p:cNvPr id="5" name="Footer Placeholder 4"/>
+          <p:cNvPr id="1048580" name="Footer Placeholder 4"/>
           <p:cNvSpPr>
             <a:spLocks noGrp="1"/>
           </p:cNvSpPr>
@@ -5357,15 +5539,13 @@
             <a:off x="1295401" y="5969000"/>
             <a:ext cx="7305900" cy="279400"/>
           </a:xfrm>
-          <a:prstGeom prst="rect">
-            <a:avLst/>
-          </a:prstGeom>
+          <a:prstGeom prst="rect"/>
         </p:spPr>
         <p:txBody>
-          <a:bodyPr vert="horz" lIns="91440" tIns="45720" rIns="91440" bIns="45720" rtlCol="0" anchor="ctr"/>
+          <a:bodyPr anchor="ctr" bIns="45720" lIns="91440" rIns="91440" rtlCol="0" tIns="45720" vert="horz"/>
           <a:lstStyle>
             <a:lvl1pPr algn="l">
-              <a:defRPr sz="1000" b="0" i="0">
+              <a:defRPr b="0" sz="1000" i="0">
                 <a:solidFill>
                   <a:schemeClr val="tx1"/>
                 </a:solidFill>
@@ -5381,7 +5561,7 @@
       </p:sp>
       <p:sp>
         <p:nvSpPr>
-          <p:cNvPr id="6" name="Slide Number Placeholder 5"/>
+          <p:cNvPr id="1048581" name="Slide Number Placeholder 5"/>
           <p:cNvSpPr>
             <a:spLocks noGrp="1"/>
           </p:cNvSpPr>
@@ -5394,15 +5574,13 @@
             <a:off x="10353901" y="5969000"/>
             <a:ext cx="542697" cy="279400"/>
           </a:xfrm>
-          <a:prstGeom prst="rect">
-            <a:avLst/>
-          </a:prstGeom>
+          <a:prstGeom prst="rect"/>
         </p:spPr>
         <p:txBody>
-          <a:bodyPr vert="horz" lIns="91440" tIns="45720" rIns="91440" bIns="45720" rtlCol="0" anchor="ctr"/>
+          <a:bodyPr anchor="ctr" bIns="45720" lIns="91440" rIns="91440" rtlCol="0" tIns="45720" vert="horz"/>
           <a:lstStyle>
             <a:lvl1pPr algn="r">
-              <a:defRPr sz="1000" b="0" i="0">
+              <a:defRPr b="0" sz="1000" i="0">
                 <a:solidFill>
                   <a:schemeClr val="tx1"/>
                 </a:solidFill>
@@ -5421,40 +5599,35 @@
         </p:txBody>
       </p:sp>
     </p:spTree>
-    <p:extLst>
-      <p:ext uri="{BB962C8B-B14F-4D97-AF65-F5344CB8AC3E}">
-        <p14:creationId xmlns:p14="http://schemas.microsoft.com/office/powerpoint/2010/main" val="4013488283"/>
-      </p:ext>
-    </p:extLst>
   </p:cSld>
-  <p:clrMap bg1="lt1" tx1="dk1" bg2="lt2" tx2="dk2" accent1="accent1" accent2="accent2" accent3="accent3" accent4="accent4" accent5="accent5" accent6="accent6" hlink="hlink" folHlink="folHlink"/>
+  <p:clrMap accent1="accent1" accent2="accent2" accent3="accent3" accent4="accent4" accent5="accent5" accent6="accent6" bg1="lt1" bg2="lt2" tx1="dk1" tx2="dk2" hlink="hlink" folHlink="folHlink"/>
   <p:sldLayoutIdLst>
-    <p:sldLayoutId id="2147483661" r:id="rId1"/>
-    <p:sldLayoutId id="2147483662" r:id="rId2"/>
-    <p:sldLayoutId id="2147483663" r:id="rId3"/>
-    <p:sldLayoutId id="2147483664" r:id="rId4"/>
-    <p:sldLayoutId id="2147483665" r:id="rId5"/>
-    <p:sldLayoutId id="2147483666" r:id="rId6"/>
-    <p:sldLayoutId id="2147483667" r:id="rId7"/>
-    <p:sldLayoutId id="2147483668" r:id="rId8"/>
-    <p:sldLayoutId id="2147483669" r:id="rId9"/>
-    <p:sldLayoutId id="2147483670" r:id="rId10"/>
-    <p:sldLayoutId id="2147483671" r:id="rId11"/>
-    <p:sldLayoutId id="2147483672" r:id="rId12"/>
-    <p:sldLayoutId id="2147483673" r:id="rId13"/>
-    <p:sldLayoutId id="2147483674" r:id="rId14"/>
-    <p:sldLayoutId id="2147483675" r:id="rId15"/>
-    <p:sldLayoutId id="2147483676" r:id="rId16"/>
-    <p:sldLayoutId id="2147483677" r:id="rId17"/>
+    <p:sldLayoutId id="2147483649" r:id="rId1"/>
+    <p:sldLayoutId id="2147483650" r:id="rId2"/>
+    <p:sldLayoutId id="2147483651" r:id="rId3"/>
+    <p:sldLayoutId id="2147483652" r:id="rId4"/>
+    <p:sldLayoutId id="2147483653" r:id="rId5"/>
+    <p:sldLayoutId id="2147483654" r:id="rId6"/>
+    <p:sldLayoutId id="2147483655" r:id="rId7"/>
+    <p:sldLayoutId id="2147483656" r:id="rId8"/>
+    <p:sldLayoutId id="2147483657" r:id="rId9"/>
+    <p:sldLayoutId id="2147483658" r:id="rId10"/>
+    <p:sldLayoutId id="2147483659" r:id="rId11"/>
+    <p:sldLayoutId id="2147483660" r:id="rId12"/>
+    <p:sldLayoutId id="2147483661" r:id="rId13"/>
+    <p:sldLayoutId id="2147483662" r:id="rId14"/>
+    <p:sldLayoutId id="2147483663" r:id="rId15"/>
+    <p:sldLayoutId id="2147483664" r:id="rId16"/>
+    <p:sldLayoutId id="2147483665" r:id="rId17"/>
   </p:sldLayoutIdLst>
   <p:txStyles>
     <p:titleStyle>
-      <a:lvl1pPr algn="ctr" defTabSz="457200" rtl="0" eaLnBrk="1" latinLnBrk="0" hangingPunct="1">
+      <a:lvl1pPr algn="ctr" defTabSz="457200" eaLnBrk="1" hangingPunct="1" latinLnBrk="0" rtl="0">
         <a:spcBef>
           <a:spcPct val="0"/>
         </a:spcBef>
         <a:buNone/>
-        <a:defRPr sz="4400" kern="1200" cap="none">
+        <a:defRPr cap="none" sz="4400" kern="1200">
           <a:ln w="3175" cmpd="sng">
             <a:noFill/>
           </a:ln>
@@ -5528,7 +5701,7 @@
       </a:lvl9pPr>
     </p:titleStyle>
     <p:bodyStyle>
-      <a:lvl1pPr marL="285750" indent="-285750" algn="l" defTabSz="457200" rtl="0" eaLnBrk="1" latinLnBrk="0" hangingPunct="1">
+      <a:lvl1pPr algn="l" defTabSz="457200" eaLnBrk="1" hangingPunct="1" indent="-285750" latinLnBrk="0" marL="285750" rtl="0">
         <a:spcBef>
           <a:spcPct val="20000"/>
         </a:spcBef>
@@ -5541,7 +5714,7 @@
         <a:buSzPct val="115000"/>
         <a:buFont typeface="Arial"/>
         <a:buChar char="•"/>
-        <a:defRPr sz="2400" kern="1200" cap="none">
+        <a:defRPr cap="none" sz="2400" kern="1200">
           <a:solidFill>
             <a:schemeClr val="tx1">
               <a:lumMod val="85000"/>
@@ -5554,7 +5727,7 @@
           <a:cs typeface="+mn-cs"/>
         </a:defRPr>
       </a:lvl1pPr>
-      <a:lvl2pPr marL="742950" indent="-285750" algn="l" defTabSz="457200" rtl="0" eaLnBrk="1" latinLnBrk="0" hangingPunct="1">
+      <a:lvl2pPr algn="l" defTabSz="457200" eaLnBrk="1" hangingPunct="1" indent="-285750" latinLnBrk="0" marL="742950" rtl="0">
         <a:spcBef>
           <a:spcPct val="20000"/>
         </a:spcBef>
@@ -5567,7 +5740,7 @@
         <a:buSzPct val="115000"/>
         <a:buFont typeface="Arial"/>
         <a:buChar char="•"/>
-        <a:defRPr sz="2000" kern="1200" cap="none">
+        <a:defRPr cap="none" sz="2000" kern="1200">
           <a:solidFill>
             <a:schemeClr val="tx1">
               <a:lumMod val="85000"/>
@@ -5580,7 +5753,7 @@
           <a:cs typeface="+mn-cs"/>
         </a:defRPr>
       </a:lvl2pPr>
-      <a:lvl3pPr marL="1200150" indent="-285750" algn="l" defTabSz="457200" rtl="0" eaLnBrk="1" latinLnBrk="0" hangingPunct="1">
+      <a:lvl3pPr algn="l" defTabSz="457200" eaLnBrk="1" hangingPunct="1" indent="-285750" latinLnBrk="0" marL="1200150" rtl="0">
         <a:spcBef>
           <a:spcPct val="20000"/>
         </a:spcBef>
@@ -5593,7 +5766,7 @@
         <a:buSzPct val="115000"/>
         <a:buFont typeface="Arial"/>
         <a:buChar char="•"/>
-        <a:defRPr sz="1800" kern="1200" cap="none">
+        <a:defRPr cap="none" sz="1800" kern="1200">
           <a:solidFill>
             <a:schemeClr val="tx1">
               <a:lumMod val="85000"/>
@@ -5606,7 +5779,7 @@
           <a:cs typeface="+mn-cs"/>
         </a:defRPr>
       </a:lvl3pPr>
-      <a:lvl4pPr marL="1543050" indent="-171450" algn="l" defTabSz="457200" rtl="0" eaLnBrk="1" latinLnBrk="0" hangingPunct="1">
+      <a:lvl4pPr algn="l" defTabSz="457200" eaLnBrk="1" hangingPunct="1" indent="-171450" latinLnBrk="0" marL="1543050" rtl="0">
         <a:spcBef>
           <a:spcPct val="20000"/>
         </a:spcBef>
@@ -5619,7 +5792,7 @@
         <a:buSzPct val="115000"/>
         <a:buFont typeface="Arial"/>
         <a:buChar char="•"/>
-        <a:defRPr sz="1600" kern="1200" cap="none">
+        <a:defRPr cap="none" sz="1600" kern="1200">
           <a:solidFill>
             <a:schemeClr val="tx1">
               <a:lumMod val="85000"/>
@@ -5632,7 +5805,7 @@
           <a:cs typeface="+mn-cs"/>
         </a:defRPr>
       </a:lvl4pPr>
-      <a:lvl5pPr marL="2000250" indent="-171450" algn="l" defTabSz="457200" rtl="0" eaLnBrk="1" latinLnBrk="0" hangingPunct="1">
+      <a:lvl5pPr algn="l" defTabSz="457200" eaLnBrk="1" hangingPunct="1" indent="-171450" latinLnBrk="0" marL="2000250" rtl="0">
         <a:spcBef>
           <a:spcPct val="20000"/>
         </a:spcBef>
@@ -5645,7 +5818,7 @@
         <a:buSzPct val="115000"/>
         <a:buFont typeface="Arial"/>
         <a:buChar char="•"/>
-        <a:defRPr sz="1400" kern="1200" cap="none">
+        <a:defRPr cap="none" sz="1400" kern="1200">
           <a:solidFill>
             <a:schemeClr val="tx1">
               <a:lumMod val="85000"/>
@@ -5658,7 +5831,7 @@
           <a:cs typeface="+mn-cs"/>
         </a:defRPr>
       </a:lvl5pPr>
-      <a:lvl6pPr marL="2514600" indent="-228600" algn="l" defTabSz="457200" rtl="0" eaLnBrk="1" latinLnBrk="0" hangingPunct="1">
+      <a:lvl6pPr algn="l" defTabSz="457200" eaLnBrk="1" hangingPunct="1" indent="-228600" latinLnBrk="0" marL="2514600" rtl="0">
         <a:spcBef>
           <a:spcPct val="20000"/>
         </a:spcBef>
@@ -5671,7 +5844,7 @@
         <a:buSzPct val="115000"/>
         <a:buFont typeface="Arial"/>
         <a:buChar char="•"/>
-        <a:defRPr sz="1400" kern="1200" cap="none">
+        <a:defRPr cap="none" sz="1400" kern="1200">
           <a:solidFill>
             <a:schemeClr val="tx1">
               <a:lumMod val="85000"/>
@@ -5684,7 +5857,7 @@
           <a:cs typeface="+mn-cs"/>
         </a:defRPr>
       </a:lvl6pPr>
-      <a:lvl7pPr marL="2971800" indent="-228600" algn="l" defTabSz="457200" rtl="0" eaLnBrk="1" latinLnBrk="0" hangingPunct="1">
+      <a:lvl7pPr algn="l" defTabSz="457200" eaLnBrk="1" hangingPunct="1" indent="-228600" latinLnBrk="0" marL="2971800" rtl="0">
         <a:spcBef>
           <a:spcPct val="20000"/>
         </a:spcBef>
@@ -5697,7 +5870,7 @@
         <a:buSzPct val="115000"/>
         <a:buFont typeface="Arial"/>
         <a:buChar char="•"/>
-        <a:defRPr sz="1400" kern="1200" cap="none">
+        <a:defRPr cap="none" sz="1400" kern="1200">
           <a:solidFill>
             <a:schemeClr val="tx1">
               <a:lumMod val="85000"/>
@@ -5710,7 +5883,7 @@
           <a:cs typeface="+mn-cs"/>
         </a:defRPr>
       </a:lvl7pPr>
-      <a:lvl8pPr marL="3429000" indent="-228600" algn="l" defTabSz="457200" rtl="0" eaLnBrk="1" latinLnBrk="0" hangingPunct="1">
+      <a:lvl8pPr algn="l" defTabSz="457200" eaLnBrk="1" hangingPunct="1" indent="-228600" latinLnBrk="0" marL="3429000" rtl="0">
         <a:spcBef>
           <a:spcPct val="20000"/>
         </a:spcBef>
@@ -5723,7 +5896,7 @@
         <a:buSzPct val="115000"/>
         <a:buFont typeface="Arial"/>
         <a:buChar char="•"/>
-        <a:defRPr sz="1400" kern="1200" cap="none">
+        <a:defRPr cap="none" sz="1400" kern="1200">
           <a:solidFill>
             <a:schemeClr val="tx1">
               <a:lumMod val="85000"/>
@@ -5736,7 +5909,7 @@
           <a:cs typeface="+mn-cs"/>
         </a:defRPr>
       </a:lvl8pPr>
-      <a:lvl9pPr marL="3886200" indent="-228600" algn="l" defTabSz="457200" rtl="0" eaLnBrk="1" latinLnBrk="0" hangingPunct="1">
+      <a:lvl9pPr algn="l" defTabSz="457200" eaLnBrk="1" hangingPunct="1" indent="-228600" latinLnBrk="0" marL="3886200" rtl="0">
         <a:spcBef>
           <a:spcPct val="20000"/>
         </a:spcBef>
@@ -5749,7 +5922,7 @@
         <a:buSzPct val="115000"/>
         <a:buFont typeface="Arial"/>
         <a:buChar char="•"/>
-        <a:defRPr sz="1400" kern="1200" cap="none">
+        <a:defRPr cap="none" sz="1400" kern="1200">
           <a:solidFill>
             <a:schemeClr val="tx1">
               <a:lumMod val="85000"/>
@@ -5767,7 +5940,7 @@
       <a:defPPr>
         <a:defRPr lang="en-US"/>
       </a:defPPr>
-      <a:lvl1pPr marL="0" algn="l" defTabSz="457200" rtl="0" eaLnBrk="1" latinLnBrk="0" hangingPunct="1">
+      <a:lvl1pPr algn="l" defTabSz="457200" eaLnBrk="1" hangingPunct="1" latinLnBrk="0" marL="0" rtl="0">
         <a:defRPr sz="1800" kern="1200">
           <a:solidFill>
             <a:schemeClr val="tx1"/>
@@ -5777,7 +5950,7 @@
           <a:cs typeface="+mn-cs"/>
         </a:defRPr>
       </a:lvl1pPr>
-      <a:lvl2pPr marL="457200" algn="l" defTabSz="457200" rtl="0" eaLnBrk="1" latinLnBrk="0" hangingPunct="1">
+      <a:lvl2pPr algn="l" defTabSz="457200" eaLnBrk="1" hangingPunct="1" latinLnBrk="0" marL="457200" rtl="0">
         <a:defRPr sz="1800" kern="1200">
           <a:solidFill>
             <a:schemeClr val="tx1"/>
@@ -5787,7 +5960,7 @@
           <a:cs typeface="+mn-cs"/>
         </a:defRPr>
       </a:lvl2pPr>
-      <a:lvl3pPr marL="914400" algn="l" defTabSz="457200" rtl="0" eaLnBrk="1" latinLnBrk="0" hangingPunct="1">
+      <a:lvl3pPr algn="l" defTabSz="457200" eaLnBrk="1" hangingPunct="1" latinLnBrk="0" marL="914400" rtl="0">
         <a:defRPr sz="1800" kern="1200">
           <a:solidFill>
             <a:schemeClr val="tx1"/>
@@ -5797,7 +5970,7 @@
           <a:cs typeface="+mn-cs"/>
         </a:defRPr>
       </a:lvl3pPr>
-      <a:lvl4pPr marL="1371600" algn="l" defTabSz="457200" rtl="0" eaLnBrk="1" latinLnBrk="0" hangingPunct="1">
+      <a:lvl4pPr algn="l" defTabSz="457200" eaLnBrk="1" hangingPunct="1" latinLnBrk="0" marL="1371600" rtl="0">
         <a:defRPr sz="1800" kern="1200">
           <a:solidFill>
             <a:schemeClr val="tx1"/>
@@ -5807,7 +5980,7 @@
           <a:cs typeface="+mn-cs"/>
         </a:defRPr>
       </a:lvl4pPr>
-      <a:lvl5pPr marL="1828800" algn="l" defTabSz="457200" rtl="0" eaLnBrk="1" latinLnBrk="0" hangingPunct="1">
+      <a:lvl5pPr algn="l" defTabSz="457200" eaLnBrk="1" hangingPunct="1" latinLnBrk="0" marL="1828800" rtl="0">
         <a:defRPr sz="1800" kern="1200">
           <a:solidFill>
             <a:schemeClr val="tx1"/>
@@ -5817,7 +5990,7 @@
           <a:cs typeface="+mn-cs"/>
         </a:defRPr>
       </a:lvl5pPr>
-      <a:lvl6pPr marL="2286000" algn="l" defTabSz="457200" rtl="0" eaLnBrk="1" latinLnBrk="0" hangingPunct="1">
+      <a:lvl6pPr algn="l" defTabSz="457200" eaLnBrk="1" hangingPunct="1" latinLnBrk="0" marL="2286000" rtl="0">
         <a:defRPr sz="1800" kern="1200">
           <a:solidFill>
             <a:schemeClr val="tx1"/>
@@ -5827,7 +6000,7 @@
           <a:cs typeface="+mn-cs"/>
         </a:defRPr>
       </a:lvl6pPr>
-      <a:lvl7pPr marL="2743200" algn="l" defTabSz="457200" rtl="0" eaLnBrk="1" latinLnBrk="0" hangingPunct="1">
+      <a:lvl7pPr algn="l" defTabSz="457200" eaLnBrk="1" hangingPunct="1" latinLnBrk="0" marL="2743200" rtl="0">
         <a:defRPr sz="1800" kern="1200">
           <a:solidFill>
             <a:schemeClr val="tx1"/>
@@ -5837,7 +6010,7 @@
           <a:cs typeface="+mn-cs"/>
         </a:defRPr>
       </a:lvl7pPr>
-      <a:lvl8pPr marL="3200400" algn="l" defTabSz="457200" rtl="0" eaLnBrk="1" latinLnBrk="0" hangingPunct="1">
+      <a:lvl8pPr algn="l" defTabSz="457200" eaLnBrk="1" hangingPunct="1" latinLnBrk="0" marL="3200400" rtl="0">
         <a:defRPr sz="1800" kern="1200">
           <a:solidFill>
             <a:schemeClr val="tx1"/>
@@ -5847,7 +6020,7 @@
           <a:cs typeface="+mn-cs"/>
         </a:defRPr>
       </a:lvl8pPr>
-      <a:lvl9pPr marL="3657600" algn="l" defTabSz="457200" rtl="0" eaLnBrk="1" latinLnBrk="0" hangingPunct="1">
+      <a:lvl9pPr algn="l" defTabSz="457200" eaLnBrk="1" hangingPunct="1" latinLnBrk="0" marL="3657600" rtl="0">
         <a:defRPr sz="1800" kern="1200">
           <a:solidFill>
             <a:schemeClr val="tx1"/>
@@ -5867,7 +6040,7 @@
   <p:cSld>
     <p:spTree>
       <p:nvGrpSpPr>
-        <p:cNvPr id="1" name=""/>
+        <p:cNvPr id="31" name=""/>
         <p:cNvGrpSpPr/>
         <p:nvPr/>
       </p:nvGrpSpPr>
@@ -5881,13 +6054,7 @@
       </p:grpSpPr>
       <p:sp>
         <p:nvSpPr>
-          <p:cNvPr id="2" name="Title 1">
-            <a:extLst>
-              <a:ext uri="{FF2B5EF4-FFF2-40B4-BE49-F238E27FC236}">
-                <a16:creationId xmlns:a16="http://schemas.microsoft.com/office/drawing/2014/main" id="{2162D28E-F8D4-243A-7265-503396661067}"/>
-              </a:ext>
-            </a:extLst>
-          </p:cNvPr>
+          <p:cNvPr id="1048588" name="Title 1"/>
           <p:cNvSpPr>
             <a:spLocks noGrp="1"/>
           </p:cNvSpPr>
@@ -5897,31 +6064,24 @@
         </p:nvSpPr>
         <p:spPr>
           <a:xfrm>
-            <a:off x="1426028" y="408894"/>
+            <a:off x="1523999" y="1935780"/>
             <a:ext cx="9144000" cy="1191306"/>
           </a:xfrm>
         </p:spPr>
         <p:txBody>
           <a:bodyPr/>
-          <a:lstStyle/>
-          <a:p>
-            <a:r>
-              <a:rPr lang="en-IN" sz="6000" dirty="0"/>
+          <a:p>
+            <a:r>
+              <a:rPr dirty="0" sz="6000" lang="en-IN"/>
               <a:t>INDUSTRIES</a:t>
             </a:r>
-            <a:endParaRPr lang="en-IN" dirty="0"/>
-          </a:p>
-        </p:txBody>
-      </p:sp>
-      <p:sp>
-        <p:nvSpPr>
-          <p:cNvPr id="3" name="Subtitle 2">
-            <a:extLst>
-              <a:ext uri="{FF2B5EF4-FFF2-40B4-BE49-F238E27FC236}">
-                <a16:creationId xmlns:a16="http://schemas.microsoft.com/office/drawing/2014/main" id="{9B48523E-53E8-C06E-5003-91B49184DACF}"/>
-              </a:ext>
-            </a:extLst>
-          </p:cNvPr>
+            <a:endParaRPr dirty="0" lang="en-IN"/>
+          </a:p>
+        </p:txBody>
+      </p:sp>
+      <p:sp>
+        <p:nvSpPr>
+          <p:cNvPr id="1048589" name="Subtitle 2"/>
           <p:cNvSpPr>
             <a:spLocks noGrp="1"/>
           </p:cNvSpPr>
@@ -5932,36 +6092,32 @@
         <p:spPr/>
         <p:txBody>
           <a:bodyPr>
-            <a:normAutofit fontScale="92500" lnSpcReduction="20000"/>
+            <a:normAutofit fontScale="100000" lnSpcReduction="20000"/>
           </a:bodyPr>
-          <a:lstStyle/>
-          <a:p>
-            <a:r>
-              <a:rPr lang="en-IN" sz="4800" dirty="0"/>
+          <a:p>
+            <a:r>
+              <a:rPr dirty="0" sz="4800" lang="en-IN"/>
               <a:t>Presented By :- Abhishek Sharma</a:t>
             </a:r>
           </a:p>
           <a:p>
-            <a:endParaRPr lang="en-IN" dirty="0"/>
+            <a:endParaRPr dirty="0" lang="en-IN"/>
           </a:p>
         </p:txBody>
       </p:sp>
     </p:spTree>
-    <p:extLst>
-      <p:ext uri="{BB962C8B-B14F-4D97-AF65-F5344CB8AC3E}">
-        <p14:creationId xmlns:p14="http://schemas.microsoft.com/office/powerpoint/2010/main" val="368376804"/>
-      </p:ext>
-    </p:extLst>
   </p:cSld>
   <p:clrMapOvr>
     <a:masterClrMapping/>
   </p:clrMapOvr>
   <mc:AlternateContent xmlns:mc="http://schemas.openxmlformats.org/markup-compatibility/2006">
     <mc:Choice xmlns:p14="http://schemas.microsoft.com/office/powerpoint/2010/main" Requires="p14">
-      <p:transition p14:dur="10"/>
+      <p:transition xmlns:p14="http://schemas.microsoft.com/office/powerpoint/2010/main" p14:dur="10"/>
     </mc:Choice>
     <mc:Fallback>
-      <p:transition/>
+      <p:transition spd="slow">
+        <p:fade/>
+      </p:transition>
     </mc:Fallback>
   </mc:AlternateContent>
 </p:sld>
@@ -5972,7 +6128,7 @@
   <p:cSld>
     <p:spTree>
       <p:nvGrpSpPr>
-        <p:cNvPr id="1" name=""/>
+        <p:cNvPr id="32" name=""/>
         <p:cNvGrpSpPr/>
         <p:nvPr/>
       </p:nvGrpSpPr>
@@ -5986,13 +6142,7 @@
       </p:grpSpPr>
       <p:sp>
         <p:nvSpPr>
-          <p:cNvPr id="2" name="Title 1">
-            <a:extLst>
-              <a:ext uri="{FF2B5EF4-FFF2-40B4-BE49-F238E27FC236}">
-                <a16:creationId xmlns:a16="http://schemas.microsoft.com/office/drawing/2014/main" id="{E290CE94-BDEA-8731-A46B-BA06BA9EEF5A}"/>
-              </a:ext>
-            </a:extLst>
-          </p:cNvPr>
+          <p:cNvPr id="1048590" name="Title 1"/>
           <p:cNvSpPr>
             <a:spLocks noGrp="1"/>
           </p:cNvSpPr>
@@ -6002,16 +6152,15 @@
         </p:nvSpPr>
         <p:spPr>
           <a:xfrm>
-            <a:off x="1524000" y="1122363"/>
+            <a:off x="1637694" y="1934076"/>
             <a:ext cx="9144000" cy="1065666"/>
           </a:xfrm>
         </p:spPr>
         <p:txBody>
           <a:bodyPr/>
-          <a:lstStyle/>
-          <a:p>
-            <a:r>
-              <a:rPr lang="en-IN" dirty="0"/>
+          <a:p>
+            <a:r>
+              <a:rPr dirty="0" lang="en-IN"/>
               <a:t>INDUSTRIES</a:t>
             </a:r>
           </a:p>
@@ -6019,13 +6168,7 @@
       </p:sp>
       <p:sp>
         <p:nvSpPr>
-          <p:cNvPr id="3" name="Subtitle 2">
-            <a:extLst>
-              <a:ext uri="{FF2B5EF4-FFF2-40B4-BE49-F238E27FC236}">
-                <a16:creationId xmlns:a16="http://schemas.microsoft.com/office/drawing/2014/main" id="{D4E453D1-0D17-3A5B-B696-56071A8B9742}"/>
-              </a:ext>
-            </a:extLst>
-          </p:cNvPr>
+          <p:cNvPr id="1048591" name="Subtitle 2"/>
           <p:cNvSpPr>
             <a:spLocks noGrp="1"/>
           </p:cNvSpPr>
@@ -6035,39 +6178,31 @@
         </p:nvSpPr>
         <p:spPr>
           <a:xfrm>
-            <a:off x="1524000" y="3602037"/>
-            <a:ext cx="9144000" cy="2133599"/>
+            <a:off x="2476903" y="3648219"/>
+            <a:ext cx="7465580" cy="1580860"/>
           </a:xfrm>
         </p:spPr>
         <p:txBody>
           <a:bodyPr/>
-          <a:lstStyle/>
-          <a:p>
-            <a:r>
-              <a:rPr lang="en-IN" dirty="0"/>
+          <a:p>
+            <a:r>
+              <a:rPr dirty="0" lang="en-IN"/>
               <a:t>Industries are the place where the products are manufactures and supplied in the market.</a:t>
             </a:r>
           </a:p>
           <a:p>
-            <a:endParaRPr lang="en-IN" dirty="0"/>
+            <a:endParaRPr dirty="0" lang="en-IN"/>
           </a:p>
         </p:txBody>
       </p:sp>
     </p:spTree>
-    <p:extLst>
-      <p:ext uri="{BB962C8B-B14F-4D97-AF65-F5344CB8AC3E}">
-        <p14:creationId xmlns:p14="http://schemas.microsoft.com/office/powerpoint/2010/main" val="861505033"/>
-      </p:ext>
-    </p:extLst>
   </p:cSld>
   <p:clrMapOvr>
     <a:masterClrMapping/>
   </p:clrMapOvr>
   <mc:AlternateContent xmlns:mc="http://schemas.openxmlformats.org/markup-compatibility/2006">
-    <mc:Choice xmlns:p159="http://schemas.microsoft.com/office/powerpoint/2015/09/main" Requires="p159">
-      <p:transition xmlns:p14="http://schemas.microsoft.com/office/powerpoint/2010/main" spd="slow" p14:dur="2000">
-        <p159:morph option="byObject"/>
-      </p:transition>
+    <mc:Choice xmlns:p14="http://schemas.microsoft.com/office/powerpoint/2010/main" Requires="p14">
+      <p:transition xmlns:p14="http://schemas.microsoft.com/office/powerpoint/2010/main" spd="slow" p14:dur="2000"/>
     </mc:Choice>
     <mc:Fallback>
       <p:transition spd="slow">
@@ -6083,7 +6218,7 @@
   <p:cSld>
     <p:spTree>
       <p:nvGrpSpPr>
-        <p:cNvPr id="1" name=""/>
+        <p:cNvPr id="34" name=""/>
         <p:cNvGrpSpPr/>
         <p:nvPr/>
       </p:nvGrpSpPr>
@@ -6097,13 +6232,7 @@
       </p:grpSpPr>
       <p:sp>
         <p:nvSpPr>
-          <p:cNvPr id="2" name="Title 1">
-            <a:extLst>
-              <a:ext uri="{FF2B5EF4-FFF2-40B4-BE49-F238E27FC236}">
-                <a16:creationId xmlns:a16="http://schemas.microsoft.com/office/drawing/2014/main" id="{92220267-9675-78B7-A928-787E7F9C12ED}"/>
-              </a:ext>
-            </a:extLst>
-          </p:cNvPr>
+          <p:cNvPr id="1048597" name="Title 1"/>
           <p:cNvSpPr>
             <a:spLocks noGrp="1"/>
           </p:cNvSpPr>
@@ -6114,10 +6243,9 @@
         <p:spPr/>
         <p:txBody>
           <a:bodyPr/>
-          <a:lstStyle/>
-          <a:p>
-            <a:r>
-              <a:rPr lang="en-IN" dirty="0"/>
+          <a:p>
+            <a:r>
+              <a:rPr dirty="0" lang="en-IN"/>
               <a:t>TYPES OF INDUSTRIES</a:t>
             </a:r>
           </a:p>
@@ -6125,13 +6253,7 @@
       </p:sp>
       <p:sp>
         <p:nvSpPr>
-          <p:cNvPr id="3" name="Content Placeholder 2">
-            <a:extLst>
-              <a:ext uri="{FF2B5EF4-FFF2-40B4-BE49-F238E27FC236}">
-                <a16:creationId xmlns:a16="http://schemas.microsoft.com/office/drawing/2014/main" id="{DC61E9F5-6CA9-D75E-E461-ADDACE4D689D}"/>
-              </a:ext>
-            </a:extLst>
-          </p:cNvPr>
+          <p:cNvPr id="1048598" name="Content Placeholder 2"/>
           <p:cNvSpPr>
             <a:spLocks noGrp="1"/>
           </p:cNvSpPr>
@@ -6142,45 +6264,61 @@
         <p:spPr/>
         <p:txBody>
           <a:bodyPr/>
-          <a:lstStyle/>
-          <a:p>
-            <a:r>
-              <a:rPr lang="en-IN" dirty="0"/>
+          <a:p>
+            <a:r>
+              <a:rPr dirty="0" lang="en-IN"/>
               <a:t>Primary Industry</a:t>
             </a:r>
           </a:p>
           <a:p>
             <a:r>
-              <a:rPr lang="en-IN" dirty="0"/>
+              <a:rPr dirty="0" lang="en-IN"/>
               <a:t>Secondary Industry</a:t>
             </a:r>
           </a:p>
           <a:p>
             <a:r>
-              <a:rPr lang="en-IN" dirty="0"/>
+              <a:rPr dirty="0" lang="en-IN"/>
               <a:t>Tertiary Industry</a:t>
             </a:r>
           </a:p>
         </p:txBody>
       </p:sp>
+      <p:pic>
+        <p:nvPicPr>
+          <p:cNvPr id="2097158" name=""/>
+          <p:cNvPicPr>
+            <a:picLocks/>
+          </p:cNvPicPr>
+          <p:nvPr/>
+        </p:nvPicPr>
+        <p:blipFill>
+          <a:blip xmlns:r="http://schemas.openxmlformats.org/officeDocument/2006/relationships" r:embed="rId1"/>
+          <a:stretch>
+            <a:fillRect/>
+          </a:stretch>
+        </p:blipFill>
+        <p:spPr>
+          <a:xfrm rot="0">
+            <a:off x="4489171" y="2768495"/>
+            <a:ext cx="6545964" cy="3184433"/>
+          </a:xfrm>
+          <a:prstGeom prst="rect"/>
+        </p:spPr>
+      </p:pic>
     </p:spTree>
-    <p:extLst>
-      <p:ext uri="{BB962C8B-B14F-4D97-AF65-F5344CB8AC3E}">
-        <p14:creationId xmlns:p14="http://schemas.microsoft.com/office/powerpoint/2010/main" val="2617803786"/>
-      </p:ext>
-    </p:extLst>
   </p:cSld>
   <p:clrMapOvr>
     <a:masterClrMapping/>
   </p:clrMapOvr>
   <mc:AlternateContent xmlns:mc="http://schemas.openxmlformats.org/markup-compatibility/2006">
     <mc:Choice xmlns:p14="http://schemas.microsoft.com/office/powerpoint/2010/main" Requires="p14">
-      <p:transition spd="med" p14:dur="700">
+      <p:transition xmlns:p14="http://schemas.microsoft.com/office/powerpoint/2010/main" spd="med" p14:dur="700">
         <p:fade/>
       </p:transition>
     </mc:Choice>
     <mc:Fallback>
-      <p:transition spd="med">
+      <p:transition spd="slow">
         <p:fade/>
       </p:transition>
     </mc:Fallback>
@@ -6193,7 +6331,7 @@
   <p:cSld>
     <p:spTree>
       <p:nvGrpSpPr>
-        <p:cNvPr id="1" name=""/>
+        <p:cNvPr id="35" name=""/>
         <p:cNvGrpSpPr/>
         <p:nvPr/>
       </p:nvGrpSpPr>
@@ -6207,13 +6345,7 @@
       </p:grpSpPr>
       <p:sp>
         <p:nvSpPr>
-          <p:cNvPr id="2" name="Title 1">
-            <a:extLst>
-              <a:ext uri="{FF2B5EF4-FFF2-40B4-BE49-F238E27FC236}">
-                <a16:creationId xmlns:a16="http://schemas.microsoft.com/office/drawing/2014/main" id="{A9A55714-928E-E9BF-F063-66C584DA5A85}"/>
-              </a:ext>
-            </a:extLst>
-          </p:cNvPr>
+          <p:cNvPr id="1048599" name="Title 1"/>
           <p:cNvSpPr>
             <a:spLocks noGrp="1"/>
           </p:cNvSpPr>
@@ -6224,10 +6356,9 @@
         <p:spPr/>
         <p:txBody>
           <a:bodyPr/>
-          <a:lstStyle/>
-          <a:p>
-            <a:r>
-              <a:rPr lang="en-IN" dirty="0"/>
+          <a:p>
+            <a:r>
+              <a:rPr dirty="0" lang="en-IN"/>
               <a:t>PRIMARY INDUSTRY</a:t>
             </a:r>
           </a:p>
@@ -6235,13 +6366,7 @@
       </p:sp>
       <p:sp>
         <p:nvSpPr>
-          <p:cNvPr id="3" name="Content Placeholder 2">
-            <a:extLst>
-              <a:ext uri="{FF2B5EF4-FFF2-40B4-BE49-F238E27FC236}">
-                <a16:creationId xmlns:a16="http://schemas.microsoft.com/office/drawing/2014/main" id="{76458DD5-3F42-6BDA-12F5-BD032035AA07}"/>
-              </a:ext>
-            </a:extLst>
-          </p:cNvPr>
+          <p:cNvPr id="1048600" name="Content Placeholder 2"/>
           <p:cNvSpPr>
             <a:spLocks noGrp="1"/>
           </p:cNvSpPr>
@@ -6252,35 +6377,51 @@
         <p:spPr/>
         <p:txBody>
           <a:bodyPr/>
-          <a:lstStyle/>
-          <a:p>
-            <a:r>
-              <a:rPr lang="en-IN" dirty="0"/>
+          <a:p>
+            <a:r>
+              <a:rPr dirty="0" lang="en-IN"/>
               <a:t>Primary industries are those industries where the raw material are produced.</a:t>
             </a:r>
           </a:p>
           <a:p>
             <a:r>
-              <a:rPr lang="en-IN" dirty="0"/>
+              <a:rPr dirty="0" lang="en-IN"/>
               <a:t>For example:-</a:t>
             </a:r>
             <a:r>
-              <a:rPr lang="en-IN" dirty="0" err="1"/>
+              <a:rPr dirty="0" lang="en-IN" err="1"/>
               <a:t>pollutary</a:t>
             </a:r>
             <a:r>
-              <a:rPr lang="en-IN" dirty="0"/>
+              <a:rPr dirty="0" lang="en-IN"/>
               <a:t> farming</a:t>
             </a:r>
           </a:p>
         </p:txBody>
       </p:sp>
+      <p:pic>
+        <p:nvPicPr>
+          <p:cNvPr id="2097159" name=""/>
+          <p:cNvPicPr>
+            <a:picLocks/>
+          </p:cNvPicPr>
+          <p:nvPr/>
+        </p:nvPicPr>
+        <p:blipFill>
+          <a:blip xmlns:r="http://schemas.openxmlformats.org/officeDocument/2006/relationships" r:embed="rId1"/>
+          <a:stretch>
+            <a:fillRect/>
+          </a:stretch>
+        </p:blipFill>
+        <p:spPr>
+          <a:xfrm rot="0">
+            <a:off x="5955178" y="3141063"/>
+            <a:ext cx="4941420" cy="2734804"/>
+          </a:xfrm>
+          <a:prstGeom prst="rect"/>
+        </p:spPr>
+      </p:pic>
     </p:spTree>
-    <p:extLst>
-      <p:ext uri="{BB962C8B-B14F-4D97-AF65-F5344CB8AC3E}">
-        <p14:creationId xmlns:p14="http://schemas.microsoft.com/office/powerpoint/2010/main" val="503640843"/>
-      </p:ext>
-    </p:extLst>
   </p:cSld>
   <p:clrMapOvr>
     <a:masterClrMapping/>
@@ -6296,7 +6437,7 @@
   <p:cSld>
     <p:spTree>
       <p:nvGrpSpPr>
-        <p:cNvPr id="1" name=""/>
+        <p:cNvPr id="36" name=""/>
         <p:cNvGrpSpPr/>
         <p:nvPr/>
       </p:nvGrpSpPr>
@@ -6310,13 +6451,7 @@
       </p:grpSpPr>
       <p:sp>
         <p:nvSpPr>
-          <p:cNvPr id="2" name="Title 1">
-            <a:extLst>
-              <a:ext uri="{FF2B5EF4-FFF2-40B4-BE49-F238E27FC236}">
-                <a16:creationId xmlns:a16="http://schemas.microsoft.com/office/drawing/2014/main" id="{1582AAE2-B703-10EA-E15E-03C7D746F3C0}"/>
-              </a:ext>
-            </a:extLst>
-          </p:cNvPr>
+          <p:cNvPr id="1048601" name="Title 1"/>
           <p:cNvSpPr>
             <a:spLocks noGrp="1"/>
           </p:cNvSpPr>
@@ -6327,10 +6462,9 @@
         <p:spPr/>
         <p:txBody>
           <a:bodyPr/>
-          <a:lstStyle/>
-          <a:p>
-            <a:r>
-              <a:rPr lang="en-IN" dirty="0"/>
+          <a:p>
+            <a:r>
+              <a:rPr dirty="0" lang="en-IN"/>
               <a:t>Secondary Industry</a:t>
             </a:r>
           </a:p>
@@ -6338,13 +6472,7 @@
       </p:sp>
       <p:sp>
         <p:nvSpPr>
-          <p:cNvPr id="3" name="Content Placeholder 2">
-            <a:extLst>
-              <a:ext uri="{FF2B5EF4-FFF2-40B4-BE49-F238E27FC236}">
-                <a16:creationId xmlns:a16="http://schemas.microsoft.com/office/drawing/2014/main" id="{97998B30-F099-CE3A-FF44-50159CE8F841}"/>
-              </a:ext>
-            </a:extLst>
-          </p:cNvPr>
+          <p:cNvPr id="1048602" name="Content Placeholder 2"/>
           <p:cNvSpPr>
             <a:spLocks noGrp="1"/>
           </p:cNvSpPr>
@@ -6355,34 +6483,50 @@
         <p:spPr/>
         <p:txBody>
           <a:bodyPr/>
-          <a:lstStyle/>
-          <a:p>
-            <a:r>
-              <a:rPr lang="en-IN" dirty="0"/>
+          <a:p>
+            <a:r>
+              <a:rPr dirty="0" lang="en-IN"/>
               <a:t>Secondary industries are those industries where raw materials are converted inti finished goods.</a:t>
             </a:r>
           </a:p>
           <a:p>
             <a:r>
-              <a:rPr lang="en-IN" dirty="0"/>
+              <a:rPr dirty="0" lang="en-IN"/>
               <a:t>For example :- making sugar from sugarcane.</a:t>
             </a:r>
           </a:p>
         </p:txBody>
       </p:sp>
+      <p:pic>
+        <p:nvPicPr>
+          <p:cNvPr id="2097160" name=""/>
+          <p:cNvPicPr>
+            <a:picLocks/>
+          </p:cNvPicPr>
+          <p:nvPr/>
+        </p:nvPicPr>
+        <p:blipFill>
+          <a:blip xmlns:r="http://schemas.openxmlformats.org/officeDocument/2006/relationships" r:embed="rId1"/>
+          <a:stretch>
+            <a:fillRect/>
+          </a:stretch>
+        </p:blipFill>
+        <p:spPr>
+          <a:xfrm rot="0">
+            <a:off x="5363644" y="3870039"/>
+            <a:ext cx="5532954" cy="2383415"/>
+          </a:xfrm>
+          <a:prstGeom prst="rect"/>
+        </p:spPr>
+      </p:pic>
     </p:spTree>
-    <p:extLst>
-      <p:ext uri="{BB962C8B-B14F-4D97-AF65-F5344CB8AC3E}">
-        <p14:creationId xmlns:p14="http://schemas.microsoft.com/office/powerpoint/2010/main" val="3430772387"/>
-      </p:ext>
-    </p:extLst>
   </p:cSld>
   <p:clrMapOvr>
     <a:masterClrMapping/>
   </p:clrMapOvr>
   <mc:AlternateContent xmlns:mc="http://schemas.openxmlformats.org/markup-compatibility/2006">
     <mc:Choice xmlns:p14="http://schemas.microsoft.com/office/powerpoint/2010/main" Requires="p14">
-      <p:transition spd="slow" p14:dur="3400">
+      <p:transition xmlns:p14="http://schemas.microsoft.com/office/powerpoint/2010/main" spd="slow" p14:dur="3400">
         <p14:reveal/>
       </p:transition>
     </mc:Choice>
@@ -6400,7 +6544,7 @@
   <p:cSld>
     <p:spTree>
       <p:nvGrpSpPr>
-        <p:cNvPr id="1" name=""/>
+        <p:cNvPr id="37" name=""/>
         <p:cNvGrpSpPr/>
         <p:nvPr/>
       </p:nvGrpSpPr>
@@ -6414,13 +6558,7 @@
       </p:grpSpPr>
       <p:sp>
         <p:nvSpPr>
-          <p:cNvPr id="2" name="Title 1">
-            <a:extLst>
-              <a:ext uri="{FF2B5EF4-FFF2-40B4-BE49-F238E27FC236}">
-                <a16:creationId xmlns:a16="http://schemas.microsoft.com/office/drawing/2014/main" id="{A6B6AF0D-8443-9237-B99D-0556021FE515}"/>
-              </a:ext>
-            </a:extLst>
-          </p:cNvPr>
+          <p:cNvPr id="1048603" name="Title 1"/>
           <p:cNvSpPr>
             <a:spLocks noGrp="1"/>
           </p:cNvSpPr>
@@ -6431,10 +6569,9 @@
         <p:spPr/>
         <p:txBody>
           <a:bodyPr/>
-          <a:lstStyle/>
-          <a:p>
-            <a:r>
-              <a:rPr lang="en-IN" dirty="0"/>
+          <a:p>
+            <a:r>
+              <a:rPr dirty="0" lang="en-IN"/>
               <a:t>Tertiary Industry</a:t>
             </a:r>
           </a:p>
@@ -6442,13 +6579,7 @@
       </p:sp>
       <p:sp>
         <p:nvSpPr>
-          <p:cNvPr id="3" name="Content Placeholder 2">
-            <a:extLst>
-              <a:ext uri="{FF2B5EF4-FFF2-40B4-BE49-F238E27FC236}">
-                <a16:creationId xmlns:a16="http://schemas.microsoft.com/office/drawing/2014/main" id="{37A5C6E0-0372-7FF2-D4FC-CC635977121E}"/>
-              </a:ext>
-            </a:extLst>
-          </p:cNvPr>
+          <p:cNvPr id="1048604" name="Content Placeholder 2"/>
           <p:cNvSpPr>
             <a:spLocks noGrp="1"/>
           </p:cNvSpPr>
@@ -6459,27 +6590,43 @@
         <p:spPr/>
         <p:txBody>
           <a:bodyPr/>
-          <a:lstStyle/>
-          <a:p>
-            <a:r>
-              <a:rPr lang="en-IN" dirty="0"/>
+          <a:p>
+            <a:r>
+              <a:rPr dirty="0" lang="en-IN"/>
               <a:t>Tertiary industry are those industry where banking , transportation , communication , takes place.</a:t>
             </a:r>
           </a:p>
           <a:p>
             <a:r>
-              <a:rPr lang="en-IN" dirty="0"/>
+              <a:rPr dirty="0" lang="en-IN"/>
               <a:t>For example :- marketing</a:t>
             </a:r>
           </a:p>
         </p:txBody>
       </p:sp>
+      <p:pic>
+        <p:nvPicPr>
+          <p:cNvPr id="2097161" name=""/>
+          <p:cNvPicPr>
+            <a:picLocks/>
+          </p:cNvPicPr>
+          <p:nvPr/>
+        </p:nvPicPr>
+        <p:blipFill>
+          <a:blip xmlns:r="http://schemas.openxmlformats.org/officeDocument/2006/relationships" r:embed="rId1"/>
+          <a:stretch>
+            <a:fillRect/>
+          </a:stretch>
+        </p:blipFill>
+        <p:spPr>
+          <a:xfrm>
+            <a:off x="5271292" y="3429000"/>
+            <a:ext cx="5625306" cy="2419193"/>
+          </a:xfrm>
+          <a:prstGeom prst="rect"/>
+        </p:spPr>
+      </p:pic>
     </p:spTree>
-    <p:extLst>
-      <p:ext uri="{BB962C8B-B14F-4D97-AF65-F5344CB8AC3E}">
-        <p14:creationId xmlns:p14="http://schemas.microsoft.com/office/powerpoint/2010/main" val="2937609028"/>
-      </p:ext>
-    </p:extLst>
   </p:cSld>
   <p:clrMapOvr>
     <a:masterClrMapping/>
@@ -6504,7 +6651,7 @@
   <p:cSld>
     <p:spTree>
       <p:nvGrpSpPr>
-        <p:cNvPr id="1" name=""/>
+        <p:cNvPr id="38" name=""/>
         <p:cNvGrpSpPr/>
         <p:nvPr/>
       </p:nvGrpSpPr>
@@ -6518,13 +6665,7 @@
       </p:grpSpPr>
       <p:sp>
         <p:nvSpPr>
-          <p:cNvPr id="2" name="Title 1">
-            <a:extLst>
-              <a:ext uri="{FF2B5EF4-FFF2-40B4-BE49-F238E27FC236}">
-                <a16:creationId xmlns:a16="http://schemas.microsoft.com/office/drawing/2014/main" id="{7FD618B1-7E94-5D23-9543-7D6C9A677CA8}"/>
-              </a:ext>
-            </a:extLst>
-          </p:cNvPr>
+          <p:cNvPr id="1048605" name="Title 1"/>
           <p:cNvSpPr>
             <a:spLocks noGrp="1"/>
           </p:cNvSpPr>
@@ -6535,10 +6676,9 @@
         <p:spPr/>
         <p:txBody>
           <a:bodyPr/>
-          <a:lstStyle/>
-          <a:p>
-            <a:r>
-              <a:rPr lang="en-IN" dirty="0"/>
+          <a:p>
+            <a:r>
+              <a:rPr dirty="0" lang="en-IN"/>
               <a:t>Notes</a:t>
             </a:r>
           </a:p>
@@ -6546,13 +6686,7 @@
       </p:sp>
       <p:sp>
         <p:nvSpPr>
-          <p:cNvPr id="3" name="Content Placeholder 2">
-            <a:extLst>
-              <a:ext uri="{FF2B5EF4-FFF2-40B4-BE49-F238E27FC236}">
-                <a16:creationId xmlns:a16="http://schemas.microsoft.com/office/drawing/2014/main" id="{A5F0C142-28A7-C466-7C06-342735CCB30D}"/>
-              </a:ext>
-            </a:extLst>
-          </p:cNvPr>
+          <p:cNvPr id="1048606" name="Content Placeholder 2"/>
           <p:cNvSpPr>
             <a:spLocks noGrp="1"/>
           </p:cNvSpPr>
@@ -6563,45 +6697,39 @@
         <p:spPr/>
         <p:txBody>
           <a:bodyPr/>
-          <a:lstStyle/>
-          <a:p>
-            <a:r>
-              <a:rPr lang="en-IN" dirty="0"/>
+          <a:p>
+            <a:r>
+              <a:rPr dirty="0" lang="en-IN"/>
               <a:t>Secondary Industry are also known as manufacturing Industries.</a:t>
             </a:r>
           </a:p>
           <a:p>
             <a:r>
-              <a:rPr lang="en-IN" dirty="0"/>
+              <a:rPr dirty="0" lang="en-IN"/>
               <a:t>Tertiary Industry is the main part because both primary and secondary industry are depends on tertiary industry.</a:t>
             </a:r>
           </a:p>
           <a:p>
             <a:r>
-              <a:rPr lang="en-IN" dirty="0"/>
+              <a:rPr dirty="0" lang="en-IN"/>
               <a:t>The primary sector feeds into the secondary factors.</a:t>
             </a:r>
           </a:p>
           <a:p>
             <a:r>
-              <a:rPr lang="en-IN" dirty="0"/>
+              <a:rPr dirty="0" lang="en-IN"/>
               <a:t>Each sector relies on the others to function properly. </a:t>
             </a:r>
           </a:p>
           <a:p>
-            <a:endParaRPr lang="en-IN" dirty="0"/>
-          </a:p>
-          <a:p>
-            <a:endParaRPr lang="en-IN" dirty="0"/>
+            <a:endParaRPr dirty="0" lang="en-IN"/>
+          </a:p>
+          <a:p>
+            <a:endParaRPr dirty="0" lang="en-IN"/>
           </a:p>
         </p:txBody>
       </p:sp>
     </p:spTree>
-    <p:extLst>
-      <p:ext uri="{BB962C8B-B14F-4D97-AF65-F5344CB8AC3E}">
-        <p14:creationId xmlns:p14="http://schemas.microsoft.com/office/powerpoint/2010/main" val="4267563142"/>
-      </p:ext>
-    </p:extLst>
   </p:cSld>
   <p:clrMapOvr>
     <a:masterClrMapping/>
@@ -6626,7 +6754,7 @@
   <p:cSld>
     <p:spTree>
       <p:nvGrpSpPr>
-        <p:cNvPr id="1" name=""/>
+        <p:cNvPr id="39" name=""/>
         <p:cNvGrpSpPr/>
         <p:nvPr/>
       </p:nvGrpSpPr>
@@ -6640,13 +6768,7 @@
       </p:grpSpPr>
       <p:sp>
         <p:nvSpPr>
-          <p:cNvPr id="2" name="Title 1">
-            <a:extLst>
-              <a:ext uri="{FF2B5EF4-FFF2-40B4-BE49-F238E27FC236}">
-                <a16:creationId xmlns:a16="http://schemas.microsoft.com/office/drawing/2014/main" id="{7DF9C894-4A44-C70E-9192-80DE414748B4}"/>
-              </a:ext>
-            </a:extLst>
-          </p:cNvPr>
+          <p:cNvPr id="1048607" name="Title 1"/>
           <p:cNvSpPr>
             <a:spLocks noGrp="1"/>
           </p:cNvSpPr>
@@ -6659,11 +6781,10 @@
           <a:bodyPr>
             <a:normAutofit/>
           </a:bodyPr>
-          <a:lstStyle/>
           <a:p>
             <a:pPr algn="ctr"/>
             <a:r>
-              <a:rPr lang="en-IN" sz="6600" dirty="0"/>
+              <a:rPr dirty="0" sz="6600" lang="en-IN"/>
               <a:t>Importance of Industries</a:t>
             </a:r>
           </a:p>
@@ -6671,13 +6792,7 @@
       </p:sp>
       <p:sp>
         <p:nvSpPr>
-          <p:cNvPr id="3" name="Content Placeholder 2">
-            <a:extLst>
-              <a:ext uri="{FF2B5EF4-FFF2-40B4-BE49-F238E27FC236}">
-                <a16:creationId xmlns:a16="http://schemas.microsoft.com/office/drawing/2014/main" id="{5C3A3C57-78EC-9C5C-8E90-292C8E0AF5A6}"/>
-              </a:ext>
-            </a:extLst>
-          </p:cNvPr>
+          <p:cNvPr id="1048608" name="Content Placeholder 2"/>
           <p:cNvSpPr>
             <a:spLocks noGrp="1"/>
           </p:cNvSpPr>
@@ -6693,53 +6808,69 @@
         </p:spPr>
         <p:txBody>
           <a:bodyPr>
-            <a:normAutofit fontScale="70000" lnSpcReduction="20000"/>
+            <a:normAutofit fontScale="75000" lnSpcReduction="20000"/>
           </a:bodyPr>
-          <a:lstStyle/>
-          <a:p>
-            <a:r>
-              <a:rPr lang="en-IN" sz="4000" dirty="0"/>
+          <a:p>
+            <a:r>
+              <a:rPr dirty="0" sz="4000" lang="en-IN"/>
               <a:t>Economic growth </a:t>
             </a:r>
           </a:p>
           <a:p>
             <a:r>
-              <a:rPr lang="en-IN" sz="4000" dirty="0"/>
+              <a:rPr dirty="0" sz="4000" lang="en-IN"/>
               <a:t>Development</a:t>
             </a:r>
           </a:p>
           <a:p>
             <a:r>
-              <a:rPr lang="en-IN" sz="4000" dirty="0"/>
+              <a:rPr dirty="0" sz="4000" lang="en-IN"/>
               <a:t>Job Creation</a:t>
             </a:r>
           </a:p>
           <a:p>
             <a:r>
-              <a:rPr lang="en-IN" sz="4000" dirty="0"/>
+              <a:rPr dirty="0" sz="4000" lang="en-IN"/>
               <a:t>Increase Productivity</a:t>
             </a:r>
           </a:p>
           <a:p>
             <a:r>
-              <a:rPr lang="en-IN" sz="4000" dirty="0"/>
+              <a:rPr dirty="0" sz="4000" lang="en-IN"/>
               <a:t>Increase Exports</a:t>
             </a:r>
           </a:p>
           <a:p>
             <a:r>
-              <a:rPr lang="en-IN" sz="4000" dirty="0"/>
+              <a:rPr dirty="0" sz="4000" lang="en-IN"/>
               <a:t>Improve resource Utilization.</a:t>
             </a:r>
           </a:p>
         </p:txBody>
       </p:sp>
+      <p:pic>
+        <p:nvPicPr>
+          <p:cNvPr id="2097162" name=""/>
+          <p:cNvPicPr>
+            <a:picLocks/>
+          </p:cNvPicPr>
+          <p:nvPr/>
+        </p:nvPicPr>
+        <p:blipFill>
+          <a:blip xmlns:r="http://schemas.openxmlformats.org/officeDocument/2006/relationships" r:embed="rId1"/>
+          <a:stretch>
+            <a:fillRect/>
+          </a:stretch>
+        </p:blipFill>
+        <p:spPr>
+          <a:xfrm rot="0">
+            <a:off x="5812971" y="2779010"/>
+            <a:ext cx="5064082" cy="2247033"/>
+          </a:xfrm>
+          <a:prstGeom prst="rect"/>
+        </p:spPr>
+      </p:pic>
     </p:spTree>
-    <p:extLst>
-      <p:ext uri="{BB962C8B-B14F-4D97-AF65-F5344CB8AC3E}">
-        <p14:creationId xmlns:p14="http://schemas.microsoft.com/office/powerpoint/2010/main" val="2663428550"/>
-      </p:ext>
-    </p:extLst>
   </p:cSld>
   <p:clrMapOvr>
     <a:masterClrMapping/>
@@ -6764,10 +6895,10 @@
   <a:themeElements>
     <a:clrScheme name="Organic">
       <a:dk1>
-        <a:sysClr val="windowText" lastClr="000000"/>
+        <a:sysClr lastClr="000000" val="windowText"/>
       </a:dk1>
       <a:lt1>
-        <a:sysClr val="window" lastClr="FFFFFF"/>
+        <a:sysClr lastClr="FFFFFF" val="window"/>
       </a:lt1>
       <a:dk2>
         <a:srgbClr val="212121"/>
@@ -6908,7 +7039,7 @@
               </a:schemeClr>
             </a:duotone>
           </a:blip>
-          <a:tile tx="0" ty="0" sx="100000" sy="100000" flip="none" algn="tl"/>
+          <a:tile algn="tl" flip="none" sx="100000" sy="100000" tx="0" ty="0"/>
         </a:blipFill>
       </a:fillStyleLst>
       <a:lnStyleLst>
@@ -6937,7 +7068,7 @@
         </a:effectStyle>
         <a:effectStyle>
           <a:effectLst>
-            <a:innerShdw blurRad="25400" dist="12700" dir="13500000">
+            <a:innerShdw blurRad="25400" dir="13500000" dist="12700">
               <a:srgbClr val="000000">
                 <a:alpha val="45000"/>
               </a:srgbClr>
@@ -6946,7 +7077,7 @@
         </a:effectStyle>
         <a:effectStyle>
           <a:effectLst>
-            <a:outerShdw blurRad="38100" dist="25400" dir="5400000" rotWithShape="0">
+            <a:outerShdw blurRad="38100" dir="5400000" dist="25400" rotWithShape="0">
               <a:srgbClr val="000000">
                 <a:alpha val="60000"/>
               </a:srgbClr>
@@ -6977,17 +7108,266 @@
         </a:gradFill>
         <a:blipFill>
           <a:blip xmlns:r="http://schemas.openxmlformats.org/officeDocument/2006/relationships" r:embed="rId2"/>
-          <a:stretch/>
+          <a:stretch>
+            <a:fillRect/>
+          </a:stretch>
         </a:blipFill>
       </a:bgFillStyleLst>
     </a:fmtScheme>
   </a:themeElements>
-  <a:objectDefaults/>
-  <a:extraClrSchemeLst/>
-  <a:extLst>
-    <a:ext uri="{05A4C25C-085E-4340-85A3-A5531E510DB2}">
-      <thm15:themeFamily xmlns:thm15="http://schemas.microsoft.com/office/thememl/2012/main" name="Organic" id="{28CDC826-8792-45C0-861B-85EB3ADEDA33}" vid="{7DAC20F1-423D-49E2-BD0B-50532748BAD0}"/>
-    </a:ext>
-  </a:extLst>
+</a:theme>
+</file>
+
+<file path=ppt/theme/theme2.xml><?xml version="1.0" encoding="utf-8"?>
+<a:theme xmlns:a="http://schemas.openxmlformats.org/drawingml/2006/main" name="Office 主题">
+  <a:themeElements>
+    <a:clrScheme name="Office">
+      <a:dk1>
+        <a:sysClr lastClr="000000" val="windowText"/>
+      </a:dk1>
+      <a:lt1>
+        <a:sysClr lastClr="FFFFFF" val="window"/>
+      </a:lt1>
+      <a:dk2>
+        <a:srgbClr val="44546A"/>
+      </a:dk2>
+      <a:lt2>
+        <a:srgbClr val="E7E6E6"/>
+      </a:lt2>
+      <a:accent1>
+        <a:srgbClr val="5B9BD5"/>
+      </a:accent1>
+      <a:accent2>
+        <a:srgbClr val="ED7D31"/>
+      </a:accent2>
+      <a:accent3>
+        <a:srgbClr val="A5A5A5"/>
+      </a:accent3>
+      <a:accent4>
+        <a:srgbClr val="FFC000"/>
+      </a:accent4>
+      <a:accent5>
+        <a:srgbClr val="4472C4"/>
+      </a:accent5>
+      <a:accent6>
+        <a:srgbClr val="70AD47"/>
+      </a:accent6>
+      <a:hlink>
+        <a:srgbClr val="0563C1"/>
+      </a:hlink>
+      <a:folHlink>
+        <a:srgbClr val="954F72"/>
+      </a:folHlink>
+    </a:clrScheme>
+    <a:fontScheme name="Office">
+      <a:majorFont>
+        <a:latin typeface="Calibri Light" panose="020F0302020204030204"/>
+        <a:ea typeface=""/>
+        <a:cs typeface=""/>
+        <a:font script="Jpan" typeface="ＭＳ Ｐゴシック"/>
+        <a:font script="Hang" typeface="맑은 고딕"/>
+        <a:font script="Hans" typeface="宋体"/>
+        <a:font script="Hant" typeface="新細明體"/>
+        <a:font script="Arab" typeface="Times New Roman"/>
+        <a:font script="Hebr" typeface="Times New Roman"/>
+        <a:font script="Thai" typeface="TH Sarabun PSK"/>
+        <a:font script="Ethi" typeface="Nyala"/>
+        <a:font script="Beng" typeface="Vrinda"/>
+        <a:font script="Gujr" typeface="Shruti"/>
+        <a:font script="Khmr" typeface="MoolBoran"/>
+        <a:font script="Knda" typeface="Tunga"/>
+        <a:font script="Guru" typeface="Raavi"/>
+        <a:font script="Cans" typeface="Euphemia"/>
+        <a:font script="Cher" typeface="Plantagenet Cherokee"/>
+        <a:font script="Yiii" typeface="Microsoft Yi Baiti"/>
+        <a:font script="Tibt" typeface="Microsoft Himalaya"/>
+        <a:font script="Thaa" typeface="MV Boli"/>
+        <a:font script="Deva" typeface="Mangal"/>
+        <a:font script="Telu" typeface="Gautami"/>
+        <a:font script="Taml" typeface="Latha"/>
+        <a:font script="Syrc" typeface="Estrangelo Edessa"/>
+        <a:font script="Orya" typeface="Kalinga"/>
+        <a:font script="Mlym" typeface="Kartika"/>
+        <a:font script="Laoo" typeface="DokChampa"/>
+        <a:font script="Sinh" typeface="Iskoola Pota"/>
+        <a:font script="Mong" typeface="Mongolian Baiti"/>
+        <a:font script="Viet" typeface="Times New Roman"/>
+        <a:font script="Uigh" typeface="Microsoft Uighur"/>
+        <a:font script="Geor" typeface="Sylfaen"/>
+      </a:majorFont>
+      <a:minorFont>
+        <a:latin typeface="Calibri" panose="020F0502020204030204"/>
+        <a:ea typeface=""/>
+        <a:cs typeface=""/>
+        <a:font script="Jpan" typeface="ＭＳ Ｐゴシック"/>
+        <a:font script="Hang" typeface="맑은 고딕"/>
+        <a:font script="Hans" typeface="宋体"/>
+        <a:font script="Hant" typeface="新細明體"/>
+        <a:font script="Arab" typeface="Arial"/>
+        <a:font script="Hebr" typeface="Arial"/>
+        <a:font script="Thai" typeface="TH Sarabun PSK"/>
+        <a:font script="Ethi" typeface="Nyala"/>
+        <a:font script="Beng" typeface="Vrinda"/>
+        <a:font script="Gujr" typeface="Shruti"/>
+        <a:font script="Khmr" typeface="DaunPenh"/>
+        <a:font script="Knda" typeface="Tunga"/>
+        <a:font script="Guru" typeface="Raavi"/>
+        <a:font script="Cans" typeface="Euphemia"/>
+        <a:font script="Cher" typeface="Plantagenet Cherokee"/>
+        <a:font script="Yiii" typeface="Microsoft Yi Baiti"/>
+        <a:font script="Tibt" typeface="Microsoft Himalaya"/>
+        <a:font script="Thaa" typeface="MV Boli"/>
+        <a:font script="Deva" typeface="Mangal"/>
+        <a:font script="Telu" typeface="Gautami"/>
+        <a:font script="Taml" typeface="Latha"/>
+        <a:font script="Syrc" typeface="Estrangelo Edessa"/>
+        <a:font script="Orya" typeface="Kalinga"/>
+        <a:font script="Mlym" typeface="Kartika"/>
+        <a:font script="Laoo" typeface="DokChampa"/>
+        <a:font script="Sinh" typeface="Iskoola Pota"/>
+        <a:font script="Mong" typeface="Mongolian Baiti"/>
+        <a:font script="Viet" typeface="Arial"/>
+        <a:font script="Uigh" typeface="Microsoft Uighur"/>
+        <a:font script="Geor" typeface="Sylfaen"/>
+      </a:minorFont>
+    </a:fontScheme>
+    <a:fmtScheme name="Office">
+      <a:fillStyleLst>
+        <a:solidFill>
+          <a:schemeClr val="phClr"/>
+        </a:solidFill>
+        <a:gradFill rotWithShape="1">
+          <a:gsLst>
+            <a:gs pos="0">
+              <a:schemeClr val="phClr">
+                <a:lumMod val="110000"/>
+                <a:satMod val="105000"/>
+                <a:tint val="67000"/>
+              </a:schemeClr>
+            </a:gs>
+            <a:gs pos="50000">
+              <a:schemeClr val="phClr">
+                <a:lumMod val="105000"/>
+                <a:satMod val="103000"/>
+                <a:tint val="73000"/>
+              </a:schemeClr>
+            </a:gs>
+            <a:gs pos="100000">
+              <a:schemeClr val="phClr">
+                <a:lumMod val="105000"/>
+                <a:satMod val="109000"/>
+                <a:tint val="81000"/>
+              </a:schemeClr>
+            </a:gs>
+          </a:gsLst>
+          <a:lin ang="5400000" scaled="0"/>
+        </a:gradFill>
+        <a:gradFill rotWithShape="1">
+          <a:gsLst>
+            <a:gs pos="0">
+              <a:schemeClr val="phClr">
+                <a:satMod val="103000"/>
+                <a:lumMod val="102000"/>
+                <a:tint val="94000"/>
+              </a:schemeClr>
+            </a:gs>
+            <a:gs pos="50000">
+              <a:schemeClr val="phClr">
+                <a:satMod val="110000"/>
+                <a:lumMod val="100000"/>
+                <a:shade val="100000"/>
+              </a:schemeClr>
+            </a:gs>
+            <a:gs pos="100000">
+              <a:schemeClr val="phClr">
+                <a:lumMod val="99000"/>
+                <a:satMod val="120000"/>
+                <a:shade val="78000"/>
+              </a:schemeClr>
+            </a:gs>
+          </a:gsLst>
+          <a:lin ang="5400000" scaled="0"/>
+        </a:gradFill>
+      </a:fillStyleLst>
+      <a:lnStyleLst>
+        <a:ln w="6350" cap="flat" cmpd="sng" algn="ctr">
+          <a:solidFill>
+            <a:schemeClr val="phClr"/>
+          </a:solidFill>
+          <a:prstDash val="solid"/>
+          <a:miter lim="800000"/>
+        </a:ln>
+        <a:ln w="12700" cap="flat" cmpd="sng" algn="ctr">
+          <a:solidFill>
+            <a:schemeClr val="phClr"/>
+          </a:solidFill>
+          <a:prstDash val="solid"/>
+          <a:miter lim="800000"/>
+        </a:ln>
+        <a:ln w="19050" cap="flat" cmpd="sng" algn="ctr">
+          <a:solidFill>
+            <a:schemeClr val="phClr"/>
+          </a:solidFill>
+          <a:prstDash val="solid"/>
+          <a:miter lim="800000"/>
+        </a:ln>
+      </a:lnStyleLst>
+      <a:effectStyleLst>
+        <a:effectStyle>
+          <a:effectLst/>
+        </a:effectStyle>
+        <a:effectStyle>
+          <a:effectLst/>
+        </a:effectStyle>
+        <a:effectStyle>
+          <a:effectLst>
+            <a:outerShdw algn="ctr" blurRad="57150" dir="5400000" dist="19050" rotWithShape="0">
+              <a:srgbClr val="000000">
+                <a:alpha val="63000"/>
+              </a:srgbClr>
+            </a:outerShdw>
+          </a:effectLst>
+        </a:effectStyle>
+      </a:effectStyleLst>
+      <a:bgFillStyleLst>
+        <a:solidFill>
+          <a:schemeClr val="phClr"/>
+        </a:solidFill>
+        <a:solidFill>
+          <a:schemeClr val="phClr">
+            <a:tint val="95000"/>
+            <a:satMod val="170000"/>
+          </a:schemeClr>
+        </a:solidFill>
+        <a:gradFill rotWithShape="1">
+          <a:gsLst>
+            <a:gs pos="0">
+              <a:schemeClr val="phClr">
+                <a:tint val="93000"/>
+                <a:satMod val="150000"/>
+                <a:shade val="98000"/>
+                <a:lumMod val="102000"/>
+              </a:schemeClr>
+            </a:gs>
+            <a:gs pos="50000">
+              <a:schemeClr val="phClr">
+                <a:tint val="98000"/>
+                <a:satMod val="130000"/>
+                <a:shade val="90000"/>
+                <a:lumMod val="103000"/>
+              </a:schemeClr>
+            </a:gs>
+            <a:gs pos="100000">
+              <a:schemeClr val="phClr">
+                <a:shade val="63000"/>
+                <a:satMod val="120000"/>
+              </a:schemeClr>
+            </a:gs>
+          </a:gsLst>
+          <a:lin ang="5400000" scaled="0"/>
+        </a:gradFill>
+      </a:bgFillStyleLst>
+    </a:fmtScheme>
+  </a:themeElements>
 </a:theme>
 </file>